--- a/powerpoint_diagrams/skywarp.pptx
+++ b/powerpoint_diagrams/skywarp.pptx
@@ -198,7 +198,7 @@
           <a:p>
             <a:fld id="{9BEDD971-A961-9A42-9A63-C604077EA4F7}" type="datetimeFigureOut">
               <a:rPr lang="en-US" smtClean="0"/>
-              <a:t>11/27/23</a:t>
+              <a:t>11/29/23</a:t>
             </a:fld>
             <a:endParaRPr lang="en-US"/>
           </a:p>
@@ -597,7 +597,7 @@
           <a:p>
             <a:fld id="{97F04EE7-27F9-CA4B-A813-4F9DBE34D822}" type="datetimeFigureOut">
               <a:rPr lang="en-US" smtClean="0"/>
-              <a:t>11/27/23</a:t>
+              <a:t>11/29/23</a:t>
             </a:fld>
             <a:endParaRPr lang="en-US"/>
           </a:p>
@@ -767,7 +767,7 @@
           <a:p>
             <a:fld id="{97F04EE7-27F9-CA4B-A813-4F9DBE34D822}" type="datetimeFigureOut">
               <a:rPr lang="en-US" smtClean="0"/>
-              <a:t>11/27/23</a:t>
+              <a:t>11/29/23</a:t>
             </a:fld>
             <a:endParaRPr lang="en-US"/>
           </a:p>
@@ -947,7 +947,7 @@
           <a:p>
             <a:fld id="{97F04EE7-27F9-CA4B-A813-4F9DBE34D822}" type="datetimeFigureOut">
               <a:rPr lang="en-US" smtClean="0"/>
-              <a:t>11/27/23</a:t>
+              <a:t>11/29/23</a:t>
             </a:fld>
             <a:endParaRPr lang="en-US"/>
           </a:p>
@@ -1117,7 +1117,7 @@
           <a:p>
             <a:fld id="{97F04EE7-27F9-CA4B-A813-4F9DBE34D822}" type="datetimeFigureOut">
               <a:rPr lang="en-US" smtClean="0"/>
-              <a:t>11/27/23</a:t>
+              <a:t>11/29/23</a:t>
             </a:fld>
             <a:endParaRPr lang="en-US"/>
           </a:p>
@@ -1361,7 +1361,7 @@
           <a:p>
             <a:fld id="{97F04EE7-27F9-CA4B-A813-4F9DBE34D822}" type="datetimeFigureOut">
               <a:rPr lang="en-US" smtClean="0"/>
-              <a:t>11/27/23</a:t>
+              <a:t>11/29/23</a:t>
             </a:fld>
             <a:endParaRPr lang="en-US"/>
           </a:p>
@@ -1593,7 +1593,7 @@
           <a:p>
             <a:fld id="{97F04EE7-27F9-CA4B-A813-4F9DBE34D822}" type="datetimeFigureOut">
               <a:rPr lang="en-US" smtClean="0"/>
-              <a:t>11/27/23</a:t>
+              <a:t>11/29/23</a:t>
             </a:fld>
             <a:endParaRPr lang="en-US"/>
           </a:p>
@@ -1960,7 +1960,7 @@
           <a:p>
             <a:fld id="{97F04EE7-27F9-CA4B-A813-4F9DBE34D822}" type="datetimeFigureOut">
               <a:rPr lang="en-US" smtClean="0"/>
-              <a:t>11/27/23</a:t>
+              <a:t>11/29/23</a:t>
             </a:fld>
             <a:endParaRPr lang="en-US"/>
           </a:p>
@@ -2078,7 +2078,7 @@
           <a:p>
             <a:fld id="{97F04EE7-27F9-CA4B-A813-4F9DBE34D822}" type="datetimeFigureOut">
               <a:rPr lang="en-US" smtClean="0"/>
-              <a:t>11/27/23</a:t>
+              <a:t>11/29/23</a:t>
             </a:fld>
             <a:endParaRPr lang="en-US"/>
           </a:p>
@@ -2173,7 +2173,7 @@
           <a:p>
             <a:fld id="{97F04EE7-27F9-CA4B-A813-4F9DBE34D822}" type="datetimeFigureOut">
               <a:rPr lang="en-US" smtClean="0"/>
-              <a:t>11/27/23</a:t>
+              <a:t>11/29/23</a:t>
             </a:fld>
             <a:endParaRPr lang="en-US"/>
           </a:p>
@@ -2450,7 +2450,7 @@
           <a:p>
             <a:fld id="{97F04EE7-27F9-CA4B-A813-4F9DBE34D822}" type="datetimeFigureOut">
               <a:rPr lang="en-US" smtClean="0"/>
-              <a:t>11/27/23</a:t>
+              <a:t>11/29/23</a:t>
             </a:fld>
             <a:endParaRPr lang="en-US"/>
           </a:p>
@@ -2707,7 +2707,7 @@
           <a:p>
             <a:fld id="{97F04EE7-27F9-CA4B-A813-4F9DBE34D822}" type="datetimeFigureOut">
               <a:rPr lang="en-US" smtClean="0"/>
-              <a:t>11/27/23</a:t>
+              <a:t>11/29/23</a:t>
             </a:fld>
             <a:endParaRPr lang="en-US"/>
           </a:p>
@@ -2920,7 +2920,7 @@
           <a:p>
             <a:fld id="{97F04EE7-27F9-CA4B-A813-4F9DBE34D822}" type="datetimeFigureOut">
               <a:rPr lang="en-US" smtClean="0"/>
-              <a:t>11/27/23</a:t>
+              <a:t>11/29/23</a:t>
             </a:fld>
             <a:endParaRPr lang="en-US"/>
           </a:p>
@@ -21560,7 +21560,7 @@
         <p:spPr>
           <a:xfrm>
             <a:off x="5692993" y="12960733"/>
-            <a:ext cx="3511889" cy="261610"/>
+            <a:ext cx="3511889" cy="430887"/>
           </a:xfrm>
           <a:prstGeom prst="rect">
             <a:avLst/>
@@ -21587,17 +21587,17 @@
             </a:r>
             <a:r>
               <a:rPr lang="en-GB" sz="1100" dirty="0"/>
-              <a:t>, min size 1, embedded with dense layer(s) </a:t>
-            </a:r>
-          </a:p>
-        </p:txBody>
-      </p:sp>
-      <p:sp>
-        <p:nvSpPr>
-          <p:cNvPr id="359" name="Rounded Rectangle 106">
-            <a:extLst>
-              <a:ext uri="{FF2B5EF4-FFF2-40B4-BE49-F238E27FC236}">
-                <a16:creationId xmlns:a16="http://schemas.microsoft.com/office/drawing/2014/main" id="{49E0A8AC-B964-928C-9133-85556B554569}"/>
+              <a:t>, min size 1, embedded with single non-overlapping kernel </a:t>
+            </a:r>
+          </a:p>
+        </p:txBody>
+      </p:sp>
+      <p:sp>
+        <p:nvSpPr>
+          <p:cNvPr id="3" name="Trapezium 2">
+            <a:extLst>
+              <a:ext uri="{FF2B5EF4-FFF2-40B4-BE49-F238E27FC236}">
+                <a16:creationId xmlns:a16="http://schemas.microsoft.com/office/drawing/2014/main" id="{DCBC7BBD-9BFF-1888-BE44-7BE1B90A2903}"/>
               </a:ext>
             </a:extLst>
           </p:cNvPr>
@@ -21605,17 +21605,19 @@
           <p:nvPr/>
         </p:nvSpPr>
         <p:spPr>
-          <a:xfrm>
-            <a:off x="8742745" y="12354624"/>
-            <a:ext cx="634652" cy="324178"/>
-          </a:xfrm>
-          <a:prstGeom prst="roundRect">
-            <a:avLst/>
+          <a:xfrm rot="10800000">
+            <a:off x="6145022" y="12130821"/>
+            <a:ext cx="716008" cy="541271"/>
+          </a:xfrm>
+          <a:prstGeom prst="trapezoid">
+            <a:avLst>
+              <a:gd name="adj" fmla="val 42126"/>
+            </a:avLst>
           </a:prstGeom>
           <a:solidFill>
             <a:schemeClr val="tx1"/>
           </a:solidFill>
-          <a:ln w="63500">
+          <a:ln>
             <a:solidFill>
               <a:schemeClr val="tx1"/>
             </a:solidFill>
@@ -21642,7 +21644,399 @@
           <a:lstStyle/>
           <a:p>
             <a:pPr algn="ctr"/>
-            <a:endParaRPr lang="en-US"/>
+            <a:endParaRPr lang="en-US" dirty="0"/>
+          </a:p>
+        </p:txBody>
+      </p:sp>
+      <p:sp>
+        <p:nvSpPr>
+          <p:cNvPr id="7" name="Trapezium 6">
+            <a:extLst>
+              <a:ext uri="{FF2B5EF4-FFF2-40B4-BE49-F238E27FC236}">
+                <a16:creationId xmlns:a16="http://schemas.microsoft.com/office/drawing/2014/main" id="{D6217EDD-2D5D-124A-97B8-F748B730E1FF}"/>
+              </a:ext>
+            </a:extLst>
+          </p:cNvPr>
+          <p:cNvSpPr/>
+          <p:nvPr/>
+        </p:nvSpPr>
+        <p:spPr>
+          <a:xfrm rot="10800000">
+            <a:off x="6872114" y="12130821"/>
+            <a:ext cx="716008" cy="541271"/>
+          </a:xfrm>
+          <a:prstGeom prst="trapezoid">
+            <a:avLst>
+              <a:gd name="adj" fmla="val 42126"/>
+            </a:avLst>
+          </a:prstGeom>
+          <a:solidFill>
+            <a:schemeClr val="tx1"/>
+          </a:solidFill>
+          <a:ln>
+            <a:solidFill>
+              <a:schemeClr val="tx1"/>
+            </a:solidFill>
+          </a:ln>
+        </p:spPr>
+        <p:style>
+          <a:lnRef idx="2">
+            <a:schemeClr val="accent1">
+              <a:shade val="50000"/>
+            </a:schemeClr>
+          </a:lnRef>
+          <a:fillRef idx="1">
+            <a:schemeClr val="accent1"/>
+          </a:fillRef>
+          <a:effectRef idx="0">
+            <a:schemeClr val="accent1"/>
+          </a:effectRef>
+          <a:fontRef idx="minor">
+            <a:schemeClr val="lt1"/>
+          </a:fontRef>
+        </p:style>
+        <p:txBody>
+          <a:bodyPr rtlCol="0" anchor="ctr"/>
+          <a:lstStyle/>
+          <a:p>
+            <a:pPr algn="ctr"/>
+            <a:endParaRPr lang="en-US" dirty="0"/>
+          </a:p>
+        </p:txBody>
+      </p:sp>
+      <p:sp>
+        <p:nvSpPr>
+          <p:cNvPr id="8" name="Trapezium 7">
+            <a:extLst>
+              <a:ext uri="{FF2B5EF4-FFF2-40B4-BE49-F238E27FC236}">
+                <a16:creationId xmlns:a16="http://schemas.microsoft.com/office/drawing/2014/main" id="{03C8D1E3-6C46-957C-CA6B-1A1D263539D7}"/>
+              </a:ext>
+            </a:extLst>
+          </p:cNvPr>
+          <p:cNvSpPr/>
+          <p:nvPr/>
+        </p:nvSpPr>
+        <p:spPr>
+          <a:xfrm rot="10800000">
+            <a:off x="7599576" y="12130821"/>
+            <a:ext cx="716008" cy="541271"/>
+          </a:xfrm>
+          <a:prstGeom prst="trapezoid">
+            <a:avLst>
+              <a:gd name="adj" fmla="val 42126"/>
+            </a:avLst>
+          </a:prstGeom>
+          <a:solidFill>
+            <a:schemeClr val="tx1"/>
+          </a:solidFill>
+          <a:ln>
+            <a:solidFill>
+              <a:schemeClr val="tx1"/>
+            </a:solidFill>
+          </a:ln>
+        </p:spPr>
+        <p:style>
+          <a:lnRef idx="2">
+            <a:schemeClr val="accent1">
+              <a:shade val="50000"/>
+            </a:schemeClr>
+          </a:lnRef>
+          <a:fillRef idx="1">
+            <a:schemeClr val="accent1"/>
+          </a:fillRef>
+          <a:effectRef idx="0">
+            <a:schemeClr val="accent1"/>
+          </a:effectRef>
+          <a:fontRef idx="minor">
+            <a:schemeClr val="lt1"/>
+          </a:fontRef>
+        </p:style>
+        <p:txBody>
+          <a:bodyPr rtlCol="0" anchor="ctr"/>
+          <a:lstStyle/>
+          <a:p>
+            <a:pPr algn="ctr"/>
+            <a:endParaRPr lang="en-US" dirty="0"/>
+          </a:p>
+        </p:txBody>
+      </p:sp>
+      <p:sp>
+        <p:nvSpPr>
+          <p:cNvPr id="9" name="Trapezium 8">
+            <a:extLst>
+              <a:ext uri="{FF2B5EF4-FFF2-40B4-BE49-F238E27FC236}">
+                <a16:creationId xmlns:a16="http://schemas.microsoft.com/office/drawing/2014/main" id="{8B6AB507-D8F0-A61F-7C21-62211AB980F7}"/>
+              </a:ext>
+            </a:extLst>
+          </p:cNvPr>
+          <p:cNvSpPr/>
+          <p:nvPr/>
+        </p:nvSpPr>
+        <p:spPr>
+          <a:xfrm rot="10800000">
+            <a:off x="8320765" y="12130821"/>
+            <a:ext cx="716008" cy="541271"/>
+          </a:xfrm>
+          <a:prstGeom prst="trapezoid">
+            <a:avLst>
+              <a:gd name="adj" fmla="val 42126"/>
+            </a:avLst>
+          </a:prstGeom>
+          <a:solidFill>
+            <a:schemeClr val="tx1"/>
+          </a:solidFill>
+          <a:ln>
+            <a:solidFill>
+              <a:schemeClr val="tx1"/>
+            </a:solidFill>
+          </a:ln>
+        </p:spPr>
+        <p:style>
+          <a:lnRef idx="2">
+            <a:schemeClr val="accent1">
+              <a:shade val="50000"/>
+            </a:schemeClr>
+          </a:lnRef>
+          <a:fillRef idx="1">
+            <a:schemeClr val="accent1"/>
+          </a:fillRef>
+          <a:effectRef idx="0">
+            <a:schemeClr val="accent1"/>
+          </a:effectRef>
+          <a:fontRef idx="minor">
+            <a:schemeClr val="lt1"/>
+          </a:fontRef>
+        </p:style>
+        <p:txBody>
+          <a:bodyPr rtlCol="0" anchor="ctr"/>
+          <a:lstStyle/>
+          <a:p>
+            <a:pPr algn="ctr"/>
+            <a:endParaRPr lang="en-US" dirty="0"/>
+          </a:p>
+        </p:txBody>
+      </p:sp>
+      <p:sp>
+        <p:nvSpPr>
+          <p:cNvPr id="10" name="Trapezium 9">
+            <a:extLst>
+              <a:ext uri="{FF2B5EF4-FFF2-40B4-BE49-F238E27FC236}">
+                <a16:creationId xmlns:a16="http://schemas.microsoft.com/office/drawing/2014/main" id="{957E177D-6262-E5DC-74A3-522CA0C066F3}"/>
+              </a:ext>
+            </a:extLst>
+          </p:cNvPr>
+          <p:cNvSpPr/>
+          <p:nvPr/>
+        </p:nvSpPr>
+        <p:spPr>
+          <a:xfrm rot="10800000">
+            <a:off x="9037780" y="12130821"/>
+            <a:ext cx="716008" cy="541271"/>
+          </a:xfrm>
+          <a:prstGeom prst="trapezoid">
+            <a:avLst>
+              <a:gd name="adj" fmla="val 42126"/>
+            </a:avLst>
+          </a:prstGeom>
+          <a:solidFill>
+            <a:schemeClr val="tx1"/>
+          </a:solidFill>
+          <a:ln>
+            <a:solidFill>
+              <a:schemeClr val="tx1"/>
+            </a:solidFill>
+          </a:ln>
+        </p:spPr>
+        <p:style>
+          <a:lnRef idx="2">
+            <a:schemeClr val="accent1">
+              <a:shade val="50000"/>
+            </a:schemeClr>
+          </a:lnRef>
+          <a:fillRef idx="1">
+            <a:schemeClr val="accent1"/>
+          </a:fillRef>
+          <a:effectRef idx="0">
+            <a:schemeClr val="accent1"/>
+          </a:effectRef>
+          <a:fontRef idx="minor">
+            <a:schemeClr val="lt1"/>
+          </a:fontRef>
+        </p:style>
+        <p:txBody>
+          <a:bodyPr rtlCol="0" anchor="ctr"/>
+          <a:lstStyle/>
+          <a:p>
+            <a:pPr algn="ctr"/>
+            <a:endParaRPr lang="en-US" dirty="0"/>
+          </a:p>
+        </p:txBody>
+      </p:sp>
+      <p:sp>
+        <p:nvSpPr>
+          <p:cNvPr id="11" name="Trapezium 10">
+            <a:extLst>
+              <a:ext uri="{FF2B5EF4-FFF2-40B4-BE49-F238E27FC236}">
+                <a16:creationId xmlns:a16="http://schemas.microsoft.com/office/drawing/2014/main" id="{924A2A84-4453-C2D9-A742-17789673DF30}"/>
+              </a:ext>
+            </a:extLst>
+          </p:cNvPr>
+          <p:cNvSpPr/>
+          <p:nvPr/>
+        </p:nvSpPr>
+        <p:spPr>
+          <a:xfrm rot="10800000">
+            <a:off x="9750996" y="12129335"/>
+            <a:ext cx="716008" cy="541271"/>
+          </a:xfrm>
+          <a:prstGeom prst="trapezoid">
+            <a:avLst>
+              <a:gd name="adj" fmla="val 42126"/>
+            </a:avLst>
+          </a:prstGeom>
+          <a:solidFill>
+            <a:schemeClr val="tx1"/>
+          </a:solidFill>
+          <a:ln>
+            <a:solidFill>
+              <a:schemeClr val="tx1"/>
+            </a:solidFill>
+          </a:ln>
+        </p:spPr>
+        <p:style>
+          <a:lnRef idx="2">
+            <a:schemeClr val="accent1">
+              <a:shade val="50000"/>
+            </a:schemeClr>
+          </a:lnRef>
+          <a:fillRef idx="1">
+            <a:schemeClr val="accent1"/>
+          </a:fillRef>
+          <a:effectRef idx="0">
+            <a:schemeClr val="accent1"/>
+          </a:effectRef>
+          <a:fontRef idx="minor">
+            <a:schemeClr val="lt1"/>
+          </a:fontRef>
+        </p:style>
+        <p:txBody>
+          <a:bodyPr rtlCol="0" anchor="ctr"/>
+          <a:lstStyle/>
+          <a:p>
+            <a:pPr algn="ctr"/>
+            <a:endParaRPr lang="en-US" dirty="0"/>
+          </a:p>
+        </p:txBody>
+      </p:sp>
+      <p:sp>
+        <p:nvSpPr>
+          <p:cNvPr id="12" name="Trapezium 11">
+            <a:extLst>
+              <a:ext uri="{FF2B5EF4-FFF2-40B4-BE49-F238E27FC236}">
+                <a16:creationId xmlns:a16="http://schemas.microsoft.com/office/drawing/2014/main" id="{BC00C6AB-B97A-3BFD-B21A-26ADBF2D71AE}"/>
+              </a:ext>
+            </a:extLst>
+          </p:cNvPr>
+          <p:cNvSpPr/>
+          <p:nvPr/>
+        </p:nvSpPr>
+        <p:spPr>
+          <a:xfrm rot="10800000">
+            <a:off x="10478451" y="12129335"/>
+            <a:ext cx="716008" cy="541271"/>
+          </a:xfrm>
+          <a:prstGeom prst="trapezoid">
+            <a:avLst>
+              <a:gd name="adj" fmla="val 42126"/>
+            </a:avLst>
+          </a:prstGeom>
+          <a:solidFill>
+            <a:schemeClr val="tx1"/>
+          </a:solidFill>
+          <a:ln>
+            <a:solidFill>
+              <a:schemeClr val="tx1"/>
+            </a:solidFill>
+          </a:ln>
+        </p:spPr>
+        <p:style>
+          <a:lnRef idx="2">
+            <a:schemeClr val="accent1">
+              <a:shade val="50000"/>
+            </a:schemeClr>
+          </a:lnRef>
+          <a:fillRef idx="1">
+            <a:schemeClr val="accent1"/>
+          </a:fillRef>
+          <a:effectRef idx="0">
+            <a:schemeClr val="accent1"/>
+          </a:effectRef>
+          <a:fontRef idx="minor">
+            <a:schemeClr val="lt1"/>
+          </a:fontRef>
+        </p:style>
+        <p:txBody>
+          <a:bodyPr rtlCol="0" anchor="ctr"/>
+          <a:lstStyle/>
+          <a:p>
+            <a:pPr algn="ctr"/>
+            <a:endParaRPr lang="en-US" dirty="0"/>
+          </a:p>
+        </p:txBody>
+      </p:sp>
+      <p:sp>
+        <p:nvSpPr>
+          <p:cNvPr id="13" name="Trapezium 12">
+            <a:extLst>
+              <a:ext uri="{FF2B5EF4-FFF2-40B4-BE49-F238E27FC236}">
+                <a16:creationId xmlns:a16="http://schemas.microsoft.com/office/drawing/2014/main" id="{95779440-71AE-00A4-4645-0FBA3E8CCB77}"/>
+              </a:ext>
+            </a:extLst>
+          </p:cNvPr>
+          <p:cNvSpPr/>
+          <p:nvPr/>
+        </p:nvSpPr>
+        <p:spPr>
+          <a:xfrm rot="10800000">
+            <a:off x="11205969" y="12129335"/>
+            <a:ext cx="716008" cy="541271"/>
+          </a:xfrm>
+          <a:prstGeom prst="trapezoid">
+            <a:avLst>
+              <a:gd name="adj" fmla="val 42126"/>
+            </a:avLst>
+          </a:prstGeom>
+          <a:solidFill>
+            <a:schemeClr val="tx1"/>
+          </a:solidFill>
+          <a:ln>
+            <a:solidFill>
+              <a:schemeClr val="tx1"/>
+            </a:solidFill>
+          </a:ln>
+        </p:spPr>
+        <p:style>
+          <a:lnRef idx="2">
+            <a:schemeClr val="accent1">
+              <a:shade val="50000"/>
+            </a:schemeClr>
+          </a:lnRef>
+          <a:fillRef idx="1">
+            <a:schemeClr val="accent1"/>
+          </a:fillRef>
+          <a:effectRef idx="0">
+            <a:schemeClr val="accent1"/>
+          </a:effectRef>
+          <a:fontRef idx="minor">
+            <a:schemeClr val="lt1"/>
+          </a:fontRef>
+        </p:style>
+        <p:txBody>
+          <a:bodyPr rtlCol="0" anchor="ctr"/>
+          <a:lstStyle/>
+          <a:p>
+            <a:pPr algn="ctr"/>
+            <a:endParaRPr lang="en-US" dirty="0"/>
           </a:p>
         </p:txBody>
       </p:sp>

--- a/powerpoint_diagrams/skywarp.pptx
+++ b/powerpoint_diagrams/skywarp.pptx
@@ -5,11 +5,13 @@
     <p:sldMasterId id="2147483660" r:id="rId1"/>
   </p:sldMasterIdLst>
   <p:notesMasterIdLst>
-    <p:notesMasterId r:id="rId4"/>
+    <p:notesMasterId r:id="rId6"/>
   </p:notesMasterIdLst>
   <p:sldIdLst>
     <p:sldId id="257" r:id="rId2"/>
     <p:sldId id="258" r:id="rId3"/>
+    <p:sldId id="259" r:id="rId4"/>
+    <p:sldId id="260" r:id="rId5"/>
   </p:sldIdLst>
   <p:sldSz cx="18000663" cy="18000663"/>
   <p:notesSz cx="6858000" cy="9144000"/>
@@ -198,7 +200,7 @@
           <a:p>
             <a:fld id="{9BEDD971-A961-9A42-9A63-C604077EA4F7}" type="datetimeFigureOut">
               <a:rPr lang="en-US" smtClean="0"/>
-              <a:t>11/29/23</a:t>
+              <a:t>11/30/2023</a:t>
             </a:fld>
             <a:endParaRPr lang="en-US"/>
           </a:p>
@@ -597,7 +599,7 @@
           <a:p>
             <a:fld id="{97F04EE7-27F9-CA4B-A813-4F9DBE34D822}" type="datetimeFigureOut">
               <a:rPr lang="en-US" smtClean="0"/>
-              <a:t>11/29/23</a:t>
+              <a:t>11/30/2023</a:t>
             </a:fld>
             <a:endParaRPr lang="en-US"/>
           </a:p>
@@ -767,7 +769,7 @@
           <a:p>
             <a:fld id="{97F04EE7-27F9-CA4B-A813-4F9DBE34D822}" type="datetimeFigureOut">
               <a:rPr lang="en-US" smtClean="0"/>
-              <a:t>11/29/23</a:t>
+              <a:t>11/30/2023</a:t>
             </a:fld>
             <a:endParaRPr lang="en-US"/>
           </a:p>
@@ -947,7 +949,7 @@
           <a:p>
             <a:fld id="{97F04EE7-27F9-CA4B-A813-4F9DBE34D822}" type="datetimeFigureOut">
               <a:rPr lang="en-US" smtClean="0"/>
-              <a:t>11/29/23</a:t>
+              <a:t>11/30/2023</a:t>
             </a:fld>
             <a:endParaRPr lang="en-US"/>
           </a:p>
@@ -1117,7 +1119,7 @@
           <a:p>
             <a:fld id="{97F04EE7-27F9-CA4B-A813-4F9DBE34D822}" type="datetimeFigureOut">
               <a:rPr lang="en-US" smtClean="0"/>
-              <a:t>11/29/23</a:t>
+              <a:t>11/30/2023</a:t>
             </a:fld>
             <a:endParaRPr lang="en-US"/>
           </a:p>
@@ -1361,7 +1363,7 @@
           <a:p>
             <a:fld id="{97F04EE7-27F9-CA4B-A813-4F9DBE34D822}" type="datetimeFigureOut">
               <a:rPr lang="en-US" smtClean="0"/>
-              <a:t>11/29/23</a:t>
+              <a:t>11/30/2023</a:t>
             </a:fld>
             <a:endParaRPr lang="en-US"/>
           </a:p>
@@ -1593,7 +1595,7 @@
           <a:p>
             <a:fld id="{97F04EE7-27F9-CA4B-A813-4F9DBE34D822}" type="datetimeFigureOut">
               <a:rPr lang="en-US" smtClean="0"/>
-              <a:t>11/29/23</a:t>
+              <a:t>11/30/2023</a:t>
             </a:fld>
             <a:endParaRPr lang="en-US"/>
           </a:p>
@@ -1960,7 +1962,7 @@
           <a:p>
             <a:fld id="{97F04EE7-27F9-CA4B-A813-4F9DBE34D822}" type="datetimeFigureOut">
               <a:rPr lang="en-US" smtClean="0"/>
-              <a:t>11/29/23</a:t>
+              <a:t>11/30/2023</a:t>
             </a:fld>
             <a:endParaRPr lang="en-US"/>
           </a:p>
@@ -2078,7 +2080,7 @@
           <a:p>
             <a:fld id="{97F04EE7-27F9-CA4B-A813-4F9DBE34D822}" type="datetimeFigureOut">
               <a:rPr lang="en-US" smtClean="0"/>
-              <a:t>11/29/23</a:t>
+              <a:t>11/30/2023</a:t>
             </a:fld>
             <a:endParaRPr lang="en-US"/>
           </a:p>
@@ -2173,7 +2175,7 @@
           <a:p>
             <a:fld id="{97F04EE7-27F9-CA4B-A813-4F9DBE34D822}" type="datetimeFigureOut">
               <a:rPr lang="en-US" smtClean="0"/>
-              <a:t>11/29/23</a:t>
+              <a:t>11/30/2023</a:t>
             </a:fld>
             <a:endParaRPr lang="en-US"/>
           </a:p>
@@ -2450,7 +2452,7 @@
           <a:p>
             <a:fld id="{97F04EE7-27F9-CA4B-A813-4F9DBE34D822}" type="datetimeFigureOut">
               <a:rPr lang="en-US" smtClean="0"/>
-              <a:t>11/29/23</a:t>
+              <a:t>11/30/2023</a:t>
             </a:fld>
             <a:endParaRPr lang="en-US"/>
           </a:p>
@@ -2707,7 +2709,7 @@
           <a:p>
             <a:fld id="{97F04EE7-27F9-CA4B-A813-4F9DBE34D822}" type="datetimeFigureOut">
               <a:rPr lang="en-US" smtClean="0"/>
-              <a:t>11/29/23</a:t>
+              <a:t>11/30/2023</a:t>
             </a:fld>
             <a:endParaRPr lang="en-US"/>
           </a:p>
@@ -2920,7 +2922,7 @@
           <a:p>
             <a:fld id="{97F04EE7-27F9-CA4B-A813-4F9DBE34D822}" type="datetimeFigureOut">
               <a:rPr lang="en-US" smtClean="0"/>
-              <a:t>11/29/23</a:t>
+              <a:t>11/30/2023</a:t>
             </a:fld>
             <a:endParaRPr lang="en-US"/>
           </a:p>
@@ -22053,6 +22055,7498 @@
 </p:sld>
 </file>
 
+<file path=ppt/slides/slide3.xml><?xml version="1.0" encoding="utf-8"?>
+<p:sld xmlns:a="http://schemas.openxmlformats.org/drawingml/2006/main" xmlns:r="http://schemas.openxmlformats.org/officeDocument/2006/relationships" xmlns:p="http://schemas.openxmlformats.org/presentationml/2006/main">
+  <p:cSld>
+    <p:spTree>
+      <p:nvGrpSpPr>
+        <p:cNvPr id="1" name=""/>
+        <p:cNvGrpSpPr/>
+        <p:nvPr/>
+      </p:nvGrpSpPr>
+      <p:grpSpPr>
+        <a:xfrm>
+          <a:off x="0" y="0"/>
+          <a:ext cx="0" cy="0"/>
+          <a:chOff x="0" y="0"/>
+          <a:chExt cx="0" cy="0"/>
+        </a:xfrm>
+      </p:grpSpPr>
+      <p:sp>
+        <p:nvSpPr>
+          <p:cNvPr id="230" name="Rectangle: Rounded Corners 11">
+            <a:extLst>
+              <a:ext uri="{FF2B5EF4-FFF2-40B4-BE49-F238E27FC236}">
+                <a16:creationId xmlns:a16="http://schemas.microsoft.com/office/drawing/2014/main" id="{26231C2C-F313-74DF-9273-88FED107AF00}"/>
+              </a:ext>
+            </a:extLst>
+          </p:cNvPr>
+          <p:cNvSpPr/>
+          <p:nvPr/>
+        </p:nvSpPr>
+        <p:spPr>
+          <a:xfrm>
+            <a:off x="3698202" y="7153747"/>
+            <a:ext cx="975739" cy="690560"/>
+          </a:xfrm>
+          <a:prstGeom prst="roundRect">
+            <a:avLst/>
+          </a:prstGeom>
+          <a:solidFill>
+            <a:schemeClr val="bg1"/>
+          </a:solidFill>
+          <a:ln w="25400">
+            <a:solidFill>
+              <a:srgbClr val="0C0C27"/>
+            </a:solidFill>
+          </a:ln>
+        </p:spPr>
+        <p:style>
+          <a:lnRef idx="2">
+            <a:schemeClr val="accent1">
+              <a:shade val="50000"/>
+            </a:schemeClr>
+          </a:lnRef>
+          <a:fillRef idx="1">
+            <a:schemeClr val="accent1"/>
+          </a:fillRef>
+          <a:effectRef idx="0">
+            <a:schemeClr val="accent1"/>
+          </a:effectRef>
+          <a:fontRef idx="minor">
+            <a:schemeClr val="lt1"/>
+          </a:fontRef>
+        </p:style>
+        <p:txBody>
+          <a:bodyPr rtlCol="0" anchor="ctr"/>
+          <a:lstStyle/>
+          <a:p>
+            <a:pPr algn="ctr"/>
+            <a:endParaRPr lang="en-US" sz="1350" dirty="0"/>
+          </a:p>
+          <a:p>
+            <a:pPr algn="ctr"/>
+            <a:endParaRPr lang="en-US" sz="2400" dirty="0">
+              <a:solidFill>
+                <a:srgbClr val="0C0C25"/>
+              </a:solidFill>
+              <a:latin typeface="Arial Rounded MT Bold" panose="020F0704030504030204" pitchFamily="34" charset="0"/>
+            </a:endParaRPr>
+          </a:p>
+          <a:p>
+            <a:pPr algn="ctr"/>
+            <a:endParaRPr lang="en-US" sz="1350" dirty="0"/>
+          </a:p>
+        </p:txBody>
+      </p:sp>
+      <p:sp>
+        <p:nvSpPr>
+          <p:cNvPr id="17" name="Rectangle: Rounded Corners 11">
+            <a:extLst>
+              <a:ext uri="{FF2B5EF4-FFF2-40B4-BE49-F238E27FC236}">
+                <a16:creationId xmlns:a16="http://schemas.microsoft.com/office/drawing/2014/main" id="{A0E4657A-667D-F757-F0A6-E18CE313E439}"/>
+              </a:ext>
+            </a:extLst>
+          </p:cNvPr>
+          <p:cNvSpPr/>
+          <p:nvPr/>
+        </p:nvSpPr>
+        <p:spPr>
+          <a:xfrm>
+            <a:off x="6241086" y="5674360"/>
+            <a:ext cx="1459214" cy="1085136"/>
+          </a:xfrm>
+          <a:prstGeom prst="roundRect">
+            <a:avLst/>
+          </a:prstGeom>
+          <a:solidFill>
+            <a:schemeClr val="bg1"/>
+          </a:solidFill>
+          <a:ln w="25400">
+            <a:solidFill>
+              <a:srgbClr val="0C0C27"/>
+            </a:solidFill>
+          </a:ln>
+        </p:spPr>
+        <p:style>
+          <a:lnRef idx="2">
+            <a:schemeClr val="accent1">
+              <a:shade val="50000"/>
+            </a:schemeClr>
+          </a:lnRef>
+          <a:fillRef idx="1">
+            <a:schemeClr val="accent1"/>
+          </a:fillRef>
+          <a:effectRef idx="0">
+            <a:schemeClr val="accent1"/>
+          </a:effectRef>
+          <a:fontRef idx="minor">
+            <a:schemeClr val="lt1"/>
+          </a:fontRef>
+        </p:style>
+        <p:txBody>
+          <a:bodyPr rtlCol="0" anchor="ctr"/>
+          <a:lstStyle/>
+          <a:p>
+            <a:pPr algn="ctr"/>
+            <a:endParaRPr lang="en-US" sz="1350" dirty="0"/>
+          </a:p>
+          <a:p>
+            <a:pPr algn="ctr"/>
+            <a:endParaRPr lang="en-US" sz="1350" dirty="0"/>
+          </a:p>
+        </p:txBody>
+      </p:sp>
+      <p:sp>
+        <p:nvSpPr>
+          <p:cNvPr id="29" name="Rectangle: Rounded Corners 11">
+            <a:extLst>
+              <a:ext uri="{FF2B5EF4-FFF2-40B4-BE49-F238E27FC236}">
+                <a16:creationId xmlns:a16="http://schemas.microsoft.com/office/drawing/2014/main" id="{F0952671-76C7-9245-C269-66591C15A106}"/>
+              </a:ext>
+            </a:extLst>
+          </p:cNvPr>
+          <p:cNvSpPr/>
+          <p:nvPr/>
+        </p:nvSpPr>
+        <p:spPr>
+          <a:xfrm>
+            <a:off x="8404093" y="8430166"/>
+            <a:ext cx="1406023" cy="719864"/>
+          </a:xfrm>
+          <a:prstGeom prst="roundRect">
+            <a:avLst/>
+          </a:prstGeom>
+          <a:noFill/>
+          <a:ln w="25400">
+            <a:solidFill>
+              <a:srgbClr val="0C0C27"/>
+            </a:solidFill>
+          </a:ln>
+        </p:spPr>
+        <p:style>
+          <a:lnRef idx="2">
+            <a:schemeClr val="accent1">
+              <a:shade val="50000"/>
+            </a:schemeClr>
+          </a:lnRef>
+          <a:fillRef idx="1">
+            <a:schemeClr val="accent1"/>
+          </a:fillRef>
+          <a:effectRef idx="0">
+            <a:schemeClr val="accent1"/>
+          </a:effectRef>
+          <a:fontRef idx="minor">
+            <a:schemeClr val="lt1"/>
+          </a:fontRef>
+        </p:style>
+        <p:txBody>
+          <a:bodyPr rtlCol="0" anchor="ctr"/>
+          <a:lstStyle/>
+          <a:p>
+            <a:pPr algn="ctr"/>
+            <a:endParaRPr lang="en-US" sz="1350" dirty="0">
+              <a:effectLst>
+                <a:outerShdw blurRad="50800" dist="50800" dir="5400000" sx="59000" sy="59000" algn="ctr" rotWithShape="0">
+                  <a:srgbClr val="000000">
+                    <a:alpha val="43137"/>
+                  </a:srgbClr>
+                </a:outerShdw>
+              </a:effectLst>
+            </a:endParaRPr>
+          </a:p>
+          <a:p>
+            <a:pPr algn="ctr"/>
+            <a:r>
+              <a:rPr lang="en-US" sz="2400" dirty="0">
+                <a:solidFill>
+                  <a:srgbClr val="0C0C25"/>
+                </a:solidFill>
+                <a:latin typeface="Avenir LT Std 35 Light" panose="020B0402020203020204" pitchFamily="34" charset="0"/>
+              </a:rPr>
+              <a:t>Value</a:t>
+            </a:r>
+            <a:r>
+              <a:rPr lang="en-US" sz="2400" dirty="0">
+                <a:solidFill>
+                  <a:srgbClr val="0C0C25"/>
+                </a:solidFill>
+                <a:latin typeface="Arial Rounded MT Bold" panose="020F0704030504030204" pitchFamily="34" charset="0"/>
+              </a:rPr>
+              <a:t> </a:t>
+            </a:r>
+          </a:p>
+          <a:p>
+            <a:pPr algn="ctr"/>
+            <a:endParaRPr lang="en-US" sz="1350" dirty="0"/>
+          </a:p>
+        </p:txBody>
+      </p:sp>
+      <p:sp>
+        <p:nvSpPr>
+          <p:cNvPr id="39" name="Freeform 70">
+            <a:extLst>
+              <a:ext uri="{FF2B5EF4-FFF2-40B4-BE49-F238E27FC236}">
+                <a16:creationId xmlns:a16="http://schemas.microsoft.com/office/drawing/2014/main" id="{EA367FE5-CCE5-CE6D-3FE2-5D7D32ED250B}"/>
+              </a:ext>
+            </a:extLst>
+          </p:cNvPr>
+          <p:cNvSpPr/>
+          <p:nvPr/>
+        </p:nvSpPr>
+        <p:spPr>
+          <a:xfrm>
+            <a:off x="8404093" y="7153747"/>
+            <a:ext cx="1955170" cy="719864"/>
+          </a:xfrm>
+          <a:custGeom>
+            <a:avLst/>
+            <a:gdLst>
+              <a:gd name="connsiteX0" fmla="*/ 119980 w 1544981"/>
+              <a:gd name="connsiteY0" fmla="*/ 0 h 719864"/>
+              <a:gd name="connsiteX1" fmla="*/ 1055683 w 1544981"/>
+              <a:gd name="connsiteY1" fmla="*/ 0 h 719864"/>
+              <a:gd name="connsiteX2" fmla="*/ 1175663 w 1544981"/>
+              <a:gd name="connsiteY2" fmla="*/ 119980 h 719864"/>
+              <a:gd name="connsiteX3" fmla="*/ 1175663 w 1544981"/>
+              <a:gd name="connsiteY3" fmla="*/ 143618 h 719864"/>
+              <a:gd name="connsiteX4" fmla="*/ 1544981 w 1544981"/>
+              <a:gd name="connsiteY4" fmla="*/ 359932 h 719864"/>
+              <a:gd name="connsiteX5" fmla="*/ 1175663 w 1544981"/>
+              <a:gd name="connsiteY5" fmla="*/ 576247 h 719864"/>
+              <a:gd name="connsiteX6" fmla="*/ 1175663 w 1544981"/>
+              <a:gd name="connsiteY6" fmla="*/ 599884 h 719864"/>
+              <a:gd name="connsiteX7" fmla="*/ 1055683 w 1544981"/>
+              <a:gd name="connsiteY7" fmla="*/ 719864 h 719864"/>
+              <a:gd name="connsiteX8" fmla="*/ 119980 w 1544981"/>
+              <a:gd name="connsiteY8" fmla="*/ 719864 h 719864"/>
+              <a:gd name="connsiteX9" fmla="*/ 0 w 1544981"/>
+              <a:gd name="connsiteY9" fmla="*/ 599884 h 719864"/>
+              <a:gd name="connsiteX10" fmla="*/ 0 w 1544981"/>
+              <a:gd name="connsiteY10" fmla="*/ 119980 h 719864"/>
+              <a:gd name="connsiteX11" fmla="*/ 119980 w 1544981"/>
+              <a:gd name="connsiteY11" fmla="*/ 0 h 719864"/>
+            </a:gdLst>
+            <a:ahLst/>
+            <a:cxnLst>
+              <a:cxn ang="0">
+                <a:pos x="connsiteX0" y="connsiteY0"/>
+              </a:cxn>
+              <a:cxn ang="0">
+                <a:pos x="connsiteX1" y="connsiteY1"/>
+              </a:cxn>
+              <a:cxn ang="0">
+                <a:pos x="connsiteX2" y="connsiteY2"/>
+              </a:cxn>
+              <a:cxn ang="0">
+                <a:pos x="connsiteX3" y="connsiteY3"/>
+              </a:cxn>
+              <a:cxn ang="0">
+                <a:pos x="connsiteX4" y="connsiteY4"/>
+              </a:cxn>
+              <a:cxn ang="0">
+                <a:pos x="connsiteX5" y="connsiteY5"/>
+              </a:cxn>
+              <a:cxn ang="0">
+                <a:pos x="connsiteX6" y="connsiteY6"/>
+              </a:cxn>
+              <a:cxn ang="0">
+                <a:pos x="connsiteX7" y="connsiteY7"/>
+              </a:cxn>
+              <a:cxn ang="0">
+                <a:pos x="connsiteX8" y="connsiteY8"/>
+              </a:cxn>
+              <a:cxn ang="0">
+                <a:pos x="connsiteX9" y="connsiteY9"/>
+              </a:cxn>
+              <a:cxn ang="0">
+                <a:pos x="connsiteX10" y="connsiteY10"/>
+              </a:cxn>
+              <a:cxn ang="0">
+                <a:pos x="connsiteX11" y="connsiteY11"/>
+              </a:cxn>
+            </a:cxnLst>
+            <a:rect l="l" t="t" r="r" b="b"/>
+            <a:pathLst>
+              <a:path w="1544981" h="719864">
+                <a:moveTo>
+                  <a:pt x="119980" y="0"/>
+                </a:moveTo>
+                <a:lnTo>
+                  <a:pt x="1055683" y="0"/>
+                </a:lnTo>
+                <a:cubicBezTo>
+                  <a:pt x="1121946" y="0"/>
+                  <a:pt x="1175663" y="53717"/>
+                  <a:pt x="1175663" y="119980"/>
+                </a:cubicBezTo>
+                <a:lnTo>
+                  <a:pt x="1175663" y="143618"/>
+                </a:lnTo>
+                <a:lnTo>
+                  <a:pt x="1544981" y="359932"/>
+                </a:lnTo>
+                <a:lnTo>
+                  <a:pt x="1175663" y="576247"/>
+                </a:lnTo>
+                <a:lnTo>
+                  <a:pt x="1175663" y="599884"/>
+                </a:lnTo>
+                <a:cubicBezTo>
+                  <a:pt x="1175663" y="666147"/>
+                  <a:pt x="1121946" y="719864"/>
+                  <a:pt x="1055683" y="719864"/>
+                </a:cubicBezTo>
+                <a:lnTo>
+                  <a:pt x="119980" y="719864"/>
+                </a:lnTo>
+                <a:cubicBezTo>
+                  <a:pt x="53717" y="719864"/>
+                  <a:pt x="0" y="666147"/>
+                  <a:pt x="0" y="599884"/>
+                </a:cubicBezTo>
+                <a:lnTo>
+                  <a:pt x="0" y="119980"/>
+                </a:lnTo>
+                <a:cubicBezTo>
+                  <a:pt x="0" y="53717"/>
+                  <a:pt x="53717" y="0"/>
+                  <a:pt x="119980" y="0"/>
+                </a:cubicBezTo>
+                <a:close/>
+              </a:path>
+            </a:pathLst>
+          </a:custGeom>
+          <a:solidFill>
+            <a:schemeClr val="bg1"/>
+          </a:solidFill>
+          <a:ln w="25400">
+            <a:solidFill>
+              <a:srgbClr val="0C0C27"/>
+            </a:solidFill>
+          </a:ln>
+        </p:spPr>
+        <p:style>
+          <a:lnRef idx="2">
+            <a:schemeClr val="accent1">
+              <a:shade val="50000"/>
+            </a:schemeClr>
+          </a:lnRef>
+          <a:fillRef idx="1">
+            <a:schemeClr val="accent1"/>
+          </a:fillRef>
+          <a:effectRef idx="0">
+            <a:schemeClr val="accent1"/>
+          </a:effectRef>
+          <a:fontRef idx="minor">
+            <a:schemeClr val="lt1"/>
+          </a:fontRef>
+        </p:style>
+        <p:txBody>
+          <a:bodyPr wrap="square" rtlCol="0" anchor="ctr">
+            <a:noAutofit/>
+          </a:bodyPr>
+          <a:lstStyle/>
+          <a:p>
+            <a:pPr algn="ctr"/>
+            <a:endParaRPr lang="en-US" sz="675" dirty="0"/>
+          </a:p>
+        </p:txBody>
+      </p:sp>
+      <p:sp>
+        <p:nvSpPr>
+          <p:cNvPr id="49" name="Freeform: Shape 48">
+            <a:extLst>
+              <a:ext uri="{FF2B5EF4-FFF2-40B4-BE49-F238E27FC236}">
+                <a16:creationId xmlns:a16="http://schemas.microsoft.com/office/drawing/2014/main" id="{3A1D7BEA-B6A5-37A4-BDC1-58FFFEB50A4F}"/>
+              </a:ext>
+            </a:extLst>
+          </p:cNvPr>
+          <p:cNvSpPr/>
+          <p:nvPr/>
+        </p:nvSpPr>
+        <p:spPr>
+          <a:xfrm>
+            <a:off x="8415682" y="5874404"/>
+            <a:ext cx="1486436" cy="719864"/>
+          </a:xfrm>
+          <a:custGeom>
+            <a:avLst/>
+            <a:gdLst>
+              <a:gd name="connsiteX0" fmla="*/ 119980 w 1486436"/>
+              <a:gd name="connsiteY0" fmla="*/ 0 h 719864"/>
+              <a:gd name="connsiteX1" fmla="*/ 1366456 w 1486436"/>
+              <a:gd name="connsiteY1" fmla="*/ 0 h 719864"/>
+              <a:gd name="connsiteX2" fmla="*/ 1486436 w 1486436"/>
+              <a:gd name="connsiteY2" fmla="*/ 119980 h 719864"/>
+              <a:gd name="connsiteX3" fmla="*/ 1486436 w 1486436"/>
+              <a:gd name="connsiteY3" fmla="*/ 599884 h 719864"/>
+              <a:gd name="connsiteX4" fmla="*/ 1366456 w 1486436"/>
+              <a:gd name="connsiteY4" fmla="*/ 719864 h 719864"/>
+              <a:gd name="connsiteX5" fmla="*/ 119980 w 1486436"/>
+              <a:gd name="connsiteY5" fmla="*/ 719864 h 719864"/>
+              <a:gd name="connsiteX6" fmla="*/ 0 w 1486436"/>
+              <a:gd name="connsiteY6" fmla="*/ 599884 h 719864"/>
+              <a:gd name="connsiteX7" fmla="*/ 0 w 1486436"/>
+              <a:gd name="connsiteY7" fmla="*/ 567527 h 719864"/>
+              <a:gd name="connsiteX8" fmla="*/ 448530 w 1486436"/>
+              <a:gd name="connsiteY8" fmla="*/ 359932 h 719864"/>
+              <a:gd name="connsiteX9" fmla="*/ 0 w 1486436"/>
+              <a:gd name="connsiteY9" fmla="*/ 152338 h 719864"/>
+              <a:gd name="connsiteX10" fmla="*/ 0 w 1486436"/>
+              <a:gd name="connsiteY10" fmla="*/ 119980 h 719864"/>
+              <a:gd name="connsiteX11" fmla="*/ 119980 w 1486436"/>
+              <a:gd name="connsiteY11" fmla="*/ 0 h 719864"/>
+            </a:gdLst>
+            <a:ahLst/>
+            <a:cxnLst>
+              <a:cxn ang="0">
+                <a:pos x="connsiteX0" y="connsiteY0"/>
+              </a:cxn>
+              <a:cxn ang="0">
+                <a:pos x="connsiteX1" y="connsiteY1"/>
+              </a:cxn>
+              <a:cxn ang="0">
+                <a:pos x="connsiteX2" y="connsiteY2"/>
+              </a:cxn>
+              <a:cxn ang="0">
+                <a:pos x="connsiteX3" y="connsiteY3"/>
+              </a:cxn>
+              <a:cxn ang="0">
+                <a:pos x="connsiteX4" y="connsiteY4"/>
+              </a:cxn>
+              <a:cxn ang="0">
+                <a:pos x="connsiteX5" y="connsiteY5"/>
+              </a:cxn>
+              <a:cxn ang="0">
+                <a:pos x="connsiteX6" y="connsiteY6"/>
+              </a:cxn>
+              <a:cxn ang="0">
+                <a:pos x="connsiteX7" y="connsiteY7"/>
+              </a:cxn>
+              <a:cxn ang="0">
+                <a:pos x="connsiteX8" y="connsiteY8"/>
+              </a:cxn>
+              <a:cxn ang="0">
+                <a:pos x="connsiteX9" y="connsiteY9"/>
+              </a:cxn>
+              <a:cxn ang="0">
+                <a:pos x="connsiteX10" y="connsiteY10"/>
+              </a:cxn>
+              <a:cxn ang="0">
+                <a:pos x="connsiteX11" y="connsiteY11"/>
+              </a:cxn>
+            </a:cxnLst>
+            <a:rect l="l" t="t" r="r" b="b"/>
+            <a:pathLst>
+              <a:path w="1486436" h="719864">
+                <a:moveTo>
+                  <a:pt x="119980" y="0"/>
+                </a:moveTo>
+                <a:lnTo>
+                  <a:pt x="1366456" y="0"/>
+                </a:lnTo>
+                <a:cubicBezTo>
+                  <a:pt x="1432719" y="0"/>
+                  <a:pt x="1486436" y="53717"/>
+                  <a:pt x="1486436" y="119980"/>
+                </a:cubicBezTo>
+                <a:lnTo>
+                  <a:pt x="1486436" y="599884"/>
+                </a:lnTo>
+                <a:cubicBezTo>
+                  <a:pt x="1486436" y="666147"/>
+                  <a:pt x="1432719" y="719864"/>
+                  <a:pt x="1366456" y="719864"/>
+                </a:cubicBezTo>
+                <a:lnTo>
+                  <a:pt x="119980" y="719864"/>
+                </a:lnTo>
+                <a:cubicBezTo>
+                  <a:pt x="53717" y="719864"/>
+                  <a:pt x="0" y="666147"/>
+                  <a:pt x="0" y="599884"/>
+                </a:cubicBezTo>
+                <a:lnTo>
+                  <a:pt x="0" y="567527"/>
+                </a:lnTo>
+                <a:lnTo>
+                  <a:pt x="448530" y="359932"/>
+                </a:lnTo>
+                <a:lnTo>
+                  <a:pt x="0" y="152338"/>
+                </a:lnTo>
+                <a:lnTo>
+                  <a:pt x="0" y="119980"/>
+                </a:lnTo>
+                <a:cubicBezTo>
+                  <a:pt x="0" y="53717"/>
+                  <a:pt x="53717" y="0"/>
+                  <a:pt x="119980" y="0"/>
+                </a:cubicBezTo>
+                <a:close/>
+              </a:path>
+            </a:pathLst>
+          </a:custGeom>
+          <a:solidFill>
+            <a:schemeClr val="bg1"/>
+          </a:solidFill>
+          <a:ln w="25400">
+            <a:solidFill>
+              <a:srgbClr val="0C0C27"/>
+            </a:solidFill>
+          </a:ln>
+        </p:spPr>
+        <p:style>
+          <a:lnRef idx="2">
+            <a:schemeClr val="accent1">
+              <a:shade val="50000"/>
+            </a:schemeClr>
+          </a:lnRef>
+          <a:fillRef idx="1">
+            <a:schemeClr val="accent1"/>
+          </a:fillRef>
+          <a:effectRef idx="0">
+            <a:schemeClr val="accent1"/>
+          </a:effectRef>
+          <a:fontRef idx="minor">
+            <a:schemeClr val="lt1"/>
+          </a:fontRef>
+        </p:style>
+        <p:txBody>
+          <a:bodyPr wrap="square" rtlCol="0" anchor="ctr">
+            <a:noAutofit/>
+          </a:bodyPr>
+          <a:lstStyle/>
+          <a:p>
+            <a:pPr algn="ctr"/>
+            <a:endParaRPr lang="en-US" sz="1350" dirty="0"/>
+          </a:p>
+          <a:p>
+            <a:pPr algn="ctr"/>
+            <a:endParaRPr lang="en-US" sz="2400" dirty="0">
+              <a:solidFill>
+                <a:srgbClr val="0C0C25"/>
+              </a:solidFill>
+              <a:latin typeface="Arial Rounded MT Bold" panose="020F0704030504030204" pitchFamily="34" charset="0"/>
+            </a:endParaRPr>
+          </a:p>
+          <a:p>
+            <a:pPr algn="ctr"/>
+            <a:endParaRPr lang="en-US" sz="1350" dirty="0"/>
+          </a:p>
+        </p:txBody>
+      </p:sp>
+      <p:sp>
+        <p:nvSpPr>
+          <p:cNvPr id="40" name="TextBox 39">
+            <a:extLst>
+              <a:ext uri="{FF2B5EF4-FFF2-40B4-BE49-F238E27FC236}">
+                <a16:creationId xmlns:a16="http://schemas.microsoft.com/office/drawing/2014/main" id="{CA93B96B-E486-2064-F20E-58AF58E76BFF}"/>
+              </a:ext>
+            </a:extLst>
+          </p:cNvPr>
+          <p:cNvSpPr txBox="1"/>
+          <p:nvPr/>
+        </p:nvSpPr>
+        <p:spPr>
+          <a:xfrm>
+            <a:off x="8461854" y="7282072"/>
+            <a:ext cx="1420440" cy="461665"/>
+          </a:xfrm>
+          <a:prstGeom prst="rect">
+            <a:avLst/>
+          </a:prstGeom>
+          <a:noFill/>
+        </p:spPr>
+        <p:txBody>
+          <a:bodyPr wrap="square">
+            <a:spAutoFit/>
+          </a:bodyPr>
+          <a:lstStyle/>
+          <a:p>
+            <a:pPr algn="ctr"/>
+            <a:r>
+              <a:rPr lang="en-US" sz="2400" dirty="0">
+                <a:solidFill>
+                  <a:srgbClr val="0C0C25"/>
+                </a:solidFill>
+                <a:latin typeface="Avenir LT Std 35 Light" panose="020B0402020203020204" pitchFamily="34" charset="0"/>
+              </a:rPr>
+              <a:t>Key</a:t>
+            </a:r>
+          </a:p>
+        </p:txBody>
+      </p:sp>
+      <p:sp>
+        <p:nvSpPr>
+          <p:cNvPr id="51" name="TextBox 50">
+            <a:extLst>
+              <a:ext uri="{FF2B5EF4-FFF2-40B4-BE49-F238E27FC236}">
+                <a16:creationId xmlns:a16="http://schemas.microsoft.com/office/drawing/2014/main" id="{0D8D79C4-68DD-29C0-2453-863AE3547757}"/>
+              </a:ext>
+            </a:extLst>
+          </p:cNvPr>
+          <p:cNvSpPr txBox="1"/>
+          <p:nvPr/>
+        </p:nvSpPr>
+        <p:spPr>
+          <a:xfrm>
+            <a:off x="8658284" y="6003503"/>
+            <a:ext cx="1420440" cy="461665"/>
+          </a:xfrm>
+          <a:prstGeom prst="rect">
+            <a:avLst/>
+          </a:prstGeom>
+          <a:noFill/>
+        </p:spPr>
+        <p:txBody>
+          <a:bodyPr wrap="square">
+            <a:spAutoFit/>
+          </a:bodyPr>
+          <a:lstStyle/>
+          <a:p>
+            <a:pPr algn="ctr"/>
+            <a:r>
+              <a:rPr lang="en-US" sz="2400" dirty="0">
+                <a:solidFill>
+                  <a:srgbClr val="0C0C25"/>
+                </a:solidFill>
+                <a:latin typeface="Avenir LT Std 35 Light" panose="020B0402020203020204" pitchFamily="34" charset="0"/>
+              </a:rPr>
+              <a:t>Query</a:t>
+            </a:r>
+          </a:p>
+        </p:txBody>
+      </p:sp>
+      <p:sp>
+        <p:nvSpPr>
+          <p:cNvPr id="56" name="Rectangle: Rounded Corners 11">
+            <a:extLst>
+              <a:ext uri="{FF2B5EF4-FFF2-40B4-BE49-F238E27FC236}">
+                <a16:creationId xmlns:a16="http://schemas.microsoft.com/office/drawing/2014/main" id="{8D250D3E-C59E-6812-4E2B-D4D311FB81F5}"/>
+              </a:ext>
+            </a:extLst>
+          </p:cNvPr>
+          <p:cNvSpPr/>
+          <p:nvPr/>
+        </p:nvSpPr>
+        <p:spPr>
+          <a:xfrm>
+            <a:off x="5681413" y="5874404"/>
+            <a:ext cx="975739" cy="690560"/>
+          </a:xfrm>
+          <a:prstGeom prst="roundRect">
+            <a:avLst/>
+          </a:prstGeom>
+          <a:solidFill>
+            <a:schemeClr val="bg1"/>
+          </a:solidFill>
+          <a:ln w="25400">
+            <a:solidFill>
+              <a:srgbClr val="0C0C27"/>
+            </a:solidFill>
+          </a:ln>
+        </p:spPr>
+        <p:style>
+          <a:lnRef idx="2">
+            <a:schemeClr val="accent1">
+              <a:shade val="50000"/>
+            </a:schemeClr>
+          </a:lnRef>
+          <a:fillRef idx="1">
+            <a:schemeClr val="accent1"/>
+          </a:fillRef>
+          <a:effectRef idx="0">
+            <a:schemeClr val="accent1"/>
+          </a:effectRef>
+          <a:fontRef idx="minor">
+            <a:schemeClr val="lt1"/>
+          </a:fontRef>
+        </p:style>
+        <p:txBody>
+          <a:bodyPr rtlCol="0" anchor="ctr"/>
+          <a:lstStyle/>
+          <a:p>
+            <a:pPr algn="ctr"/>
+            <a:endParaRPr lang="en-US" sz="1350" dirty="0"/>
+          </a:p>
+          <a:p>
+            <a:pPr algn="ctr"/>
+            <a:endParaRPr lang="en-US" sz="2400" dirty="0">
+              <a:solidFill>
+                <a:srgbClr val="0C0C25"/>
+              </a:solidFill>
+              <a:latin typeface="Arial Rounded MT Bold" panose="020F0704030504030204" pitchFamily="34" charset="0"/>
+            </a:endParaRPr>
+          </a:p>
+          <a:p>
+            <a:pPr algn="ctr"/>
+            <a:endParaRPr lang="en-US" sz="1350" dirty="0"/>
+          </a:p>
+        </p:txBody>
+      </p:sp>
+      <p:sp>
+        <p:nvSpPr>
+          <p:cNvPr id="57" name="TextBox 56">
+            <a:extLst>
+              <a:ext uri="{FF2B5EF4-FFF2-40B4-BE49-F238E27FC236}">
+                <a16:creationId xmlns:a16="http://schemas.microsoft.com/office/drawing/2014/main" id="{B7C77637-A62F-0812-EF2C-A62B9EDED999}"/>
+              </a:ext>
+            </a:extLst>
+          </p:cNvPr>
+          <p:cNvSpPr txBox="1"/>
+          <p:nvPr/>
+        </p:nvSpPr>
+        <p:spPr>
+          <a:xfrm>
+            <a:off x="5750351" y="6021308"/>
+            <a:ext cx="778510" cy="369332"/>
+          </a:xfrm>
+          <a:prstGeom prst="rect">
+            <a:avLst/>
+          </a:prstGeom>
+          <a:noFill/>
+        </p:spPr>
+        <p:txBody>
+          <a:bodyPr wrap="square">
+            <a:spAutoFit/>
+          </a:bodyPr>
+          <a:lstStyle/>
+          <a:p>
+            <a:pPr algn="ctr"/>
+            <a:r>
+              <a:rPr lang="en-US" sz="1800" dirty="0">
+                <a:solidFill>
+                  <a:srgbClr val="0C0C25"/>
+                </a:solidFill>
+                <a:latin typeface="Avenir LT Std 35 Light" panose="020B0402020203020204" pitchFamily="34" charset="0"/>
+              </a:rPr>
+              <a:t>Input</a:t>
+            </a:r>
+          </a:p>
+        </p:txBody>
+      </p:sp>
+      <p:sp>
+        <p:nvSpPr>
+          <p:cNvPr id="131" name="TextBox 130">
+            <a:extLst>
+              <a:ext uri="{FF2B5EF4-FFF2-40B4-BE49-F238E27FC236}">
+                <a16:creationId xmlns:a16="http://schemas.microsoft.com/office/drawing/2014/main" id="{16AAF4C5-B304-E26E-B233-DF6BAF3A5913}"/>
+              </a:ext>
+            </a:extLst>
+          </p:cNvPr>
+          <p:cNvSpPr txBox="1"/>
+          <p:nvPr/>
+        </p:nvSpPr>
+        <p:spPr>
+          <a:xfrm>
+            <a:off x="6674628" y="5893762"/>
+            <a:ext cx="946518" cy="646331"/>
+          </a:xfrm>
+          <a:prstGeom prst="rect">
+            <a:avLst/>
+          </a:prstGeom>
+          <a:noFill/>
+        </p:spPr>
+        <p:txBody>
+          <a:bodyPr wrap="square">
+            <a:spAutoFit/>
+          </a:bodyPr>
+          <a:lstStyle/>
+          <a:p>
+            <a:pPr algn="ctr"/>
+            <a:r>
+              <a:rPr lang="en-US" sz="1800" dirty="0">
+                <a:solidFill>
+                  <a:srgbClr val="0C0C25"/>
+                </a:solidFill>
+                <a:latin typeface="Avenir LT Std 35 Light" panose="020B0402020203020204" pitchFamily="34" charset="0"/>
+              </a:rPr>
+              <a:t>Query</a:t>
+            </a:r>
+          </a:p>
+          <a:p>
+            <a:pPr algn="ctr"/>
+            <a:r>
+              <a:rPr lang="en-US" sz="1800" dirty="0">
+                <a:solidFill>
+                  <a:srgbClr val="0C0C25"/>
+                </a:solidFill>
+                <a:latin typeface="Avenir LT Std 35 Light" panose="020B0402020203020204" pitchFamily="34" charset="0"/>
+              </a:rPr>
+              <a:t>Matrix</a:t>
+            </a:r>
+          </a:p>
+        </p:txBody>
+      </p:sp>
+      <p:cxnSp>
+        <p:nvCxnSpPr>
+          <p:cNvPr id="156" name="Straight Arrow Connector 155">
+            <a:extLst>
+              <a:ext uri="{FF2B5EF4-FFF2-40B4-BE49-F238E27FC236}">
+                <a16:creationId xmlns:a16="http://schemas.microsoft.com/office/drawing/2014/main" id="{B21AC883-24D3-7A16-3764-30B8DCDBD523}"/>
+              </a:ext>
+            </a:extLst>
+          </p:cNvPr>
+          <p:cNvCxnSpPr/>
+          <p:nvPr/>
+        </p:nvCxnSpPr>
+        <p:spPr>
+          <a:xfrm>
+            <a:off x="7858760" y="6233160"/>
+            <a:ext cx="396240" cy="0"/>
+          </a:xfrm>
+          <a:prstGeom prst="straightConnector1">
+            <a:avLst/>
+          </a:prstGeom>
+          <a:ln w="31750">
+            <a:solidFill>
+              <a:schemeClr val="tx1"/>
+            </a:solidFill>
+            <a:tailEnd type="triangle"/>
+          </a:ln>
+        </p:spPr>
+        <p:style>
+          <a:lnRef idx="1">
+            <a:schemeClr val="accent1"/>
+          </a:lnRef>
+          <a:fillRef idx="0">
+            <a:schemeClr val="accent1"/>
+          </a:fillRef>
+          <a:effectRef idx="0">
+            <a:schemeClr val="accent1"/>
+          </a:effectRef>
+          <a:fontRef idx="minor">
+            <a:schemeClr val="tx1"/>
+          </a:fontRef>
+        </p:style>
+      </p:cxnSp>
+      <p:sp>
+        <p:nvSpPr>
+          <p:cNvPr id="211" name="Rectangle: Rounded Corners 11">
+            <a:extLst>
+              <a:ext uri="{FF2B5EF4-FFF2-40B4-BE49-F238E27FC236}">
+                <a16:creationId xmlns:a16="http://schemas.microsoft.com/office/drawing/2014/main" id="{E6268A56-C0DA-6E59-D782-85D5FD03E6BC}"/>
+              </a:ext>
+            </a:extLst>
+          </p:cNvPr>
+          <p:cNvSpPr/>
+          <p:nvPr/>
+        </p:nvSpPr>
+        <p:spPr>
+          <a:xfrm>
+            <a:off x="6246166" y="6954888"/>
+            <a:ext cx="1459214" cy="1085136"/>
+          </a:xfrm>
+          <a:prstGeom prst="roundRect">
+            <a:avLst/>
+          </a:prstGeom>
+          <a:solidFill>
+            <a:schemeClr val="bg1"/>
+          </a:solidFill>
+          <a:ln w="25400">
+            <a:solidFill>
+              <a:srgbClr val="0C0C27"/>
+            </a:solidFill>
+          </a:ln>
+        </p:spPr>
+        <p:style>
+          <a:lnRef idx="2">
+            <a:schemeClr val="accent1">
+              <a:shade val="50000"/>
+            </a:schemeClr>
+          </a:lnRef>
+          <a:fillRef idx="1">
+            <a:schemeClr val="accent1"/>
+          </a:fillRef>
+          <a:effectRef idx="0">
+            <a:schemeClr val="accent1"/>
+          </a:effectRef>
+          <a:fontRef idx="minor">
+            <a:schemeClr val="lt1"/>
+          </a:fontRef>
+        </p:style>
+        <p:txBody>
+          <a:bodyPr rtlCol="0" anchor="ctr"/>
+          <a:lstStyle/>
+          <a:p>
+            <a:pPr algn="ctr"/>
+            <a:endParaRPr lang="en-US" sz="1350" dirty="0"/>
+          </a:p>
+          <a:p>
+            <a:pPr algn="ctr"/>
+            <a:endParaRPr lang="en-US" sz="1350" dirty="0"/>
+          </a:p>
+        </p:txBody>
+      </p:sp>
+      <p:sp>
+        <p:nvSpPr>
+          <p:cNvPr id="212" name="Rectangle: Rounded Corners 11">
+            <a:extLst>
+              <a:ext uri="{FF2B5EF4-FFF2-40B4-BE49-F238E27FC236}">
+                <a16:creationId xmlns:a16="http://schemas.microsoft.com/office/drawing/2014/main" id="{52B266CE-FCA8-80F8-DA31-E11D025CEA67}"/>
+              </a:ext>
+            </a:extLst>
+          </p:cNvPr>
+          <p:cNvSpPr/>
+          <p:nvPr/>
+        </p:nvSpPr>
+        <p:spPr>
+          <a:xfrm>
+            <a:off x="5686493" y="7154932"/>
+            <a:ext cx="975739" cy="690560"/>
+          </a:xfrm>
+          <a:prstGeom prst="roundRect">
+            <a:avLst/>
+          </a:prstGeom>
+          <a:solidFill>
+            <a:schemeClr val="bg1"/>
+          </a:solidFill>
+          <a:ln w="25400">
+            <a:solidFill>
+              <a:srgbClr val="0C0C27"/>
+            </a:solidFill>
+          </a:ln>
+        </p:spPr>
+        <p:style>
+          <a:lnRef idx="2">
+            <a:schemeClr val="accent1">
+              <a:shade val="50000"/>
+            </a:schemeClr>
+          </a:lnRef>
+          <a:fillRef idx="1">
+            <a:schemeClr val="accent1"/>
+          </a:fillRef>
+          <a:effectRef idx="0">
+            <a:schemeClr val="accent1"/>
+          </a:effectRef>
+          <a:fontRef idx="minor">
+            <a:schemeClr val="lt1"/>
+          </a:fontRef>
+        </p:style>
+        <p:txBody>
+          <a:bodyPr rtlCol="0" anchor="ctr"/>
+          <a:lstStyle/>
+          <a:p>
+            <a:pPr algn="ctr"/>
+            <a:endParaRPr lang="en-US" sz="1350" dirty="0"/>
+          </a:p>
+          <a:p>
+            <a:pPr algn="ctr"/>
+            <a:endParaRPr lang="en-US" sz="2400" dirty="0">
+              <a:solidFill>
+                <a:srgbClr val="0C0C25"/>
+              </a:solidFill>
+              <a:latin typeface="Arial Rounded MT Bold" panose="020F0704030504030204" pitchFamily="34" charset="0"/>
+            </a:endParaRPr>
+          </a:p>
+          <a:p>
+            <a:pPr algn="ctr"/>
+            <a:endParaRPr lang="en-US" sz="1350" dirty="0"/>
+          </a:p>
+        </p:txBody>
+      </p:sp>
+      <p:sp>
+        <p:nvSpPr>
+          <p:cNvPr id="213" name="TextBox 212">
+            <a:extLst>
+              <a:ext uri="{FF2B5EF4-FFF2-40B4-BE49-F238E27FC236}">
+                <a16:creationId xmlns:a16="http://schemas.microsoft.com/office/drawing/2014/main" id="{09B2EABD-27BE-4281-534C-2D32CD836447}"/>
+              </a:ext>
+            </a:extLst>
+          </p:cNvPr>
+          <p:cNvSpPr txBox="1"/>
+          <p:nvPr/>
+        </p:nvSpPr>
+        <p:spPr>
+          <a:xfrm>
+            <a:off x="5755431" y="7301836"/>
+            <a:ext cx="778510" cy="369332"/>
+          </a:xfrm>
+          <a:prstGeom prst="rect">
+            <a:avLst/>
+          </a:prstGeom>
+          <a:noFill/>
+        </p:spPr>
+        <p:txBody>
+          <a:bodyPr wrap="square">
+            <a:spAutoFit/>
+          </a:bodyPr>
+          <a:lstStyle/>
+          <a:p>
+            <a:pPr algn="ctr"/>
+            <a:r>
+              <a:rPr lang="en-US" sz="1800" dirty="0">
+                <a:solidFill>
+                  <a:srgbClr val="0C0C25"/>
+                </a:solidFill>
+                <a:latin typeface="Avenir LT Std 35 Light" panose="020B0402020203020204" pitchFamily="34" charset="0"/>
+              </a:rPr>
+              <a:t>Input</a:t>
+            </a:r>
+          </a:p>
+        </p:txBody>
+      </p:sp>
+      <p:sp>
+        <p:nvSpPr>
+          <p:cNvPr id="214" name="TextBox 213">
+            <a:extLst>
+              <a:ext uri="{FF2B5EF4-FFF2-40B4-BE49-F238E27FC236}">
+                <a16:creationId xmlns:a16="http://schemas.microsoft.com/office/drawing/2014/main" id="{C98640B4-551B-1FC1-95AB-E717CA32D8DB}"/>
+              </a:ext>
+            </a:extLst>
+          </p:cNvPr>
+          <p:cNvSpPr txBox="1"/>
+          <p:nvPr/>
+        </p:nvSpPr>
+        <p:spPr>
+          <a:xfrm>
+            <a:off x="6679708" y="7174290"/>
+            <a:ext cx="946518" cy="646331"/>
+          </a:xfrm>
+          <a:prstGeom prst="rect">
+            <a:avLst/>
+          </a:prstGeom>
+          <a:noFill/>
+        </p:spPr>
+        <p:txBody>
+          <a:bodyPr wrap="square">
+            <a:spAutoFit/>
+          </a:bodyPr>
+          <a:lstStyle/>
+          <a:p>
+            <a:pPr algn="ctr"/>
+            <a:r>
+              <a:rPr lang="en-US" sz="1800" dirty="0">
+                <a:solidFill>
+                  <a:srgbClr val="0C0C25"/>
+                </a:solidFill>
+                <a:latin typeface="Avenir LT Std 35 Light" panose="020B0402020203020204" pitchFamily="34" charset="0"/>
+              </a:rPr>
+              <a:t>Key</a:t>
+            </a:r>
+          </a:p>
+          <a:p>
+            <a:pPr algn="ctr"/>
+            <a:r>
+              <a:rPr lang="en-US" sz="1800" dirty="0">
+                <a:solidFill>
+                  <a:srgbClr val="0C0C25"/>
+                </a:solidFill>
+                <a:latin typeface="Avenir LT Std 35 Light" panose="020B0402020203020204" pitchFamily="34" charset="0"/>
+              </a:rPr>
+              <a:t>Matrix</a:t>
+            </a:r>
+          </a:p>
+        </p:txBody>
+      </p:sp>
+      <p:cxnSp>
+        <p:nvCxnSpPr>
+          <p:cNvPr id="215" name="Straight Arrow Connector 214">
+            <a:extLst>
+              <a:ext uri="{FF2B5EF4-FFF2-40B4-BE49-F238E27FC236}">
+                <a16:creationId xmlns:a16="http://schemas.microsoft.com/office/drawing/2014/main" id="{EF3097D2-7EB1-F643-7AF0-8A4B20127FC8}"/>
+              </a:ext>
+            </a:extLst>
+          </p:cNvPr>
+          <p:cNvCxnSpPr/>
+          <p:nvPr/>
+        </p:nvCxnSpPr>
+        <p:spPr>
+          <a:xfrm>
+            <a:off x="7863840" y="7513688"/>
+            <a:ext cx="396240" cy="0"/>
+          </a:xfrm>
+          <a:prstGeom prst="straightConnector1">
+            <a:avLst/>
+          </a:prstGeom>
+          <a:ln w="31750">
+            <a:solidFill>
+              <a:schemeClr val="tx1"/>
+            </a:solidFill>
+            <a:tailEnd type="triangle"/>
+          </a:ln>
+        </p:spPr>
+        <p:style>
+          <a:lnRef idx="1">
+            <a:schemeClr val="accent1"/>
+          </a:lnRef>
+          <a:fillRef idx="0">
+            <a:schemeClr val="accent1"/>
+          </a:fillRef>
+          <a:effectRef idx="0">
+            <a:schemeClr val="accent1"/>
+          </a:effectRef>
+          <a:fontRef idx="minor">
+            <a:schemeClr val="tx1"/>
+          </a:fontRef>
+        </p:style>
+      </p:cxnSp>
+      <p:sp>
+        <p:nvSpPr>
+          <p:cNvPr id="216" name="Rectangle: Rounded Corners 11">
+            <a:extLst>
+              <a:ext uri="{FF2B5EF4-FFF2-40B4-BE49-F238E27FC236}">
+                <a16:creationId xmlns:a16="http://schemas.microsoft.com/office/drawing/2014/main" id="{A55D2BCF-1EF0-1CF6-5E88-D815DC16CEF5}"/>
+              </a:ext>
+            </a:extLst>
+          </p:cNvPr>
+          <p:cNvSpPr/>
+          <p:nvPr/>
+        </p:nvSpPr>
+        <p:spPr>
+          <a:xfrm>
+            <a:off x="6310024" y="8235416"/>
+            <a:ext cx="1459214" cy="1085136"/>
+          </a:xfrm>
+          <a:prstGeom prst="roundRect">
+            <a:avLst/>
+          </a:prstGeom>
+          <a:solidFill>
+            <a:schemeClr val="bg1"/>
+          </a:solidFill>
+          <a:ln w="25400">
+            <a:solidFill>
+              <a:srgbClr val="0C0C27"/>
+            </a:solidFill>
+          </a:ln>
+        </p:spPr>
+        <p:style>
+          <a:lnRef idx="2">
+            <a:schemeClr val="accent1">
+              <a:shade val="50000"/>
+            </a:schemeClr>
+          </a:lnRef>
+          <a:fillRef idx="1">
+            <a:schemeClr val="accent1"/>
+          </a:fillRef>
+          <a:effectRef idx="0">
+            <a:schemeClr val="accent1"/>
+          </a:effectRef>
+          <a:fontRef idx="minor">
+            <a:schemeClr val="lt1"/>
+          </a:fontRef>
+        </p:style>
+        <p:txBody>
+          <a:bodyPr rtlCol="0" anchor="ctr"/>
+          <a:lstStyle/>
+          <a:p>
+            <a:pPr algn="ctr"/>
+            <a:endParaRPr lang="en-US" sz="1350" dirty="0"/>
+          </a:p>
+          <a:p>
+            <a:pPr algn="ctr"/>
+            <a:endParaRPr lang="en-US" sz="1350" dirty="0"/>
+          </a:p>
+        </p:txBody>
+      </p:sp>
+      <p:sp>
+        <p:nvSpPr>
+          <p:cNvPr id="217" name="Rectangle: Rounded Corners 11">
+            <a:extLst>
+              <a:ext uri="{FF2B5EF4-FFF2-40B4-BE49-F238E27FC236}">
+                <a16:creationId xmlns:a16="http://schemas.microsoft.com/office/drawing/2014/main" id="{A66A749B-C7D8-769F-3A03-1427294BE26C}"/>
+              </a:ext>
+            </a:extLst>
+          </p:cNvPr>
+          <p:cNvSpPr/>
+          <p:nvPr/>
+        </p:nvSpPr>
+        <p:spPr>
+          <a:xfrm>
+            <a:off x="5750351" y="8435460"/>
+            <a:ext cx="975739" cy="690560"/>
+          </a:xfrm>
+          <a:prstGeom prst="roundRect">
+            <a:avLst/>
+          </a:prstGeom>
+          <a:solidFill>
+            <a:schemeClr val="bg1"/>
+          </a:solidFill>
+          <a:ln w="25400">
+            <a:solidFill>
+              <a:srgbClr val="0C0C27"/>
+            </a:solidFill>
+          </a:ln>
+        </p:spPr>
+        <p:style>
+          <a:lnRef idx="2">
+            <a:schemeClr val="accent1">
+              <a:shade val="50000"/>
+            </a:schemeClr>
+          </a:lnRef>
+          <a:fillRef idx="1">
+            <a:schemeClr val="accent1"/>
+          </a:fillRef>
+          <a:effectRef idx="0">
+            <a:schemeClr val="accent1"/>
+          </a:effectRef>
+          <a:fontRef idx="minor">
+            <a:schemeClr val="lt1"/>
+          </a:fontRef>
+        </p:style>
+        <p:txBody>
+          <a:bodyPr rtlCol="0" anchor="ctr"/>
+          <a:lstStyle/>
+          <a:p>
+            <a:pPr algn="ctr"/>
+            <a:endParaRPr lang="en-US" sz="1350" dirty="0"/>
+          </a:p>
+          <a:p>
+            <a:pPr algn="ctr"/>
+            <a:endParaRPr lang="en-US" sz="2400" dirty="0">
+              <a:solidFill>
+                <a:srgbClr val="0C0C25"/>
+              </a:solidFill>
+              <a:latin typeface="Arial Rounded MT Bold" panose="020F0704030504030204" pitchFamily="34" charset="0"/>
+            </a:endParaRPr>
+          </a:p>
+          <a:p>
+            <a:pPr algn="ctr"/>
+            <a:endParaRPr lang="en-US" sz="1350" dirty="0"/>
+          </a:p>
+        </p:txBody>
+      </p:sp>
+      <p:sp>
+        <p:nvSpPr>
+          <p:cNvPr id="218" name="TextBox 217">
+            <a:extLst>
+              <a:ext uri="{FF2B5EF4-FFF2-40B4-BE49-F238E27FC236}">
+                <a16:creationId xmlns:a16="http://schemas.microsoft.com/office/drawing/2014/main" id="{329D0D23-98E7-D707-17B3-F36EAD937A4D}"/>
+              </a:ext>
+            </a:extLst>
+          </p:cNvPr>
+          <p:cNvSpPr txBox="1"/>
+          <p:nvPr/>
+        </p:nvSpPr>
+        <p:spPr>
+          <a:xfrm>
+            <a:off x="5819289" y="8582364"/>
+            <a:ext cx="778510" cy="369332"/>
+          </a:xfrm>
+          <a:prstGeom prst="rect">
+            <a:avLst/>
+          </a:prstGeom>
+          <a:noFill/>
+        </p:spPr>
+        <p:txBody>
+          <a:bodyPr wrap="square">
+            <a:spAutoFit/>
+          </a:bodyPr>
+          <a:lstStyle/>
+          <a:p>
+            <a:pPr algn="ctr"/>
+            <a:r>
+              <a:rPr lang="en-US" sz="1800" dirty="0">
+                <a:solidFill>
+                  <a:srgbClr val="0C0C25"/>
+                </a:solidFill>
+                <a:latin typeface="Avenir LT Std 35 Light" panose="020B0402020203020204" pitchFamily="34" charset="0"/>
+              </a:rPr>
+              <a:t>Input</a:t>
+            </a:r>
+          </a:p>
+        </p:txBody>
+      </p:sp>
+      <p:sp>
+        <p:nvSpPr>
+          <p:cNvPr id="219" name="TextBox 218">
+            <a:extLst>
+              <a:ext uri="{FF2B5EF4-FFF2-40B4-BE49-F238E27FC236}">
+                <a16:creationId xmlns:a16="http://schemas.microsoft.com/office/drawing/2014/main" id="{646D8563-6B0D-A0E5-EA37-38B588622089}"/>
+              </a:ext>
+            </a:extLst>
+          </p:cNvPr>
+          <p:cNvSpPr txBox="1"/>
+          <p:nvPr/>
+        </p:nvSpPr>
+        <p:spPr>
+          <a:xfrm>
+            <a:off x="6743566" y="8454818"/>
+            <a:ext cx="946518" cy="646331"/>
+          </a:xfrm>
+          <a:prstGeom prst="rect">
+            <a:avLst/>
+          </a:prstGeom>
+          <a:noFill/>
+        </p:spPr>
+        <p:txBody>
+          <a:bodyPr wrap="square">
+            <a:spAutoFit/>
+          </a:bodyPr>
+          <a:lstStyle/>
+          <a:p>
+            <a:pPr algn="ctr"/>
+            <a:r>
+              <a:rPr lang="en-US" sz="1800" dirty="0">
+                <a:solidFill>
+                  <a:srgbClr val="0C0C25"/>
+                </a:solidFill>
+                <a:latin typeface="Avenir LT Std 35 Light" panose="020B0402020203020204" pitchFamily="34" charset="0"/>
+              </a:rPr>
+              <a:t>Value</a:t>
+            </a:r>
+          </a:p>
+          <a:p>
+            <a:pPr algn="ctr"/>
+            <a:r>
+              <a:rPr lang="en-US" sz="1800" dirty="0">
+                <a:solidFill>
+                  <a:srgbClr val="0C0C25"/>
+                </a:solidFill>
+                <a:latin typeface="Avenir LT Std 35 Light" panose="020B0402020203020204" pitchFamily="34" charset="0"/>
+              </a:rPr>
+              <a:t>Matrix</a:t>
+            </a:r>
+          </a:p>
+        </p:txBody>
+      </p:sp>
+      <p:cxnSp>
+        <p:nvCxnSpPr>
+          <p:cNvPr id="220" name="Straight Arrow Connector 219">
+            <a:extLst>
+              <a:ext uri="{FF2B5EF4-FFF2-40B4-BE49-F238E27FC236}">
+                <a16:creationId xmlns:a16="http://schemas.microsoft.com/office/drawing/2014/main" id="{762CCF0A-205C-8906-3818-F62BE73B1D61}"/>
+              </a:ext>
+            </a:extLst>
+          </p:cNvPr>
+          <p:cNvCxnSpPr/>
+          <p:nvPr/>
+        </p:nvCxnSpPr>
+        <p:spPr>
+          <a:xfrm>
+            <a:off x="7927698" y="8794216"/>
+            <a:ext cx="396240" cy="0"/>
+          </a:xfrm>
+          <a:prstGeom prst="straightConnector1">
+            <a:avLst/>
+          </a:prstGeom>
+          <a:ln w="31750">
+            <a:solidFill>
+              <a:schemeClr val="tx1"/>
+            </a:solidFill>
+            <a:tailEnd type="triangle"/>
+          </a:ln>
+        </p:spPr>
+        <p:style>
+          <a:lnRef idx="1">
+            <a:schemeClr val="accent1"/>
+          </a:lnRef>
+          <a:fillRef idx="0">
+            <a:schemeClr val="accent1"/>
+          </a:fillRef>
+          <a:effectRef idx="0">
+            <a:schemeClr val="accent1"/>
+          </a:effectRef>
+          <a:fontRef idx="minor">
+            <a:schemeClr val="tx1"/>
+          </a:fontRef>
+        </p:style>
+      </p:cxnSp>
+      <p:sp>
+        <p:nvSpPr>
+          <p:cNvPr id="221" name="TextBox 220">
+            <a:extLst>
+              <a:ext uri="{FF2B5EF4-FFF2-40B4-BE49-F238E27FC236}">
+                <a16:creationId xmlns:a16="http://schemas.microsoft.com/office/drawing/2014/main" id="{A874C788-3B25-EC59-EAA5-983B128ABA05}"/>
+              </a:ext>
+            </a:extLst>
+          </p:cNvPr>
+          <p:cNvSpPr txBox="1"/>
+          <p:nvPr/>
+        </p:nvSpPr>
+        <p:spPr>
+          <a:xfrm>
+            <a:off x="6064480" y="6175196"/>
+            <a:ext cx="778510" cy="215444"/>
+          </a:xfrm>
+          <a:prstGeom prst="rect">
+            <a:avLst/>
+          </a:prstGeom>
+          <a:noFill/>
+        </p:spPr>
+        <p:txBody>
+          <a:bodyPr wrap="square">
+            <a:spAutoFit/>
+          </a:bodyPr>
+          <a:lstStyle/>
+          <a:p>
+            <a:pPr algn="ctr"/>
+            <a:r>
+              <a:rPr lang="en-US" sz="800" dirty="0">
+                <a:solidFill>
+                  <a:srgbClr val="0C0C25"/>
+                </a:solidFill>
+                <a:latin typeface="Avenir LT Std 35 Light" panose="020B0402020203020204" pitchFamily="34" charset="0"/>
+              </a:rPr>
+              <a:t>1</a:t>
+            </a:r>
+          </a:p>
+        </p:txBody>
+      </p:sp>
+      <p:sp>
+        <p:nvSpPr>
+          <p:cNvPr id="222" name="TextBox 221">
+            <a:extLst>
+              <a:ext uri="{FF2B5EF4-FFF2-40B4-BE49-F238E27FC236}">
+                <a16:creationId xmlns:a16="http://schemas.microsoft.com/office/drawing/2014/main" id="{F6B84AD6-A57A-3644-4686-269A656A4D87}"/>
+              </a:ext>
+            </a:extLst>
+          </p:cNvPr>
+          <p:cNvSpPr txBox="1"/>
+          <p:nvPr/>
+        </p:nvSpPr>
+        <p:spPr>
+          <a:xfrm>
+            <a:off x="6055069" y="7455724"/>
+            <a:ext cx="778510" cy="215444"/>
+          </a:xfrm>
+          <a:prstGeom prst="rect">
+            <a:avLst/>
+          </a:prstGeom>
+          <a:noFill/>
+        </p:spPr>
+        <p:txBody>
+          <a:bodyPr wrap="square">
+            <a:spAutoFit/>
+          </a:bodyPr>
+          <a:lstStyle/>
+          <a:p>
+            <a:pPr algn="ctr"/>
+            <a:r>
+              <a:rPr lang="en-US" sz="800" dirty="0">
+                <a:solidFill>
+                  <a:srgbClr val="0C0C25"/>
+                </a:solidFill>
+                <a:latin typeface="Avenir LT Std 35 Light" panose="020B0402020203020204" pitchFamily="34" charset="0"/>
+              </a:rPr>
+              <a:t>1</a:t>
+            </a:r>
+          </a:p>
+        </p:txBody>
+      </p:sp>
+      <p:sp>
+        <p:nvSpPr>
+          <p:cNvPr id="223" name="TextBox 222">
+            <a:extLst>
+              <a:ext uri="{FF2B5EF4-FFF2-40B4-BE49-F238E27FC236}">
+                <a16:creationId xmlns:a16="http://schemas.microsoft.com/office/drawing/2014/main" id="{47A20C15-FE7A-09B0-FC11-F6FD257DF122}"/>
+              </a:ext>
+            </a:extLst>
+          </p:cNvPr>
+          <p:cNvSpPr txBox="1"/>
+          <p:nvPr/>
+        </p:nvSpPr>
+        <p:spPr>
+          <a:xfrm>
+            <a:off x="6108711" y="8736252"/>
+            <a:ext cx="778510" cy="215444"/>
+          </a:xfrm>
+          <a:prstGeom prst="rect">
+            <a:avLst/>
+          </a:prstGeom>
+          <a:noFill/>
+        </p:spPr>
+        <p:txBody>
+          <a:bodyPr wrap="square">
+            <a:spAutoFit/>
+          </a:bodyPr>
+          <a:lstStyle/>
+          <a:p>
+            <a:pPr algn="ctr"/>
+            <a:r>
+              <a:rPr lang="en-US" sz="800" dirty="0">
+                <a:solidFill>
+                  <a:srgbClr val="0C0C25"/>
+                </a:solidFill>
+                <a:latin typeface="Avenir LT Std 35 Light" panose="020B0402020203020204" pitchFamily="34" charset="0"/>
+              </a:rPr>
+              <a:t>1</a:t>
+            </a:r>
+          </a:p>
+        </p:txBody>
+      </p:sp>
+      <p:sp>
+        <p:nvSpPr>
+          <p:cNvPr id="224" name="TextBox 223">
+            <a:extLst>
+              <a:ext uri="{FF2B5EF4-FFF2-40B4-BE49-F238E27FC236}">
+                <a16:creationId xmlns:a16="http://schemas.microsoft.com/office/drawing/2014/main" id="{694177BE-6D8B-B2FC-ED70-D706C7CCDFD3}"/>
+              </a:ext>
+            </a:extLst>
+          </p:cNvPr>
+          <p:cNvSpPr txBox="1"/>
+          <p:nvPr/>
+        </p:nvSpPr>
+        <p:spPr>
+          <a:xfrm>
+            <a:off x="9420861" y="6249724"/>
+            <a:ext cx="778510" cy="215444"/>
+          </a:xfrm>
+          <a:prstGeom prst="rect">
+            <a:avLst/>
+          </a:prstGeom>
+          <a:noFill/>
+        </p:spPr>
+        <p:txBody>
+          <a:bodyPr wrap="square">
+            <a:spAutoFit/>
+          </a:bodyPr>
+          <a:lstStyle/>
+          <a:p>
+            <a:pPr algn="ctr"/>
+            <a:r>
+              <a:rPr lang="en-US" sz="800" dirty="0">
+                <a:solidFill>
+                  <a:srgbClr val="0C0C25"/>
+                </a:solidFill>
+                <a:latin typeface="Avenir LT Std 35 Light" panose="020B0402020203020204" pitchFamily="34" charset="0"/>
+              </a:rPr>
+              <a:t>1</a:t>
+            </a:r>
+          </a:p>
+        </p:txBody>
+      </p:sp>
+      <p:sp>
+        <p:nvSpPr>
+          <p:cNvPr id="225" name="TextBox 224">
+            <a:extLst>
+              <a:ext uri="{FF2B5EF4-FFF2-40B4-BE49-F238E27FC236}">
+                <a16:creationId xmlns:a16="http://schemas.microsoft.com/office/drawing/2014/main" id="{0899A37E-6610-A9A7-09E5-0EA40C3888B2}"/>
+              </a:ext>
+            </a:extLst>
+          </p:cNvPr>
+          <p:cNvSpPr txBox="1"/>
+          <p:nvPr/>
+        </p:nvSpPr>
+        <p:spPr>
+          <a:xfrm>
+            <a:off x="9031606" y="7499821"/>
+            <a:ext cx="778510" cy="215444"/>
+          </a:xfrm>
+          <a:prstGeom prst="rect">
+            <a:avLst/>
+          </a:prstGeom>
+          <a:noFill/>
+        </p:spPr>
+        <p:txBody>
+          <a:bodyPr wrap="square">
+            <a:spAutoFit/>
+          </a:bodyPr>
+          <a:lstStyle/>
+          <a:p>
+            <a:pPr algn="ctr"/>
+            <a:r>
+              <a:rPr lang="en-US" sz="800" dirty="0">
+                <a:solidFill>
+                  <a:srgbClr val="0C0C25"/>
+                </a:solidFill>
+                <a:latin typeface="Avenir LT Std 35 Light" panose="020B0402020203020204" pitchFamily="34" charset="0"/>
+              </a:rPr>
+              <a:t>1</a:t>
+            </a:r>
+          </a:p>
+        </p:txBody>
+      </p:sp>
+      <p:sp>
+        <p:nvSpPr>
+          <p:cNvPr id="226" name="TextBox 225">
+            <a:extLst>
+              <a:ext uri="{FF2B5EF4-FFF2-40B4-BE49-F238E27FC236}">
+                <a16:creationId xmlns:a16="http://schemas.microsoft.com/office/drawing/2014/main" id="{E042B6CA-4A3D-439A-7020-D9BBBE21E8DC}"/>
+              </a:ext>
+            </a:extLst>
+          </p:cNvPr>
+          <p:cNvSpPr txBox="1"/>
+          <p:nvPr/>
+        </p:nvSpPr>
+        <p:spPr>
+          <a:xfrm>
+            <a:off x="9117087" y="8790098"/>
+            <a:ext cx="778510" cy="215444"/>
+          </a:xfrm>
+          <a:prstGeom prst="rect">
+            <a:avLst/>
+          </a:prstGeom>
+          <a:noFill/>
+        </p:spPr>
+        <p:txBody>
+          <a:bodyPr wrap="square">
+            <a:spAutoFit/>
+          </a:bodyPr>
+          <a:lstStyle/>
+          <a:p>
+            <a:pPr algn="ctr"/>
+            <a:r>
+              <a:rPr lang="en-US" sz="800" dirty="0">
+                <a:solidFill>
+                  <a:srgbClr val="0C0C25"/>
+                </a:solidFill>
+                <a:latin typeface="Avenir LT Std 35 Light" panose="020B0402020203020204" pitchFamily="34" charset="0"/>
+              </a:rPr>
+              <a:t>1</a:t>
+            </a:r>
+          </a:p>
+        </p:txBody>
+      </p:sp>
+      <p:sp>
+        <p:nvSpPr>
+          <p:cNvPr id="237" name="TextBox 236">
+            <a:extLst>
+              <a:ext uri="{FF2B5EF4-FFF2-40B4-BE49-F238E27FC236}">
+                <a16:creationId xmlns:a16="http://schemas.microsoft.com/office/drawing/2014/main" id="{E403A55E-DC5A-0CDB-E326-1B1B5DA0CA4E}"/>
+              </a:ext>
+            </a:extLst>
+          </p:cNvPr>
+          <p:cNvSpPr txBox="1"/>
+          <p:nvPr/>
+        </p:nvSpPr>
+        <p:spPr>
+          <a:xfrm>
+            <a:off x="3780865" y="7312789"/>
+            <a:ext cx="778510" cy="369332"/>
+          </a:xfrm>
+          <a:prstGeom prst="rect">
+            <a:avLst/>
+          </a:prstGeom>
+          <a:noFill/>
+        </p:spPr>
+        <p:txBody>
+          <a:bodyPr wrap="square">
+            <a:spAutoFit/>
+          </a:bodyPr>
+          <a:lstStyle/>
+          <a:p>
+            <a:pPr algn="ctr"/>
+            <a:r>
+              <a:rPr lang="en-US" sz="1800" dirty="0">
+                <a:solidFill>
+                  <a:srgbClr val="0C0C25"/>
+                </a:solidFill>
+                <a:latin typeface="Avenir LT Std 35 Light" panose="020B0402020203020204" pitchFamily="34" charset="0"/>
+              </a:rPr>
+              <a:t>Input</a:t>
+            </a:r>
+          </a:p>
+        </p:txBody>
+      </p:sp>
+      <p:sp>
+        <p:nvSpPr>
+          <p:cNvPr id="238" name="TextBox 237">
+            <a:extLst>
+              <a:ext uri="{FF2B5EF4-FFF2-40B4-BE49-F238E27FC236}">
+                <a16:creationId xmlns:a16="http://schemas.microsoft.com/office/drawing/2014/main" id="{082CA261-54DB-9B36-F2AC-7CD50F548537}"/>
+              </a:ext>
+            </a:extLst>
+          </p:cNvPr>
+          <p:cNvSpPr txBox="1"/>
+          <p:nvPr/>
+        </p:nvSpPr>
+        <p:spPr>
+          <a:xfrm>
+            <a:off x="4389119" y="7482865"/>
+            <a:ext cx="195707" cy="215444"/>
+          </a:xfrm>
+          <a:prstGeom prst="rect">
+            <a:avLst/>
+          </a:prstGeom>
+          <a:noFill/>
+        </p:spPr>
+        <p:txBody>
+          <a:bodyPr wrap="square">
+            <a:spAutoFit/>
+          </a:bodyPr>
+          <a:lstStyle/>
+          <a:p>
+            <a:pPr algn="ctr"/>
+            <a:r>
+              <a:rPr lang="en-US" sz="800" dirty="0">
+                <a:solidFill>
+                  <a:srgbClr val="0C0C25"/>
+                </a:solidFill>
+                <a:latin typeface="Avenir LT Std 35 Light" panose="020B0402020203020204" pitchFamily="34" charset="0"/>
+              </a:rPr>
+              <a:t>i</a:t>
+            </a:r>
+          </a:p>
+        </p:txBody>
+      </p:sp>
+      <p:cxnSp>
+        <p:nvCxnSpPr>
+          <p:cNvPr id="245" name="Straight Arrow Connector 244">
+            <a:extLst>
+              <a:ext uri="{FF2B5EF4-FFF2-40B4-BE49-F238E27FC236}">
+                <a16:creationId xmlns:a16="http://schemas.microsoft.com/office/drawing/2014/main" id="{EF301447-F2D2-9FF7-CE28-C200A4BAA8DA}"/>
+              </a:ext>
+            </a:extLst>
+          </p:cNvPr>
+          <p:cNvCxnSpPr>
+            <a:cxnSpLocks/>
+          </p:cNvCxnSpPr>
+          <p:nvPr/>
+        </p:nvCxnSpPr>
+        <p:spPr>
+          <a:xfrm>
+            <a:off x="4851400" y="7513713"/>
+            <a:ext cx="670560" cy="0"/>
+          </a:xfrm>
+          <a:prstGeom prst="straightConnector1">
+            <a:avLst/>
+          </a:prstGeom>
+          <a:ln w="19050">
+            <a:solidFill>
+              <a:schemeClr val="tx1"/>
+            </a:solidFill>
+            <a:prstDash val="dashDot"/>
+            <a:tailEnd type="triangle"/>
+          </a:ln>
+        </p:spPr>
+        <p:style>
+          <a:lnRef idx="1">
+            <a:schemeClr val="accent1"/>
+          </a:lnRef>
+          <a:fillRef idx="0">
+            <a:schemeClr val="accent1"/>
+          </a:fillRef>
+          <a:effectRef idx="0">
+            <a:schemeClr val="accent1"/>
+          </a:effectRef>
+          <a:fontRef idx="minor">
+            <a:schemeClr val="tx1"/>
+          </a:fontRef>
+        </p:style>
+      </p:cxnSp>
+      <p:cxnSp>
+        <p:nvCxnSpPr>
+          <p:cNvPr id="246" name="Straight Arrow Connector 245">
+            <a:extLst>
+              <a:ext uri="{FF2B5EF4-FFF2-40B4-BE49-F238E27FC236}">
+                <a16:creationId xmlns:a16="http://schemas.microsoft.com/office/drawing/2014/main" id="{2124971D-6D1C-9493-D1F5-35D4D2B1141C}"/>
+              </a:ext>
+            </a:extLst>
+          </p:cNvPr>
+          <p:cNvCxnSpPr/>
+          <p:nvPr/>
+        </p:nvCxnSpPr>
+        <p:spPr>
+          <a:xfrm>
+            <a:off x="5125720" y="6231444"/>
+            <a:ext cx="396240" cy="0"/>
+          </a:xfrm>
+          <a:prstGeom prst="straightConnector1">
+            <a:avLst/>
+          </a:prstGeom>
+          <a:ln w="19050">
+            <a:solidFill>
+              <a:schemeClr val="tx1"/>
+            </a:solidFill>
+            <a:prstDash val="dashDot"/>
+            <a:tailEnd type="triangle"/>
+          </a:ln>
+        </p:spPr>
+        <p:style>
+          <a:lnRef idx="1">
+            <a:schemeClr val="accent1"/>
+          </a:lnRef>
+          <a:fillRef idx="0">
+            <a:schemeClr val="accent1"/>
+          </a:fillRef>
+          <a:effectRef idx="0">
+            <a:schemeClr val="accent1"/>
+          </a:effectRef>
+          <a:fontRef idx="minor">
+            <a:schemeClr val="tx1"/>
+          </a:fontRef>
+        </p:style>
+      </p:cxnSp>
+      <p:cxnSp>
+        <p:nvCxnSpPr>
+          <p:cNvPr id="247" name="Straight Arrow Connector 246">
+            <a:extLst>
+              <a:ext uri="{FF2B5EF4-FFF2-40B4-BE49-F238E27FC236}">
+                <a16:creationId xmlns:a16="http://schemas.microsoft.com/office/drawing/2014/main" id="{2537CF21-0FAB-5ED0-C9C7-3697E9DF40AA}"/>
+              </a:ext>
+            </a:extLst>
+          </p:cNvPr>
+          <p:cNvCxnSpPr/>
+          <p:nvPr/>
+        </p:nvCxnSpPr>
+        <p:spPr>
+          <a:xfrm>
+            <a:off x="5125720" y="8790098"/>
+            <a:ext cx="396240" cy="0"/>
+          </a:xfrm>
+          <a:prstGeom prst="straightConnector1">
+            <a:avLst/>
+          </a:prstGeom>
+          <a:ln w="19050">
+            <a:solidFill>
+              <a:schemeClr val="tx1"/>
+            </a:solidFill>
+            <a:prstDash val="dashDot"/>
+            <a:tailEnd type="triangle"/>
+          </a:ln>
+        </p:spPr>
+        <p:style>
+          <a:lnRef idx="1">
+            <a:schemeClr val="accent1"/>
+          </a:lnRef>
+          <a:fillRef idx="0">
+            <a:schemeClr val="accent1"/>
+          </a:fillRef>
+          <a:effectRef idx="0">
+            <a:schemeClr val="accent1"/>
+          </a:effectRef>
+          <a:fontRef idx="minor">
+            <a:schemeClr val="tx1"/>
+          </a:fontRef>
+        </p:style>
+      </p:cxnSp>
+      <p:cxnSp>
+        <p:nvCxnSpPr>
+          <p:cNvPr id="252" name="Straight Connector 251">
+            <a:extLst>
+              <a:ext uri="{FF2B5EF4-FFF2-40B4-BE49-F238E27FC236}">
+                <a16:creationId xmlns:a16="http://schemas.microsoft.com/office/drawing/2014/main" id="{0EC3A6F7-4993-18C7-5B08-5C4D5662FAB6}"/>
+              </a:ext>
+            </a:extLst>
+          </p:cNvPr>
+          <p:cNvCxnSpPr/>
+          <p:nvPr/>
+        </p:nvCxnSpPr>
+        <p:spPr>
+          <a:xfrm>
+            <a:off x="5125720" y="6231444"/>
+            <a:ext cx="0" cy="2558654"/>
+          </a:xfrm>
+          <a:prstGeom prst="line">
+            <a:avLst/>
+          </a:prstGeom>
+          <a:ln w="19050">
+            <a:solidFill>
+              <a:schemeClr val="tx1"/>
+            </a:solidFill>
+            <a:prstDash val="dashDot"/>
+          </a:ln>
+        </p:spPr>
+        <p:style>
+          <a:lnRef idx="1">
+            <a:schemeClr val="accent1"/>
+          </a:lnRef>
+          <a:fillRef idx="0">
+            <a:schemeClr val="accent1"/>
+          </a:fillRef>
+          <a:effectRef idx="0">
+            <a:schemeClr val="accent1"/>
+          </a:effectRef>
+          <a:fontRef idx="minor">
+            <a:schemeClr val="tx1"/>
+          </a:fontRef>
+        </p:style>
+      </p:cxnSp>
+      <p:sp>
+        <p:nvSpPr>
+          <p:cNvPr id="254" name="Rectangle: Rounded Corners 11">
+            <a:extLst>
+              <a:ext uri="{FF2B5EF4-FFF2-40B4-BE49-F238E27FC236}">
+                <a16:creationId xmlns:a16="http://schemas.microsoft.com/office/drawing/2014/main" id="{2FEE8DCB-3579-FB63-6FB9-1EFA6704D359}"/>
+              </a:ext>
+            </a:extLst>
+          </p:cNvPr>
+          <p:cNvSpPr/>
+          <p:nvPr/>
+        </p:nvSpPr>
+        <p:spPr>
+          <a:xfrm>
+            <a:off x="1699220" y="7153747"/>
+            <a:ext cx="975739" cy="690560"/>
+          </a:xfrm>
+          <a:prstGeom prst="roundRect">
+            <a:avLst/>
+          </a:prstGeom>
+          <a:solidFill>
+            <a:schemeClr val="bg1"/>
+          </a:solidFill>
+          <a:ln w="25400">
+            <a:solidFill>
+              <a:srgbClr val="0C0C27"/>
+            </a:solidFill>
+          </a:ln>
+        </p:spPr>
+        <p:style>
+          <a:lnRef idx="2">
+            <a:schemeClr val="accent1">
+              <a:shade val="50000"/>
+            </a:schemeClr>
+          </a:lnRef>
+          <a:fillRef idx="1">
+            <a:schemeClr val="accent1"/>
+          </a:fillRef>
+          <a:effectRef idx="0">
+            <a:schemeClr val="accent1"/>
+          </a:effectRef>
+          <a:fontRef idx="minor">
+            <a:schemeClr val="lt1"/>
+          </a:fontRef>
+        </p:style>
+        <p:txBody>
+          <a:bodyPr rtlCol="0" anchor="ctr"/>
+          <a:lstStyle/>
+          <a:p>
+            <a:pPr algn="ctr"/>
+            <a:endParaRPr lang="en-US" sz="1350" dirty="0"/>
+          </a:p>
+          <a:p>
+            <a:pPr algn="ctr"/>
+            <a:endParaRPr lang="en-US" sz="2400" dirty="0">
+              <a:solidFill>
+                <a:srgbClr val="0C0C25"/>
+              </a:solidFill>
+              <a:latin typeface="Arial Rounded MT Bold" panose="020F0704030504030204" pitchFamily="34" charset="0"/>
+            </a:endParaRPr>
+          </a:p>
+          <a:p>
+            <a:pPr algn="ctr"/>
+            <a:endParaRPr lang="en-US" sz="1350" dirty="0"/>
+          </a:p>
+        </p:txBody>
+      </p:sp>
+      <p:sp>
+        <p:nvSpPr>
+          <p:cNvPr id="255" name="TextBox 254">
+            <a:extLst>
+              <a:ext uri="{FF2B5EF4-FFF2-40B4-BE49-F238E27FC236}">
+                <a16:creationId xmlns:a16="http://schemas.microsoft.com/office/drawing/2014/main" id="{F1C4C23E-B7A8-C8B6-5F60-54D6F34A3B3E}"/>
+              </a:ext>
+            </a:extLst>
+          </p:cNvPr>
+          <p:cNvSpPr txBox="1"/>
+          <p:nvPr/>
+        </p:nvSpPr>
+        <p:spPr>
+          <a:xfrm>
+            <a:off x="1781883" y="7312789"/>
+            <a:ext cx="778510" cy="369332"/>
+          </a:xfrm>
+          <a:prstGeom prst="rect">
+            <a:avLst/>
+          </a:prstGeom>
+          <a:noFill/>
+        </p:spPr>
+        <p:txBody>
+          <a:bodyPr wrap="square">
+            <a:spAutoFit/>
+          </a:bodyPr>
+          <a:lstStyle/>
+          <a:p>
+            <a:pPr algn="ctr"/>
+            <a:r>
+              <a:rPr lang="en-US" sz="1800" dirty="0">
+                <a:solidFill>
+                  <a:srgbClr val="0C0C25"/>
+                </a:solidFill>
+                <a:latin typeface="Avenir LT Std 35 Light" panose="020B0402020203020204" pitchFamily="34" charset="0"/>
+              </a:rPr>
+              <a:t>Input</a:t>
+            </a:r>
+          </a:p>
+        </p:txBody>
+      </p:sp>
+      <p:sp>
+        <p:nvSpPr>
+          <p:cNvPr id="256" name="TextBox 255">
+            <a:extLst>
+              <a:ext uri="{FF2B5EF4-FFF2-40B4-BE49-F238E27FC236}">
+                <a16:creationId xmlns:a16="http://schemas.microsoft.com/office/drawing/2014/main" id="{CF00DB76-ADE8-0FCE-A5C9-5DE7D7A5500D}"/>
+              </a:ext>
+            </a:extLst>
+          </p:cNvPr>
+          <p:cNvSpPr txBox="1"/>
+          <p:nvPr/>
+        </p:nvSpPr>
+        <p:spPr>
+          <a:xfrm>
+            <a:off x="2390137" y="7482865"/>
+            <a:ext cx="195707" cy="215444"/>
+          </a:xfrm>
+          <a:prstGeom prst="rect">
+            <a:avLst/>
+          </a:prstGeom>
+          <a:noFill/>
+        </p:spPr>
+        <p:txBody>
+          <a:bodyPr wrap="square">
+            <a:spAutoFit/>
+          </a:bodyPr>
+          <a:lstStyle/>
+          <a:p>
+            <a:pPr algn="ctr"/>
+            <a:r>
+              <a:rPr lang="en-US" sz="800" dirty="0">
+                <a:solidFill>
+                  <a:srgbClr val="0C0C25"/>
+                </a:solidFill>
+                <a:latin typeface="Avenir LT Std 35 Light" panose="020B0402020203020204" pitchFamily="34" charset="0"/>
+              </a:rPr>
+              <a:t>N</a:t>
+            </a:r>
+          </a:p>
+        </p:txBody>
+      </p:sp>
+      <p:cxnSp>
+        <p:nvCxnSpPr>
+          <p:cNvPr id="258" name="Straight Arrow Connector 257">
+            <a:extLst>
+              <a:ext uri="{FF2B5EF4-FFF2-40B4-BE49-F238E27FC236}">
+                <a16:creationId xmlns:a16="http://schemas.microsoft.com/office/drawing/2014/main" id="{7C45301E-E511-26C9-D054-9ACF9E9DA44C}"/>
+              </a:ext>
+            </a:extLst>
+          </p:cNvPr>
+          <p:cNvCxnSpPr>
+            <a:cxnSpLocks/>
+          </p:cNvCxnSpPr>
+          <p:nvPr/>
+        </p:nvCxnSpPr>
+        <p:spPr>
+          <a:xfrm>
+            <a:off x="2834640" y="7513688"/>
+            <a:ext cx="670560" cy="0"/>
+          </a:xfrm>
+          <a:prstGeom prst="straightConnector1">
+            <a:avLst/>
+          </a:prstGeom>
+          <a:ln w="19050">
+            <a:solidFill>
+              <a:schemeClr val="tx1"/>
+            </a:solidFill>
+            <a:prstDash val="dashDot"/>
+            <a:tailEnd type="triangle"/>
+          </a:ln>
+        </p:spPr>
+        <p:style>
+          <a:lnRef idx="1">
+            <a:schemeClr val="accent1"/>
+          </a:lnRef>
+          <a:fillRef idx="0">
+            <a:schemeClr val="accent1"/>
+          </a:fillRef>
+          <a:effectRef idx="0">
+            <a:schemeClr val="accent1"/>
+          </a:effectRef>
+          <a:fontRef idx="minor">
+            <a:schemeClr val="tx1"/>
+          </a:fontRef>
+        </p:style>
+      </p:cxnSp>
+      <p:sp>
+        <p:nvSpPr>
+          <p:cNvPr id="260" name="TextBox 259">
+            <a:extLst>
+              <a:ext uri="{FF2B5EF4-FFF2-40B4-BE49-F238E27FC236}">
+                <a16:creationId xmlns:a16="http://schemas.microsoft.com/office/drawing/2014/main" id="{F7C75540-509A-E8DE-A789-CD165BC1DDD0}"/>
+              </a:ext>
+            </a:extLst>
+          </p:cNvPr>
+          <p:cNvSpPr txBox="1"/>
+          <p:nvPr/>
+        </p:nvSpPr>
+        <p:spPr>
+          <a:xfrm>
+            <a:off x="5819289" y="4720049"/>
+            <a:ext cx="3683873" cy="523220"/>
+          </a:xfrm>
+          <a:prstGeom prst="rect">
+            <a:avLst/>
+          </a:prstGeom>
+          <a:noFill/>
+        </p:spPr>
+        <p:txBody>
+          <a:bodyPr wrap="square">
+            <a:spAutoFit/>
+          </a:bodyPr>
+          <a:lstStyle/>
+          <a:p>
+            <a:pPr algn="ctr"/>
+            <a:r>
+              <a:rPr lang="en-GB" sz="1400" dirty="0">
+                <a:solidFill>
+                  <a:srgbClr val="0C0C25"/>
+                </a:solidFill>
+                <a:latin typeface="Avenir LT Std 35 Light" panose="020B0402020203020204" pitchFamily="34" charset="0"/>
+              </a:rPr>
+              <a:t>The input vector is dotted with each learned matrix</a:t>
+            </a:r>
+            <a:r>
+              <a:rPr lang="en-US" sz="1400" dirty="0">
+                <a:solidFill>
+                  <a:srgbClr val="0C0C25"/>
+                </a:solidFill>
+                <a:latin typeface="Avenir LT Std 35 Light" panose="020B0402020203020204" pitchFamily="34" charset="0"/>
+              </a:rPr>
+              <a:t> to create k, q, and v vectors.</a:t>
+            </a:r>
+          </a:p>
+        </p:txBody>
+      </p:sp>
+      <p:sp>
+        <p:nvSpPr>
+          <p:cNvPr id="261" name="Right Brace 260">
+            <a:extLst>
+              <a:ext uri="{FF2B5EF4-FFF2-40B4-BE49-F238E27FC236}">
+                <a16:creationId xmlns:a16="http://schemas.microsoft.com/office/drawing/2014/main" id="{70A35286-6855-EBD2-5683-236EE446725F}"/>
+              </a:ext>
+            </a:extLst>
+          </p:cNvPr>
+          <p:cNvSpPr/>
+          <p:nvPr/>
+        </p:nvSpPr>
+        <p:spPr>
+          <a:xfrm rot="5400000">
+            <a:off x="3226638" y="7606993"/>
+            <a:ext cx="404924" cy="3393238"/>
+          </a:xfrm>
+          <a:prstGeom prst="rightBrace">
+            <a:avLst/>
+          </a:prstGeom>
+          <a:ln w="25400">
+            <a:solidFill>
+              <a:schemeClr val="tx1"/>
+            </a:solidFill>
+          </a:ln>
+        </p:spPr>
+        <p:style>
+          <a:lnRef idx="1">
+            <a:schemeClr val="accent1"/>
+          </a:lnRef>
+          <a:fillRef idx="0">
+            <a:schemeClr val="accent1"/>
+          </a:fillRef>
+          <a:effectRef idx="0">
+            <a:schemeClr val="accent1"/>
+          </a:effectRef>
+          <a:fontRef idx="minor">
+            <a:schemeClr val="tx1"/>
+          </a:fontRef>
+        </p:style>
+        <p:txBody>
+          <a:bodyPr rtlCol="0" anchor="ctr"/>
+          <a:lstStyle/>
+          <a:p>
+            <a:pPr algn="ctr"/>
+            <a:endParaRPr lang="en-US"/>
+          </a:p>
+        </p:txBody>
+      </p:sp>
+      <p:sp>
+        <p:nvSpPr>
+          <p:cNvPr id="262" name="TextBox 261">
+            <a:extLst>
+              <a:ext uri="{FF2B5EF4-FFF2-40B4-BE49-F238E27FC236}">
+                <a16:creationId xmlns:a16="http://schemas.microsoft.com/office/drawing/2014/main" id="{0DC3D4AA-126F-2916-A7E2-4CF156C1C306}"/>
+              </a:ext>
+            </a:extLst>
+          </p:cNvPr>
+          <p:cNvSpPr txBox="1"/>
+          <p:nvPr/>
+        </p:nvSpPr>
+        <p:spPr>
+          <a:xfrm>
+            <a:off x="1431898" y="9511396"/>
+            <a:ext cx="3994404" cy="523220"/>
+          </a:xfrm>
+          <a:prstGeom prst="rect">
+            <a:avLst/>
+          </a:prstGeom>
+          <a:noFill/>
+        </p:spPr>
+        <p:txBody>
+          <a:bodyPr wrap="square">
+            <a:spAutoFit/>
+          </a:bodyPr>
+          <a:lstStyle/>
+          <a:p>
+            <a:pPr algn="ctr"/>
+            <a:r>
+              <a:rPr lang="en-US" sz="1400" dirty="0">
+                <a:solidFill>
+                  <a:srgbClr val="0C0C25"/>
+                </a:solidFill>
+                <a:latin typeface="Avenir LT Std 35 Light" panose="020B0402020203020204" pitchFamily="34" charset="0"/>
+              </a:rPr>
+              <a:t>The process is repeated for each element of the input series until there are N k, q, and v vectors</a:t>
+            </a:r>
+          </a:p>
+        </p:txBody>
+      </p:sp>
+      <p:sp>
+        <p:nvSpPr>
+          <p:cNvPr id="263" name="Right Brace 262">
+            <a:extLst>
+              <a:ext uri="{FF2B5EF4-FFF2-40B4-BE49-F238E27FC236}">
+                <a16:creationId xmlns:a16="http://schemas.microsoft.com/office/drawing/2014/main" id="{8AC8DB38-A7FD-C868-3A2F-00B270B7D429}"/>
+              </a:ext>
+            </a:extLst>
+          </p:cNvPr>
+          <p:cNvSpPr/>
+          <p:nvPr/>
+        </p:nvSpPr>
+        <p:spPr>
+          <a:xfrm rot="16200000">
+            <a:off x="7430840" y="3054093"/>
+            <a:ext cx="404924" cy="4842432"/>
+          </a:xfrm>
+          <a:prstGeom prst="rightBrace">
+            <a:avLst/>
+          </a:prstGeom>
+          <a:ln w="25400">
+            <a:solidFill>
+              <a:schemeClr val="tx1"/>
+            </a:solidFill>
+          </a:ln>
+        </p:spPr>
+        <p:style>
+          <a:lnRef idx="1">
+            <a:schemeClr val="accent1"/>
+          </a:lnRef>
+          <a:fillRef idx="0">
+            <a:schemeClr val="accent1"/>
+          </a:fillRef>
+          <a:effectRef idx="0">
+            <a:schemeClr val="accent1"/>
+          </a:effectRef>
+          <a:fontRef idx="minor">
+            <a:schemeClr val="tx1"/>
+          </a:fontRef>
+        </p:style>
+        <p:txBody>
+          <a:bodyPr rtlCol="0" anchor="ctr"/>
+          <a:lstStyle/>
+          <a:p>
+            <a:pPr algn="ctr"/>
+            <a:endParaRPr lang="en-US"/>
+          </a:p>
+        </p:txBody>
+      </p:sp>
+    </p:spTree>
+    <p:extLst>
+      <p:ext uri="{BB962C8B-B14F-4D97-AF65-F5344CB8AC3E}">
+        <p14:creationId xmlns:p14="http://schemas.microsoft.com/office/powerpoint/2010/main" val="3749724053"/>
+      </p:ext>
+    </p:extLst>
+  </p:cSld>
+  <p:clrMapOvr>
+    <a:masterClrMapping/>
+  </p:clrMapOvr>
+</p:sld>
+</file>
+
+<file path=ppt/slides/slide4.xml><?xml version="1.0" encoding="utf-8"?>
+<p:sld xmlns:a="http://schemas.openxmlformats.org/drawingml/2006/main" xmlns:r="http://schemas.openxmlformats.org/officeDocument/2006/relationships" xmlns:p="http://schemas.openxmlformats.org/presentationml/2006/main">
+  <p:cSld>
+    <p:spTree>
+      <p:nvGrpSpPr>
+        <p:cNvPr id="1" name=""/>
+        <p:cNvGrpSpPr/>
+        <p:nvPr/>
+      </p:nvGrpSpPr>
+      <p:grpSpPr>
+        <a:xfrm>
+          <a:off x="0" y="0"/>
+          <a:ext cx="0" cy="0"/>
+          <a:chOff x="0" y="0"/>
+          <a:chExt cx="0" cy="0"/>
+        </a:xfrm>
+      </p:grpSpPr>
+      <p:sp>
+        <p:nvSpPr>
+          <p:cNvPr id="2" name="Rectangle: Rounded Corners 11">
+            <a:extLst>
+              <a:ext uri="{FF2B5EF4-FFF2-40B4-BE49-F238E27FC236}">
+                <a16:creationId xmlns:a16="http://schemas.microsoft.com/office/drawing/2014/main" id="{1E591677-FFB4-EBA4-10E7-0B66966CD2DA}"/>
+              </a:ext>
+            </a:extLst>
+          </p:cNvPr>
+          <p:cNvSpPr/>
+          <p:nvPr/>
+        </p:nvSpPr>
+        <p:spPr>
+          <a:xfrm>
+            <a:off x="9961683" y="5874404"/>
+            <a:ext cx="1406023" cy="719864"/>
+          </a:xfrm>
+          <a:prstGeom prst="roundRect">
+            <a:avLst/>
+          </a:prstGeom>
+          <a:noFill/>
+          <a:ln w="25400">
+            <a:solidFill>
+              <a:schemeClr val="tx1"/>
+            </a:solidFill>
+          </a:ln>
+        </p:spPr>
+        <p:style>
+          <a:lnRef idx="2">
+            <a:schemeClr val="accent1">
+              <a:shade val="50000"/>
+            </a:schemeClr>
+          </a:lnRef>
+          <a:fillRef idx="1">
+            <a:schemeClr val="accent1"/>
+          </a:fillRef>
+          <a:effectRef idx="0">
+            <a:schemeClr val="accent1"/>
+          </a:effectRef>
+          <a:fontRef idx="minor">
+            <a:schemeClr val="lt1"/>
+          </a:fontRef>
+        </p:style>
+        <p:txBody>
+          <a:bodyPr rtlCol="0" anchor="ctr"/>
+          <a:lstStyle/>
+          <a:p>
+            <a:pPr algn="ctr"/>
+            <a:endParaRPr lang="en-US" sz="1350" dirty="0">
+              <a:effectLst>
+                <a:outerShdw blurRad="50800" dist="50800" dir="5400000" sx="59000" sy="59000" algn="ctr" rotWithShape="0">
+                  <a:srgbClr val="000000">
+                    <a:alpha val="43137"/>
+                  </a:srgbClr>
+                </a:outerShdw>
+              </a:effectLst>
+            </a:endParaRPr>
+          </a:p>
+          <a:p>
+            <a:pPr algn="ctr"/>
+            <a:r>
+              <a:rPr lang="en-US" sz="2400" dirty="0">
+                <a:solidFill>
+                  <a:schemeClr val="tx1"/>
+                </a:solidFill>
+                <a:latin typeface="Avenir LT Std 35 Light" panose="020B0402020203020204" pitchFamily="34" charset="0"/>
+              </a:rPr>
+              <a:t>quick</a:t>
+            </a:r>
+            <a:r>
+              <a:rPr lang="en-US" sz="2400" dirty="0">
+                <a:solidFill>
+                  <a:schemeClr val="tx1"/>
+                </a:solidFill>
+                <a:latin typeface="Arial Rounded MT Bold" panose="020F0704030504030204" pitchFamily="34" charset="0"/>
+              </a:rPr>
+              <a:t> </a:t>
+            </a:r>
+          </a:p>
+          <a:p>
+            <a:pPr algn="ctr"/>
+            <a:endParaRPr lang="en-US" sz="1350" dirty="0"/>
+          </a:p>
+        </p:txBody>
+      </p:sp>
+      <p:sp>
+        <p:nvSpPr>
+          <p:cNvPr id="3" name="Freeform 70">
+            <a:extLst>
+              <a:ext uri="{FF2B5EF4-FFF2-40B4-BE49-F238E27FC236}">
+                <a16:creationId xmlns:a16="http://schemas.microsoft.com/office/drawing/2014/main" id="{11A9B9CC-E612-C502-4967-D8EFE9DE43DA}"/>
+              </a:ext>
+            </a:extLst>
+          </p:cNvPr>
+          <p:cNvSpPr/>
+          <p:nvPr/>
+        </p:nvSpPr>
+        <p:spPr>
+          <a:xfrm>
+            <a:off x="11427271" y="5874404"/>
+            <a:ext cx="1955170" cy="719864"/>
+          </a:xfrm>
+          <a:custGeom>
+            <a:avLst/>
+            <a:gdLst>
+              <a:gd name="connsiteX0" fmla="*/ 119980 w 1544981"/>
+              <a:gd name="connsiteY0" fmla="*/ 0 h 719864"/>
+              <a:gd name="connsiteX1" fmla="*/ 1055683 w 1544981"/>
+              <a:gd name="connsiteY1" fmla="*/ 0 h 719864"/>
+              <a:gd name="connsiteX2" fmla="*/ 1175663 w 1544981"/>
+              <a:gd name="connsiteY2" fmla="*/ 119980 h 719864"/>
+              <a:gd name="connsiteX3" fmla="*/ 1175663 w 1544981"/>
+              <a:gd name="connsiteY3" fmla="*/ 143618 h 719864"/>
+              <a:gd name="connsiteX4" fmla="*/ 1544981 w 1544981"/>
+              <a:gd name="connsiteY4" fmla="*/ 359932 h 719864"/>
+              <a:gd name="connsiteX5" fmla="*/ 1175663 w 1544981"/>
+              <a:gd name="connsiteY5" fmla="*/ 576247 h 719864"/>
+              <a:gd name="connsiteX6" fmla="*/ 1175663 w 1544981"/>
+              <a:gd name="connsiteY6" fmla="*/ 599884 h 719864"/>
+              <a:gd name="connsiteX7" fmla="*/ 1055683 w 1544981"/>
+              <a:gd name="connsiteY7" fmla="*/ 719864 h 719864"/>
+              <a:gd name="connsiteX8" fmla="*/ 119980 w 1544981"/>
+              <a:gd name="connsiteY8" fmla="*/ 719864 h 719864"/>
+              <a:gd name="connsiteX9" fmla="*/ 0 w 1544981"/>
+              <a:gd name="connsiteY9" fmla="*/ 599884 h 719864"/>
+              <a:gd name="connsiteX10" fmla="*/ 0 w 1544981"/>
+              <a:gd name="connsiteY10" fmla="*/ 119980 h 719864"/>
+              <a:gd name="connsiteX11" fmla="*/ 119980 w 1544981"/>
+              <a:gd name="connsiteY11" fmla="*/ 0 h 719864"/>
+            </a:gdLst>
+            <a:ahLst/>
+            <a:cxnLst>
+              <a:cxn ang="0">
+                <a:pos x="connsiteX0" y="connsiteY0"/>
+              </a:cxn>
+              <a:cxn ang="0">
+                <a:pos x="connsiteX1" y="connsiteY1"/>
+              </a:cxn>
+              <a:cxn ang="0">
+                <a:pos x="connsiteX2" y="connsiteY2"/>
+              </a:cxn>
+              <a:cxn ang="0">
+                <a:pos x="connsiteX3" y="connsiteY3"/>
+              </a:cxn>
+              <a:cxn ang="0">
+                <a:pos x="connsiteX4" y="connsiteY4"/>
+              </a:cxn>
+              <a:cxn ang="0">
+                <a:pos x="connsiteX5" y="connsiteY5"/>
+              </a:cxn>
+              <a:cxn ang="0">
+                <a:pos x="connsiteX6" y="connsiteY6"/>
+              </a:cxn>
+              <a:cxn ang="0">
+                <a:pos x="connsiteX7" y="connsiteY7"/>
+              </a:cxn>
+              <a:cxn ang="0">
+                <a:pos x="connsiteX8" y="connsiteY8"/>
+              </a:cxn>
+              <a:cxn ang="0">
+                <a:pos x="connsiteX9" y="connsiteY9"/>
+              </a:cxn>
+              <a:cxn ang="0">
+                <a:pos x="connsiteX10" y="connsiteY10"/>
+              </a:cxn>
+              <a:cxn ang="0">
+                <a:pos x="connsiteX11" y="connsiteY11"/>
+              </a:cxn>
+            </a:cxnLst>
+            <a:rect l="l" t="t" r="r" b="b"/>
+            <a:pathLst>
+              <a:path w="1544981" h="719864">
+                <a:moveTo>
+                  <a:pt x="119980" y="0"/>
+                </a:moveTo>
+                <a:lnTo>
+                  <a:pt x="1055683" y="0"/>
+                </a:lnTo>
+                <a:cubicBezTo>
+                  <a:pt x="1121946" y="0"/>
+                  <a:pt x="1175663" y="53717"/>
+                  <a:pt x="1175663" y="119980"/>
+                </a:cubicBezTo>
+                <a:lnTo>
+                  <a:pt x="1175663" y="143618"/>
+                </a:lnTo>
+                <a:lnTo>
+                  <a:pt x="1544981" y="359932"/>
+                </a:lnTo>
+                <a:lnTo>
+                  <a:pt x="1175663" y="576247"/>
+                </a:lnTo>
+                <a:lnTo>
+                  <a:pt x="1175663" y="599884"/>
+                </a:lnTo>
+                <a:cubicBezTo>
+                  <a:pt x="1175663" y="666147"/>
+                  <a:pt x="1121946" y="719864"/>
+                  <a:pt x="1055683" y="719864"/>
+                </a:cubicBezTo>
+                <a:lnTo>
+                  <a:pt x="119980" y="719864"/>
+                </a:lnTo>
+                <a:cubicBezTo>
+                  <a:pt x="53717" y="719864"/>
+                  <a:pt x="0" y="666147"/>
+                  <a:pt x="0" y="599884"/>
+                </a:cubicBezTo>
+                <a:lnTo>
+                  <a:pt x="0" y="119980"/>
+                </a:lnTo>
+                <a:cubicBezTo>
+                  <a:pt x="0" y="53717"/>
+                  <a:pt x="53717" y="0"/>
+                  <a:pt x="119980" y="0"/>
+                </a:cubicBezTo>
+                <a:close/>
+              </a:path>
+            </a:pathLst>
+          </a:custGeom>
+          <a:solidFill>
+            <a:schemeClr val="bg1"/>
+          </a:solidFill>
+          <a:ln w="25400">
+            <a:solidFill>
+              <a:schemeClr val="tx1"/>
+            </a:solidFill>
+          </a:ln>
+        </p:spPr>
+        <p:style>
+          <a:lnRef idx="2">
+            <a:schemeClr val="accent1">
+              <a:shade val="50000"/>
+            </a:schemeClr>
+          </a:lnRef>
+          <a:fillRef idx="1">
+            <a:schemeClr val="accent1"/>
+          </a:fillRef>
+          <a:effectRef idx="0">
+            <a:schemeClr val="accent1"/>
+          </a:effectRef>
+          <a:fontRef idx="minor">
+            <a:schemeClr val="lt1"/>
+          </a:fontRef>
+        </p:style>
+        <p:txBody>
+          <a:bodyPr wrap="square" rtlCol="0" anchor="ctr">
+            <a:noAutofit/>
+          </a:bodyPr>
+          <a:lstStyle/>
+          <a:p>
+            <a:pPr algn="ctr"/>
+            <a:endParaRPr lang="en-US" sz="675" dirty="0"/>
+          </a:p>
+        </p:txBody>
+      </p:sp>
+      <p:sp>
+        <p:nvSpPr>
+          <p:cNvPr id="4" name="Freeform: Shape 3">
+            <a:extLst>
+              <a:ext uri="{FF2B5EF4-FFF2-40B4-BE49-F238E27FC236}">
+                <a16:creationId xmlns:a16="http://schemas.microsoft.com/office/drawing/2014/main" id="{75477155-4367-6724-3DA2-30D0AF6DC972}"/>
+              </a:ext>
+            </a:extLst>
+          </p:cNvPr>
+          <p:cNvSpPr/>
+          <p:nvPr/>
+        </p:nvSpPr>
+        <p:spPr>
+          <a:xfrm>
+            <a:off x="8415682" y="5874404"/>
+            <a:ext cx="1486436" cy="719864"/>
+          </a:xfrm>
+          <a:custGeom>
+            <a:avLst/>
+            <a:gdLst>
+              <a:gd name="connsiteX0" fmla="*/ 119980 w 1486436"/>
+              <a:gd name="connsiteY0" fmla="*/ 0 h 719864"/>
+              <a:gd name="connsiteX1" fmla="*/ 1366456 w 1486436"/>
+              <a:gd name="connsiteY1" fmla="*/ 0 h 719864"/>
+              <a:gd name="connsiteX2" fmla="*/ 1486436 w 1486436"/>
+              <a:gd name="connsiteY2" fmla="*/ 119980 h 719864"/>
+              <a:gd name="connsiteX3" fmla="*/ 1486436 w 1486436"/>
+              <a:gd name="connsiteY3" fmla="*/ 599884 h 719864"/>
+              <a:gd name="connsiteX4" fmla="*/ 1366456 w 1486436"/>
+              <a:gd name="connsiteY4" fmla="*/ 719864 h 719864"/>
+              <a:gd name="connsiteX5" fmla="*/ 119980 w 1486436"/>
+              <a:gd name="connsiteY5" fmla="*/ 719864 h 719864"/>
+              <a:gd name="connsiteX6" fmla="*/ 0 w 1486436"/>
+              <a:gd name="connsiteY6" fmla="*/ 599884 h 719864"/>
+              <a:gd name="connsiteX7" fmla="*/ 0 w 1486436"/>
+              <a:gd name="connsiteY7" fmla="*/ 567527 h 719864"/>
+              <a:gd name="connsiteX8" fmla="*/ 448530 w 1486436"/>
+              <a:gd name="connsiteY8" fmla="*/ 359932 h 719864"/>
+              <a:gd name="connsiteX9" fmla="*/ 0 w 1486436"/>
+              <a:gd name="connsiteY9" fmla="*/ 152338 h 719864"/>
+              <a:gd name="connsiteX10" fmla="*/ 0 w 1486436"/>
+              <a:gd name="connsiteY10" fmla="*/ 119980 h 719864"/>
+              <a:gd name="connsiteX11" fmla="*/ 119980 w 1486436"/>
+              <a:gd name="connsiteY11" fmla="*/ 0 h 719864"/>
+            </a:gdLst>
+            <a:ahLst/>
+            <a:cxnLst>
+              <a:cxn ang="0">
+                <a:pos x="connsiteX0" y="connsiteY0"/>
+              </a:cxn>
+              <a:cxn ang="0">
+                <a:pos x="connsiteX1" y="connsiteY1"/>
+              </a:cxn>
+              <a:cxn ang="0">
+                <a:pos x="connsiteX2" y="connsiteY2"/>
+              </a:cxn>
+              <a:cxn ang="0">
+                <a:pos x="connsiteX3" y="connsiteY3"/>
+              </a:cxn>
+              <a:cxn ang="0">
+                <a:pos x="connsiteX4" y="connsiteY4"/>
+              </a:cxn>
+              <a:cxn ang="0">
+                <a:pos x="connsiteX5" y="connsiteY5"/>
+              </a:cxn>
+              <a:cxn ang="0">
+                <a:pos x="connsiteX6" y="connsiteY6"/>
+              </a:cxn>
+              <a:cxn ang="0">
+                <a:pos x="connsiteX7" y="connsiteY7"/>
+              </a:cxn>
+              <a:cxn ang="0">
+                <a:pos x="connsiteX8" y="connsiteY8"/>
+              </a:cxn>
+              <a:cxn ang="0">
+                <a:pos x="connsiteX9" y="connsiteY9"/>
+              </a:cxn>
+              <a:cxn ang="0">
+                <a:pos x="connsiteX10" y="connsiteY10"/>
+              </a:cxn>
+              <a:cxn ang="0">
+                <a:pos x="connsiteX11" y="connsiteY11"/>
+              </a:cxn>
+            </a:cxnLst>
+            <a:rect l="l" t="t" r="r" b="b"/>
+            <a:pathLst>
+              <a:path w="1486436" h="719864">
+                <a:moveTo>
+                  <a:pt x="119980" y="0"/>
+                </a:moveTo>
+                <a:lnTo>
+                  <a:pt x="1366456" y="0"/>
+                </a:lnTo>
+                <a:cubicBezTo>
+                  <a:pt x="1432719" y="0"/>
+                  <a:pt x="1486436" y="53717"/>
+                  <a:pt x="1486436" y="119980"/>
+                </a:cubicBezTo>
+                <a:lnTo>
+                  <a:pt x="1486436" y="599884"/>
+                </a:lnTo>
+                <a:cubicBezTo>
+                  <a:pt x="1486436" y="666147"/>
+                  <a:pt x="1432719" y="719864"/>
+                  <a:pt x="1366456" y="719864"/>
+                </a:cubicBezTo>
+                <a:lnTo>
+                  <a:pt x="119980" y="719864"/>
+                </a:lnTo>
+                <a:cubicBezTo>
+                  <a:pt x="53717" y="719864"/>
+                  <a:pt x="0" y="666147"/>
+                  <a:pt x="0" y="599884"/>
+                </a:cubicBezTo>
+                <a:lnTo>
+                  <a:pt x="0" y="567527"/>
+                </a:lnTo>
+                <a:lnTo>
+                  <a:pt x="448530" y="359932"/>
+                </a:lnTo>
+                <a:lnTo>
+                  <a:pt x="0" y="152338"/>
+                </a:lnTo>
+                <a:lnTo>
+                  <a:pt x="0" y="119980"/>
+                </a:lnTo>
+                <a:cubicBezTo>
+                  <a:pt x="0" y="53717"/>
+                  <a:pt x="53717" y="0"/>
+                  <a:pt x="119980" y="0"/>
+                </a:cubicBezTo>
+                <a:close/>
+              </a:path>
+            </a:pathLst>
+          </a:custGeom>
+          <a:solidFill>
+            <a:schemeClr val="bg1"/>
+          </a:solidFill>
+          <a:ln w="25400">
+            <a:solidFill>
+              <a:schemeClr val="tx1"/>
+            </a:solidFill>
+          </a:ln>
+        </p:spPr>
+        <p:style>
+          <a:lnRef idx="2">
+            <a:schemeClr val="accent1">
+              <a:shade val="50000"/>
+            </a:schemeClr>
+          </a:lnRef>
+          <a:fillRef idx="1">
+            <a:schemeClr val="accent1"/>
+          </a:fillRef>
+          <a:effectRef idx="0">
+            <a:schemeClr val="accent1"/>
+          </a:effectRef>
+          <a:fontRef idx="minor">
+            <a:schemeClr val="lt1"/>
+          </a:fontRef>
+        </p:style>
+        <p:txBody>
+          <a:bodyPr wrap="square" rtlCol="0" anchor="ctr">
+            <a:noAutofit/>
+          </a:bodyPr>
+          <a:lstStyle/>
+          <a:p>
+            <a:pPr algn="ctr"/>
+            <a:endParaRPr lang="en-US" sz="1350" dirty="0"/>
+          </a:p>
+          <a:p>
+            <a:pPr algn="ctr"/>
+            <a:endParaRPr lang="en-US" sz="2400" dirty="0">
+              <a:solidFill>
+                <a:srgbClr val="0C0C25"/>
+              </a:solidFill>
+              <a:latin typeface="Arial Rounded MT Bold" panose="020F0704030504030204" pitchFamily="34" charset="0"/>
+            </a:endParaRPr>
+          </a:p>
+          <a:p>
+            <a:pPr algn="ctr"/>
+            <a:endParaRPr lang="en-US" sz="1350" dirty="0"/>
+          </a:p>
+        </p:txBody>
+      </p:sp>
+      <p:sp>
+        <p:nvSpPr>
+          <p:cNvPr id="5" name="TextBox 4">
+            <a:extLst>
+              <a:ext uri="{FF2B5EF4-FFF2-40B4-BE49-F238E27FC236}">
+                <a16:creationId xmlns:a16="http://schemas.microsoft.com/office/drawing/2014/main" id="{5B25879C-FE70-3BD9-A952-9F4F96F8044E}"/>
+              </a:ext>
+            </a:extLst>
+          </p:cNvPr>
+          <p:cNvSpPr txBox="1"/>
+          <p:nvPr/>
+        </p:nvSpPr>
+        <p:spPr>
+          <a:xfrm>
+            <a:off x="11485032" y="6002729"/>
+            <a:ext cx="1420440" cy="461665"/>
+          </a:xfrm>
+          <a:prstGeom prst="rect">
+            <a:avLst/>
+          </a:prstGeom>
+          <a:noFill/>
+        </p:spPr>
+        <p:txBody>
+          <a:bodyPr wrap="square">
+            <a:spAutoFit/>
+          </a:bodyPr>
+          <a:lstStyle/>
+          <a:p>
+            <a:pPr algn="ctr"/>
+            <a:r>
+              <a:rPr lang="en-US" sz="2400" dirty="0">
+                <a:latin typeface="Avenir LT Std 35 Light" panose="020B0402020203020204" pitchFamily="34" charset="0"/>
+              </a:rPr>
+              <a:t>quick</a:t>
+            </a:r>
+          </a:p>
+        </p:txBody>
+      </p:sp>
+      <p:sp>
+        <p:nvSpPr>
+          <p:cNvPr id="6" name="TextBox 5">
+            <a:extLst>
+              <a:ext uri="{FF2B5EF4-FFF2-40B4-BE49-F238E27FC236}">
+                <a16:creationId xmlns:a16="http://schemas.microsoft.com/office/drawing/2014/main" id="{5339FCE7-7B5F-6288-FF8C-95E70557F648}"/>
+              </a:ext>
+            </a:extLst>
+          </p:cNvPr>
+          <p:cNvSpPr txBox="1"/>
+          <p:nvPr/>
+        </p:nvSpPr>
+        <p:spPr>
+          <a:xfrm>
+            <a:off x="8658284" y="6003503"/>
+            <a:ext cx="1420440" cy="461665"/>
+          </a:xfrm>
+          <a:prstGeom prst="rect">
+            <a:avLst/>
+          </a:prstGeom>
+          <a:noFill/>
+        </p:spPr>
+        <p:txBody>
+          <a:bodyPr wrap="square">
+            <a:spAutoFit/>
+          </a:bodyPr>
+          <a:lstStyle/>
+          <a:p>
+            <a:pPr algn="ctr"/>
+            <a:r>
+              <a:rPr lang="en-US" sz="2400" dirty="0">
+                <a:latin typeface="Avenir LT Std 35 Light" panose="020B0402020203020204" pitchFamily="34" charset="0"/>
+              </a:rPr>
+              <a:t>quick</a:t>
+            </a:r>
+          </a:p>
+        </p:txBody>
+      </p:sp>
+      <p:sp>
+        <p:nvSpPr>
+          <p:cNvPr id="7" name="TextBox 6">
+            <a:extLst>
+              <a:ext uri="{FF2B5EF4-FFF2-40B4-BE49-F238E27FC236}">
+                <a16:creationId xmlns:a16="http://schemas.microsoft.com/office/drawing/2014/main" id="{F1E8EE6E-30BF-D43D-1E81-FA2651C53B03}"/>
+              </a:ext>
+            </a:extLst>
+          </p:cNvPr>
+          <p:cNvSpPr txBox="1"/>
+          <p:nvPr/>
+        </p:nvSpPr>
+        <p:spPr>
+          <a:xfrm>
+            <a:off x="9408484" y="6190777"/>
+            <a:ext cx="778510" cy="338554"/>
+          </a:xfrm>
+          <a:prstGeom prst="rect">
+            <a:avLst/>
+          </a:prstGeom>
+          <a:noFill/>
+        </p:spPr>
+        <p:txBody>
+          <a:bodyPr wrap="square">
+            <a:spAutoFit/>
+          </a:bodyPr>
+          <a:lstStyle/>
+          <a:p>
+            <a:pPr algn="ctr"/>
+            <a:r>
+              <a:rPr lang="en-US" sz="1600" dirty="0">
+                <a:latin typeface="Avenir LT Std 35 Light" panose="020B0402020203020204" pitchFamily="34" charset="0"/>
+              </a:rPr>
+              <a:t>q</a:t>
+            </a:r>
+          </a:p>
+        </p:txBody>
+      </p:sp>
+      <p:sp>
+        <p:nvSpPr>
+          <p:cNvPr id="9" name="TextBox 8">
+            <a:extLst>
+              <a:ext uri="{FF2B5EF4-FFF2-40B4-BE49-F238E27FC236}">
+                <a16:creationId xmlns:a16="http://schemas.microsoft.com/office/drawing/2014/main" id="{AF3F8550-35F8-3E9B-1AD3-5BAD7505FEED}"/>
+              </a:ext>
+            </a:extLst>
+          </p:cNvPr>
+          <p:cNvSpPr txBox="1"/>
+          <p:nvPr/>
+        </p:nvSpPr>
+        <p:spPr>
+          <a:xfrm>
+            <a:off x="10716688" y="6190777"/>
+            <a:ext cx="778510" cy="338554"/>
+          </a:xfrm>
+          <a:prstGeom prst="rect">
+            <a:avLst/>
+          </a:prstGeom>
+          <a:noFill/>
+        </p:spPr>
+        <p:txBody>
+          <a:bodyPr wrap="square">
+            <a:spAutoFit/>
+          </a:bodyPr>
+          <a:lstStyle/>
+          <a:p>
+            <a:pPr algn="ctr"/>
+            <a:r>
+              <a:rPr lang="en-US" sz="1600" dirty="0">
+                <a:solidFill>
+                  <a:srgbClr val="0C0C25"/>
+                </a:solidFill>
+                <a:latin typeface="Avenir LT Std 35 Light" panose="020B0402020203020204" pitchFamily="34" charset="0"/>
+              </a:rPr>
+              <a:t>v</a:t>
+            </a:r>
+          </a:p>
+        </p:txBody>
+      </p:sp>
+      <p:sp>
+        <p:nvSpPr>
+          <p:cNvPr id="11" name="Rectangle: Rounded Corners 11">
+            <a:extLst>
+              <a:ext uri="{FF2B5EF4-FFF2-40B4-BE49-F238E27FC236}">
+                <a16:creationId xmlns:a16="http://schemas.microsoft.com/office/drawing/2014/main" id="{36F35F39-6C16-A1A8-72A8-E38E449C80EB}"/>
+              </a:ext>
+            </a:extLst>
+          </p:cNvPr>
+          <p:cNvSpPr/>
+          <p:nvPr/>
+        </p:nvSpPr>
+        <p:spPr>
+          <a:xfrm>
+            <a:off x="9961683" y="6716605"/>
+            <a:ext cx="1406023" cy="719864"/>
+          </a:xfrm>
+          <a:prstGeom prst="roundRect">
+            <a:avLst/>
+          </a:prstGeom>
+          <a:noFill/>
+          <a:ln w="25400">
+            <a:solidFill>
+              <a:schemeClr val="tx1"/>
+            </a:solidFill>
+          </a:ln>
+        </p:spPr>
+        <p:style>
+          <a:lnRef idx="2">
+            <a:schemeClr val="accent1">
+              <a:shade val="50000"/>
+            </a:schemeClr>
+          </a:lnRef>
+          <a:fillRef idx="1">
+            <a:schemeClr val="accent1"/>
+          </a:fillRef>
+          <a:effectRef idx="0">
+            <a:schemeClr val="accent1"/>
+          </a:effectRef>
+          <a:fontRef idx="minor">
+            <a:schemeClr val="lt1"/>
+          </a:fontRef>
+        </p:style>
+        <p:txBody>
+          <a:bodyPr rtlCol="0" anchor="ctr"/>
+          <a:lstStyle/>
+          <a:p>
+            <a:pPr algn="ctr"/>
+            <a:endParaRPr lang="en-US" sz="1350" dirty="0">
+              <a:effectLst>
+                <a:outerShdw blurRad="50800" dist="50800" dir="5400000" sx="59000" sy="59000" algn="ctr" rotWithShape="0">
+                  <a:srgbClr val="000000">
+                    <a:alpha val="43137"/>
+                  </a:srgbClr>
+                </a:outerShdw>
+              </a:effectLst>
+            </a:endParaRPr>
+          </a:p>
+          <a:p>
+            <a:pPr algn="ctr"/>
+            <a:r>
+              <a:rPr lang="en-US" sz="2400" dirty="0">
+                <a:solidFill>
+                  <a:schemeClr val="tx1"/>
+                </a:solidFill>
+                <a:latin typeface="Avenir LT Std 35 Light" panose="020B0402020203020204" pitchFamily="34" charset="0"/>
+              </a:rPr>
+              <a:t>brown</a:t>
+            </a:r>
+            <a:r>
+              <a:rPr lang="en-US" sz="2400" dirty="0">
+                <a:solidFill>
+                  <a:schemeClr val="tx1"/>
+                </a:solidFill>
+                <a:latin typeface="Arial Rounded MT Bold" panose="020F0704030504030204" pitchFamily="34" charset="0"/>
+              </a:rPr>
+              <a:t> </a:t>
+            </a:r>
+          </a:p>
+          <a:p>
+            <a:pPr algn="ctr"/>
+            <a:endParaRPr lang="en-US" sz="1350" dirty="0"/>
+          </a:p>
+        </p:txBody>
+      </p:sp>
+      <p:sp>
+        <p:nvSpPr>
+          <p:cNvPr id="15" name="TextBox 14">
+            <a:extLst>
+              <a:ext uri="{FF2B5EF4-FFF2-40B4-BE49-F238E27FC236}">
+                <a16:creationId xmlns:a16="http://schemas.microsoft.com/office/drawing/2014/main" id="{43564023-45FA-BBEA-728D-FD616A6B25CC}"/>
+              </a:ext>
+            </a:extLst>
+          </p:cNvPr>
+          <p:cNvSpPr txBox="1"/>
+          <p:nvPr/>
+        </p:nvSpPr>
+        <p:spPr>
+          <a:xfrm>
+            <a:off x="8600430" y="6845258"/>
+            <a:ext cx="1420440" cy="461665"/>
+          </a:xfrm>
+          <a:prstGeom prst="rect">
+            <a:avLst/>
+          </a:prstGeom>
+          <a:noFill/>
+        </p:spPr>
+        <p:txBody>
+          <a:bodyPr wrap="square">
+            <a:spAutoFit/>
+          </a:bodyPr>
+          <a:lstStyle/>
+          <a:p>
+            <a:pPr algn="ctr"/>
+            <a:r>
+              <a:rPr lang="en-US" sz="2400" dirty="0">
+                <a:latin typeface="Avenir LT Std 35 Light" panose="020B0402020203020204" pitchFamily="34" charset="0"/>
+              </a:rPr>
+              <a:t>brown</a:t>
+            </a:r>
+          </a:p>
+        </p:txBody>
+      </p:sp>
+      <p:sp>
+        <p:nvSpPr>
+          <p:cNvPr id="16" name="TextBox 15">
+            <a:extLst>
+              <a:ext uri="{FF2B5EF4-FFF2-40B4-BE49-F238E27FC236}">
+                <a16:creationId xmlns:a16="http://schemas.microsoft.com/office/drawing/2014/main" id="{D58C611D-33FF-42A2-A37D-49275A2F1D63}"/>
+              </a:ext>
+            </a:extLst>
+          </p:cNvPr>
+          <p:cNvSpPr txBox="1"/>
+          <p:nvPr/>
+        </p:nvSpPr>
+        <p:spPr>
+          <a:xfrm>
+            <a:off x="9408484" y="7032978"/>
+            <a:ext cx="778510" cy="338554"/>
+          </a:xfrm>
+          <a:prstGeom prst="rect">
+            <a:avLst/>
+          </a:prstGeom>
+          <a:noFill/>
+        </p:spPr>
+        <p:txBody>
+          <a:bodyPr wrap="square">
+            <a:spAutoFit/>
+          </a:bodyPr>
+          <a:lstStyle/>
+          <a:p>
+            <a:pPr algn="ctr"/>
+            <a:r>
+              <a:rPr lang="en-US" sz="1600" dirty="0">
+                <a:latin typeface="Avenir LT Std 35 Light" panose="020B0402020203020204" pitchFamily="34" charset="0"/>
+              </a:rPr>
+              <a:t>q</a:t>
+            </a:r>
+          </a:p>
+        </p:txBody>
+      </p:sp>
+      <p:sp>
+        <p:nvSpPr>
+          <p:cNvPr id="19" name="TextBox 18">
+            <a:extLst>
+              <a:ext uri="{FF2B5EF4-FFF2-40B4-BE49-F238E27FC236}">
+                <a16:creationId xmlns:a16="http://schemas.microsoft.com/office/drawing/2014/main" id="{C2C95B1C-3D5F-20BB-AD00-0E82CFFAE858}"/>
+              </a:ext>
+            </a:extLst>
+          </p:cNvPr>
+          <p:cNvSpPr txBox="1"/>
+          <p:nvPr/>
+        </p:nvSpPr>
+        <p:spPr>
+          <a:xfrm>
+            <a:off x="10762925" y="7032978"/>
+            <a:ext cx="778510" cy="338554"/>
+          </a:xfrm>
+          <a:prstGeom prst="rect">
+            <a:avLst/>
+          </a:prstGeom>
+          <a:noFill/>
+        </p:spPr>
+        <p:txBody>
+          <a:bodyPr wrap="square">
+            <a:spAutoFit/>
+          </a:bodyPr>
+          <a:lstStyle/>
+          <a:p>
+            <a:pPr algn="ctr"/>
+            <a:r>
+              <a:rPr lang="en-US" sz="1600" dirty="0">
+                <a:latin typeface="Avenir LT Std 35 Light" panose="020B0402020203020204" pitchFamily="34" charset="0"/>
+              </a:rPr>
+              <a:t>v</a:t>
+            </a:r>
+          </a:p>
+        </p:txBody>
+      </p:sp>
+      <p:sp>
+        <p:nvSpPr>
+          <p:cNvPr id="21" name="TextBox 20">
+            <a:extLst>
+              <a:ext uri="{FF2B5EF4-FFF2-40B4-BE49-F238E27FC236}">
+                <a16:creationId xmlns:a16="http://schemas.microsoft.com/office/drawing/2014/main" id="{AC4DE06F-9C0A-58CE-F1AA-035DBF338DFB}"/>
+              </a:ext>
+            </a:extLst>
+          </p:cNvPr>
+          <p:cNvSpPr txBox="1"/>
+          <p:nvPr/>
+        </p:nvSpPr>
+        <p:spPr>
+          <a:xfrm>
+            <a:off x="12241841" y="6190777"/>
+            <a:ext cx="778510" cy="338554"/>
+          </a:xfrm>
+          <a:prstGeom prst="rect">
+            <a:avLst/>
+          </a:prstGeom>
+          <a:noFill/>
+        </p:spPr>
+        <p:txBody>
+          <a:bodyPr wrap="square">
+            <a:spAutoFit/>
+          </a:bodyPr>
+          <a:lstStyle/>
+          <a:p>
+            <a:pPr algn="ctr"/>
+            <a:r>
+              <a:rPr lang="en-US" sz="1600" dirty="0">
+                <a:latin typeface="Avenir LT Std 35 Light" panose="020B0402020203020204" pitchFamily="34" charset="0"/>
+              </a:rPr>
+              <a:t>k</a:t>
+            </a:r>
+          </a:p>
+        </p:txBody>
+      </p:sp>
+      <p:sp>
+        <p:nvSpPr>
+          <p:cNvPr id="52" name="Freeform: Shape 51">
+            <a:extLst>
+              <a:ext uri="{FF2B5EF4-FFF2-40B4-BE49-F238E27FC236}">
+                <a16:creationId xmlns:a16="http://schemas.microsoft.com/office/drawing/2014/main" id="{DA583962-B7A6-8043-3083-AE4AE840AD0F}"/>
+              </a:ext>
+            </a:extLst>
+          </p:cNvPr>
+          <p:cNvSpPr/>
+          <p:nvPr/>
+        </p:nvSpPr>
+        <p:spPr>
+          <a:xfrm>
+            <a:off x="11427270" y="6717615"/>
+            <a:ext cx="1705694" cy="719864"/>
+          </a:xfrm>
+          <a:custGeom>
+            <a:avLst/>
+            <a:gdLst>
+              <a:gd name="connsiteX0" fmla="*/ 119980 w 1705694"/>
+              <a:gd name="connsiteY0" fmla="*/ 0 h 719864"/>
+              <a:gd name="connsiteX1" fmla="*/ 1286043 w 1705694"/>
+              <a:gd name="connsiteY1" fmla="*/ 0 h 719864"/>
+              <a:gd name="connsiteX2" fmla="*/ 1370882 w 1705694"/>
+              <a:gd name="connsiteY2" fmla="*/ 35142 h 719864"/>
+              <a:gd name="connsiteX3" fmla="*/ 1388976 w 1705694"/>
+              <a:gd name="connsiteY3" fmla="*/ 61980 h 719864"/>
+              <a:gd name="connsiteX4" fmla="*/ 1406023 w 1705694"/>
+              <a:gd name="connsiteY4" fmla="*/ 60261 h 719864"/>
+              <a:gd name="connsiteX5" fmla="*/ 1705694 w 1705694"/>
+              <a:gd name="connsiteY5" fmla="*/ 359932 h 719864"/>
+              <a:gd name="connsiteX6" fmla="*/ 1406023 w 1705694"/>
+              <a:gd name="connsiteY6" fmla="*/ 659603 h 719864"/>
+              <a:gd name="connsiteX7" fmla="*/ 1388976 w 1705694"/>
+              <a:gd name="connsiteY7" fmla="*/ 657885 h 719864"/>
+              <a:gd name="connsiteX8" fmla="*/ 1370882 w 1705694"/>
+              <a:gd name="connsiteY8" fmla="*/ 684723 h 719864"/>
+              <a:gd name="connsiteX9" fmla="*/ 1286043 w 1705694"/>
+              <a:gd name="connsiteY9" fmla="*/ 719864 h 719864"/>
+              <a:gd name="connsiteX10" fmla="*/ 119980 w 1705694"/>
+              <a:gd name="connsiteY10" fmla="*/ 719864 h 719864"/>
+              <a:gd name="connsiteX11" fmla="*/ 0 w 1705694"/>
+              <a:gd name="connsiteY11" fmla="*/ 599884 h 719864"/>
+              <a:gd name="connsiteX12" fmla="*/ 0 w 1705694"/>
+              <a:gd name="connsiteY12" fmla="*/ 119980 h 719864"/>
+              <a:gd name="connsiteX13" fmla="*/ 119980 w 1705694"/>
+              <a:gd name="connsiteY13" fmla="*/ 0 h 719864"/>
+            </a:gdLst>
+            <a:ahLst/>
+            <a:cxnLst>
+              <a:cxn ang="0">
+                <a:pos x="connsiteX0" y="connsiteY0"/>
+              </a:cxn>
+              <a:cxn ang="0">
+                <a:pos x="connsiteX1" y="connsiteY1"/>
+              </a:cxn>
+              <a:cxn ang="0">
+                <a:pos x="connsiteX2" y="connsiteY2"/>
+              </a:cxn>
+              <a:cxn ang="0">
+                <a:pos x="connsiteX3" y="connsiteY3"/>
+              </a:cxn>
+              <a:cxn ang="0">
+                <a:pos x="connsiteX4" y="connsiteY4"/>
+              </a:cxn>
+              <a:cxn ang="0">
+                <a:pos x="connsiteX5" y="connsiteY5"/>
+              </a:cxn>
+              <a:cxn ang="0">
+                <a:pos x="connsiteX6" y="connsiteY6"/>
+              </a:cxn>
+              <a:cxn ang="0">
+                <a:pos x="connsiteX7" y="connsiteY7"/>
+              </a:cxn>
+              <a:cxn ang="0">
+                <a:pos x="connsiteX8" y="connsiteY8"/>
+              </a:cxn>
+              <a:cxn ang="0">
+                <a:pos x="connsiteX9" y="connsiteY9"/>
+              </a:cxn>
+              <a:cxn ang="0">
+                <a:pos x="connsiteX10" y="connsiteY10"/>
+              </a:cxn>
+              <a:cxn ang="0">
+                <a:pos x="connsiteX11" y="connsiteY11"/>
+              </a:cxn>
+              <a:cxn ang="0">
+                <a:pos x="connsiteX12" y="connsiteY12"/>
+              </a:cxn>
+              <a:cxn ang="0">
+                <a:pos x="connsiteX13" y="connsiteY13"/>
+              </a:cxn>
+            </a:cxnLst>
+            <a:rect l="l" t="t" r="r" b="b"/>
+            <a:pathLst>
+              <a:path w="1705694" h="719864">
+                <a:moveTo>
+                  <a:pt x="119980" y="0"/>
+                </a:moveTo>
+                <a:lnTo>
+                  <a:pt x="1286043" y="0"/>
+                </a:lnTo>
+                <a:cubicBezTo>
+                  <a:pt x="1319175" y="0"/>
+                  <a:pt x="1349170" y="13430"/>
+                  <a:pt x="1370882" y="35142"/>
+                </a:cubicBezTo>
+                <a:lnTo>
+                  <a:pt x="1388976" y="61980"/>
+                </a:lnTo>
+                <a:lnTo>
+                  <a:pt x="1406023" y="60261"/>
+                </a:lnTo>
+                <a:cubicBezTo>
+                  <a:pt x="1571527" y="60261"/>
+                  <a:pt x="1705694" y="194428"/>
+                  <a:pt x="1705694" y="359932"/>
+                </a:cubicBezTo>
+                <a:cubicBezTo>
+                  <a:pt x="1705694" y="525436"/>
+                  <a:pt x="1571527" y="659603"/>
+                  <a:pt x="1406023" y="659603"/>
+                </a:cubicBezTo>
+                <a:lnTo>
+                  <a:pt x="1388976" y="657885"/>
+                </a:lnTo>
+                <a:lnTo>
+                  <a:pt x="1370882" y="684723"/>
+                </a:lnTo>
+                <a:cubicBezTo>
+                  <a:pt x="1349170" y="706435"/>
+                  <a:pt x="1319175" y="719864"/>
+                  <a:pt x="1286043" y="719864"/>
+                </a:cubicBezTo>
+                <a:lnTo>
+                  <a:pt x="119980" y="719864"/>
+                </a:lnTo>
+                <a:cubicBezTo>
+                  <a:pt x="53717" y="719864"/>
+                  <a:pt x="0" y="666147"/>
+                  <a:pt x="0" y="599884"/>
+                </a:cubicBezTo>
+                <a:lnTo>
+                  <a:pt x="0" y="119980"/>
+                </a:lnTo>
+                <a:cubicBezTo>
+                  <a:pt x="0" y="53717"/>
+                  <a:pt x="53717" y="0"/>
+                  <a:pt x="119980" y="0"/>
+                </a:cubicBezTo>
+                <a:close/>
+              </a:path>
+            </a:pathLst>
+          </a:custGeom>
+          <a:noFill/>
+          <a:ln w="25400">
+            <a:solidFill>
+              <a:schemeClr val="tx1"/>
+            </a:solidFill>
+          </a:ln>
+        </p:spPr>
+        <p:style>
+          <a:lnRef idx="2">
+            <a:schemeClr val="accent1">
+              <a:shade val="50000"/>
+            </a:schemeClr>
+          </a:lnRef>
+          <a:fillRef idx="1">
+            <a:schemeClr val="accent1"/>
+          </a:fillRef>
+          <a:effectRef idx="0">
+            <a:schemeClr val="accent1"/>
+          </a:effectRef>
+          <a:fontRef idx="minor">
+            <a:schemeClr val="lt1"/>
+          </a:fontRef>
+        </p:style>
+        <p:txBody>
+          <a:bodyPr wrap="square" rtlCol="0" anchor="ctr">
+            <a:noAutofit/>
+          </a:bodyPr>
+          <a:lstStyle/>
+          <a:p>
+            <a:pPr algn="ctr"/>
+            <a:endParaRPr lang="en-US" sz="1350" dirty="0">
+              <a:effectLst>
+                <a:outerShdw blurRad="50800" dist="50800" dir="5400000" sx="59000" sy="59000" algn="ctr" rotWithShape="0">
+                  <a:srgbClr val="000000">
+                    <a:alpha val="43137"/>
+                  </a:srgbClr>
+                </a:outerShdw>
+              </a:effectLst>
+            </a:endParaRPr>
+          </a:p>
+          <a:p>
+            <a:pPr algn="ctr"/>
+            <a:r>
+              <a:rPr lang="en-US" sz="2400" dirty="0">
+                <a:solidFill>
+                  <a:schemeClr val="tx1"/>
+                </a:solidFill>
+                <a:latin typeface="Arial Rounded MT Bold" panose="020F0704030504030204" pitchFamily="34" charset="0"/>
+              </a:rPr>
+              <a:t> </a:t>
+            </a:r>
+          </a:p>
+          <a:p>
+            <a:pPr algn="ctr"/>
+            <a:endParaRPr lang="en-US" sz="1350" dirty="0"/>
+          </a:p>
+        </p:txBody>
+      </p:sp>
+      <p:sp>
+        <p:nvSpPr>
+          <p:cNvPr id="53" name="TextBox 52">
+            <a:extLst>
+              <a:ext uri="{FF2B5EF4-FFF2-40B4-BE49-F238E27FC236}">
+                <a16:creationId xmlns:a16="http://schemas.microsoft.com/office/drawing/2014/main" id="{8531F3EA-81B9-D995-1990-722408E7BBA1}"/>
+              </a:ext>
+            </a:extLst>
+          </p:cNvPr>
+          <p:cNvSpPr txBox="1"/>
+          <p:nvPr/>
+        </p:nvSpPr>
+        <p:spPr>
+          <a:xfrm>
+            <a:off x="12246829" y="7020338"/>
+            <a:ext cx="778510" cy="338554"/>
+          </a:xfrm>
+          <a:prstGeom prst="rect">
+            <a:avLst/>
+          </a:prstGeom>
+          <a:noFill/>
+        </p:spPr>
+        <p:txBody>
+          <a:bodyPr wrap="square">
+            <a:spAutoFit/>
+          </a:bodyPr>
+          <a:lstStyle/>
+          <a:p>
+            <a:pPr algn="ctr"/>
+            <a:r>
+              <a:rPr lang="en-US" sz="1600" dirty="0">
+                <a:latin typeface="Avenir LT Std 35 Light" panose="020B0402020203020204" pitchFamily="34" charset="0"/>
+              </a:rPr>
+              <a:t>k</a:t>
+            </a:r>
+          </a:p>
+        </p:txBody>
+      </p:sp>
+      <p:sp>
+        <p:nvSpPr>
+          <p:cNvPr id="55" name="TextBox 54">
+            <a:extLst>
+              <a:ext uri="{FF2B5EF4-FFF2-40B4-BE49-F238E27FC236}">
+                <a16:creationId xmlns:a16="http://schemas.microsoft.com/office/drawing/2014/main" id="{B8B579B6-D5A9-FA23-B788-3A475EF85B20}"/>
+              </a:ext>
+            </a:extLst>
+          </p:cNvPr>
+          <p:cNvSpPr txBox="1"/>
+          <p:nvPr/>
+        </p:nvSpPr>
+        <p:spPr>
+          <a:xfrm>
+            <a:off x="11639269" y="6860180"/>
+            <a:ext cx="1097074" cy="461665"/>
+          </a:xfrm>
+          <a:prstGeom prst="rect">
+            <a:avLst/>
+          </a:prstGeom>
+          <a:noFill/>
+        </p:spPr>
+        <p:txBody>
+          <a:bodyPr wrap="square">
+            <a:spAutoFit/>
+          </a:bodyPr>
+          <a:lstStyle/>
+          <a:p>
+            <a:r>
+              <a:rPr lang="en-US" sz="2400" dirty="0">
+                <a:solidFill>
+                  <a:schemeClr val="tx1"/>
+                </a:solidFill>
+                <a:latin typeface="Avenir LT Std 35 Light" panose="020B0402020203020204" pitchFamily="34" charset="0"/>
+              </a:rPr>
+              <a:t>brown</a:t>
+            </a:r>
+            <a:endParaRPr lang="en-GB" dirty="0"/>
+          </a:p>
+        </p:txBody>
+      </p:sp>
+      <p:sp>
+        <p:nvSpPr>
+          <p:cNvPr id="136" name="Freeform: Shape 135">
+            <a:extLst>
+              <a:ext uri="{FF2B5EF4-FFF2-40B4-BE49-F238E27FC236}">
+                <a16:creationId xmlns:a16="http://schemas.microsoft.com/office/drawing/2014/main" id="{6987EB75-15E7-F318-2192-7AF028D93C18}"/>
+              </a:ext>
+            </a:extLst>
+          </p:cNvPr>
+          <p:cNvSpPr/>
+          <p:nvPr/>
+        </p:nvSpPr>
+        <p:spPr>
+          <a:xfrm>
+            <a:off x="8546301" y="7568457"/>
+            <a:ext cx="1353329" cy="719864"/>
+          </a:xfrm>
+          <a:custGeom>
+            <a:avLst/>
+            <a:gdLst>
+              <a:gd name="connsiteX0" fmla="*/ 67286 w 1353329"/>
+              <a:gd name="connsiteY0" fmla="*/ 0 h 719864"/>
+              <a:gd name="connsiteX1" fmla="*/ 1233349 w 1353329"/>
+              <a:gd name="connsiteY1" fmla="*/ 0 h 719864"/>
+              <a:gd name="connsiteX2" fmla="*/ 1353329 w 1353329"/>
+              <a:gd name="connsiteY2" fmla="*/ 119980 h 719864"/>
+              <a:gd name="connsiteX3" fmla="*/ 1353329 w 1353329"/>
+              <a:gd name="connsiteY3" fmla="*/ 599884 h 719864"/>
+              <a:gd name="connsiteX4" fmla="*/ 1233349 w 1353329"/>
+              <a:gd name="connsiteY4" fmla="*/ 719864 h 719864"/>
+              <a:gd name="connsiteX5" fmla="*/ 67286 w 1353329"/>
+              <a:gd name="connsiteY5" fmla="*/ 719864 h 719864"/>
+              <a:gd name="connsiteX6" fmla="*/ 55077 w 1353329"/>
+              <a:gd name="connsiteY6" fmla="*/ 717399 h 719864"/>
+              <a:gd name="connsiteX7" fmla="*/ 80659 w 1353329"/>
+              <a:gd name="connsiteY7" fmla="*/ 703770 h 719864"/>
+              <a:gd name="connsiteX8" fmla="*/ 108560 w 1353329"/>
+              <a:gd name="connsiteY8" fmla="*/ 671068 h 719864"/>
+              <a:gd name="connsiteX9" fmla="*/ 160000 w 1353329"/>
+              <a:gd name="connsiteY9" fmla="*/ 655100 h 719864"/>
+              <a:gd name="connsiteX10" fmla="*/ 291846 w 1353329"/>
+              <a:gd name="connsiteY10" fmla="*/ 546528 h 719864"/>
+              <a:gd name="connsiteX11" fmla="*/ 312430 w 1353329"/>
+              <a:gd name="connsiteY11" fmla="*/ 508605 h 719864"/>
+              <a:gd name="connsiteX12" fmla="*/ 592501 w 1353329"/>
+              <a:gd name="connsiteY12" fmla="*/ 378979 h 719864"/>
+              <a:gd name="connsiteX13" fmla="*/ 312430 w 1353329"/>
+              <a:gd name="connsiteY13" fmla="*/ 249354 h 719864"/>
+              <a:gd name="connsiteX14" fmla="*/ 291846 w 1353329"/>
+              <a:gd name="connsiteY14" fmla="*/ 211430 h 719864"/>
+              <a:gd name="connsiteX15" fmla="*/ 160000 w 1353329"/>
+              <a:gd name="connsiteY15" fmla="*/ 102858 h 719864"/>
+              <a:gd name="connsiteX16" fmla="*/ 108560 w 1353329"/>
+              <a:gd name="connsiteY16" fmla="*/ 86890 h 719864"/>
+              <a:gd name="connsiteX17" fmla="*/ 80659 w 1353329"/>
+              <a:gd name="connsiteY17" fmla="*/ 54189 h 719864"/>
+              <a:gd name="connsiteX18" fmla="*/ 32396 w 1353329"/>
+              <a:gd name="connsiteY18" fmla="*/ 28476 h 719864"/>
+              <a:gd name="connsiteX19" fmla="*/ 0 w 1353329"/>
+              <a:gd name="connsiteY19" fmla="*/ 23308 h 719864"/>
+              <a:gd name="connsiteX20" fmla="*/ 20584 w 1353329"/>
+              <a:gd name="connsiteY20" fmla="*/ 9429 h 719864"/>
+              <a:gd name="connsiteX21" fmla="*/ 67286 w 1353329"/>
+              <a:gd name="connsiteY21" fmla="*/ 0 h 719864"/>
+            </a:gdLst>
+            <a:ahLst/>
+            <a:cxnLst>
+              <a:cxn ang="0">
+                <a:pos x="connsiteX0" y="connsiteY0"/>
+              </a:cxn>
+              <a:cxn ang="0">
+                <a:pos x="connsiteX1" y="connsiteY1"/>
+              </a:cxn>
+              <a:cxn ang="0">
+                <a:pos x="connsiteX2" y="connsiteY2"/>
+              </a:cxn>
+              <a:cxn ang="0">
+                <a:pos x="connsiteX3" y="connsiteY3"/>
+              </a:cxn>
+              <a:cxn ang="0">
+                <a:pos x="connsiteX4" y="connsiteY4"/>
+              </a:cxn>
+              <a:cxn ang="0">
+                <a:pos x="connsiteX5" y="connsiteY5"/>
+              </a:cxn>
+              <a:cxn ang="0">
+                <a:pos x="connsiteX6" y="connsiteY6"/>
+              </a:cxn>
+              <a:cxn ang="0">
+                <a:pos x="connsiteX7" y="connsiteY7"/>
+              </a:cxn>
+              <a:cxn ang="0">
+                <a:pos x="connsiteX8" y="connsiteY8"/>
+              </a:cxn>
+              <a:cxn ang="0">
+                <a:pos x="connsiteX9" y="connsiteY9"/>
+              </a:cxn>
+              <a:cxn ang="0">
+                <a:pos x="connsiteX10" y="connsiteY10"/>
+              </a:cxn>
+              <a:cxn ang="0">
+                <a:pos x="connsiteX11" y="connsiteY11"/>
+              </a:cxn>
+              <a:cxn ang="0">
+                <a:pos x="connsiteX12" y="connsiteY12"/>
+              </a:cxn>
+              <a:cxn ang="0">
+                <a:pos x="connsiteX13" y="connsiteY13"/>
+              </a:cxn>
+              <a:cxn ang="0">
+                <a:pos x="connsiteX14" y="connsiteY14"/>
+              </a:cxn>
+              <a:cxn ang="0">
+                <a:pos x="connsiteX15" y="connsiteY15"/>
+              </a:cxn>
+              <a:cxn ang="0">
+                <a:pos x="connsiteX16" y="connsiteY16"/>
+              </a:cxn>
+              <a:cxn ang="0">
+                <a:pos x="connsiteX17" y="connsiteY17"/>
+              </a:cxn>
+              <a:cxn ang="0">
+                <a:pos x="connsiteX18" y="connsiteY18"/>
+              </a:cxn>
+              <a:cxn ang="0">
+                <a:pos x="connsiteX19" y="connsiteY19"/>
+              </a:cxn>
+              <a:cxn ang="0">
+                <a:pos x="connsiteX20" y="connsiteY20"/>
+              </a:cxn>
+              <a:cxn ang="0">
+                <a:pos x="connsiteX21" y="connsiteY21"/>
+              </a:cxn>
+            </a:cxnLst>
+            <a:rect l="l" t="t" r="r" b="b"/>
+            <a:pathLst>
+              <a:path w="1353329" h="719864">
+                <a:moveTo>
+                  <a:pt x="67286" y="0"/>
+                </a:moveTo>
+                <a:lnTo>
+                  <a:pt x="1233349" y="0"/>
+                </a:lnTo>
+                <a:cubicBezTo>
+                  <a:pt x="1299612" y="0"/>
+                  <a:pt x="1353329" y="53717"/>
+                  <a:pt x="1353329" y="119980"/>
+                </a:cubicBezTo>
+                <a:lnTo>
+                  <a:pt x="1353329" y="599884"/>
+                </a:lnTo>
+                <a:cubicBezTo>
+                  <a:pt x="1353329" y="666147"/>
+                  <a:pt x="1299612" y="719864"/>
+                  <a:pt x="1233349" y="719864"/>
+                </a:cubicBezTo>
+                <a:lnTo>
+                  <a:pt x="67286" y="719864"/>
+                </a:lnTo>
+                <a:lnTo>
+                  <a:pt x="55077" y="717399"/>
+                </a:lnTo>
+                <a:lnTo>
+                  <a:pt x="80659" y="703770"/>
+                </a:lnTo>
+                <a:lnTo>
+                  <a:pt x="108560" y="671068"/>
+                </a:lnTo>
+                <a:lnTo>
+                  <a:pt x="160000" y="655100"/>
+                </a:lnTo>
+                <a:cubicBezTo>
+                  <a:pt x="213778" y="632354"/>
+                  <a:pt x="259534" y="594356"/>
+                  <a:pt x="291846" y="546528"/>
+                </a:cubicBezTo>
+                <a:lnTo>
+                  <a:pt x="312430" y="508605"/>
+                </a:lnTo>
+                <a:lnTo>
+                  <a:pt x="592501" y="378979"/>
+                </a:lnTo>
+                <a:lnTo>
+                  <a:pt x="312430" y="249354"/>
+                </a:lnTo>
+                <a:lnTo>
+                  <a:pt x="291846" y="211430"/>
+                </a:lnTo>
+                <a:cubicBezTo>
+                  <a:pt x="259534" y="163602"/>
+                  <a:pt x="213778" y="125604"/>
+                  <a:pt x="160000" y="102858"/>
+                </a:cubicBezTo>
+                <a:lnTo>
+                  <a:pt x="108560" y="86890"/>
+                </a:lnTo>
+                <a:lnTo>
+                  <a:pt x="80659" y="54189"/>
+                </a:lnTo>
+                <a:cubicBezTo>
+                  <a:pt x="66920" y="43333"/>
+                  <a:pt x="50562" y="34548"/>
+                  <a:pt x="32396" y="28476"/>
+                </a:cubicBezTo>
+                <a:lnTo>
+                  <a:pt x="0" y="23308"/>
+                </a:lnTo>
+                <a:lnTo>
+                  <a:pt x="20584" y="9429"/>
+                </a:lnTo>
+                <a:cubicBezTo>
+                  <a:pt x="34939" y="3358"/>
+                  <a:pt x="50720" y="0"/>
+                  <a:pt x="67286" y="0"/>
+                </a:cubicBezTo>
+                <a:close/>
+              </a:path>
+            </a:pathLst>
+          </a:custGeom>
+          <a:noFill/>
+          <a:ln w="25400">
+            <a:solidFill>
+              <a:schemeClr val="tx1"/>
+            </a:solidFill>
+          </a:ln>
+        </p:spPr>
+        <p:style>
+          <a:lnRef idx="2">
+            <a:schemeClr val="accent1">
+              <a:shade val="50000"/>
+            </a:schemeClr>
+          </a:lnRef>
+          <a:fillRef idx="1">
+            <a:schemeClr val="accent1"/>
+          </a:fillRef>
+          <a:effectRef idx="0">
+            <a:schemeClr val="accent1"/>
+          </a:effectRef>
+          <a:fontRef idx="minor">
+            <a:schemeClr val="lt1"/>
+          </a:fontRef>
+        </p:style>
+        <p:txBody>
+          <a:bodyPr wrap="square" rtlCol="0" anchor="ctr">
+            <a:noAutofit/>
+          </a:bodyPr>
+          <a:lstStyle/>
+          <a:p>
+            <a:pPr algn="ctr"/>
+            <a:endParaRPr lang="en-US" sz="1350" dirty="0">
+              <a:effectLst>
+                <a:outerShdw blurRad="50800" dist="50800" dir="5400000" sx="59000" sy="59000" algn="ctr" rotWithShape="0">
+                  <a:srgbClr val="000000">
+                    <a:alpha val="43137"/>
+                  </a:srgbClr>
+                </a:outerShdw>
+              </a:effectLst>
+            </a:endParaRPr>
+          </a:p>
+          <a:p>
+            <a:pPr algn="ctr"/>
+            <a:r>
+              <a:rPr lang="en-US" sz="2400" dirty="0">
+                <a:solidFill>
+                  <a:schemeClr val="tx1"/>
+                </a:solidFill>
+                <a:latin typeface="Arial Rounded MT Bold" panose="020F0704030504030204" pitchFamily="34" charset="0"/>
+              </a:rPr>
+              <a:t> </a:t>
+            </a:r>
+          </a:p>
+          <a:p>
+            <a:pPr algn="ctr"/>
+            <a:endParaRPr lang="en-US" sz="1350" dirty="0"/>
+          </a:p>
+        </p:txBody>
+      </p:sp>
+      <p:sp>
+        <p:nvSpPr>
+          <p:cNvPr id="61" name="Freeform: Shape 60">
+            <a:extLst>
+              <a:ext uri="{FF2B5EF4-FFF2-40B4-BE49-F238E27FC236}">
+                <a16:creationId xmlns:a16="http://schemas.microsoft.com/office/drawing/2014/main" id="{306FB182-07AF-588B-3239-E57C5E5369B2}"/>
+              </a:ext>
+            </a:extLst>
+          </p:cNvPr>
+          <p:cNvSpPr/>
+          <p:nvPr/>
+        </p:nvSpPr>
+        <p:spPr>
+          <a:xfrm>
+            <a:off x="8513797" y="6716604"/>
+            <a:ext cx="1388321" cy="719864"/>
+          </a:xfrm>
+          <a:custGeom>
+            <a:avLst/>
+            <a:gdLst>
+              <a:gd name="connsiteX0" fmla="*/ 102278 w 1388321"/>
+              <a:gd name="connsiteY0" fmla="*/ 0 h 719864"/>
+              <a:gd name="connsiteX1" fmla="*/ 1268341 w 1388321"/>
+              <a:gd name="connsiteY1" fmla="*/ 0 h 719864"/>
+              <a:gd name="connsiteX2" fmla="*/ 1388321 w 1388321"/>
+              <a:gd name="connsiteY2" fmla="*/ 119980 h 719864"/>
+              <a:gd name="connsiteX3" fmla="*/ 1388321 w 1388321"/>
+              <a:gd name="connsiteY3" fmla="*/ 599884 h 719864"/>
+              <a:gd name="connsiteX4" fmla="*/ 1268341 w 1388321"/>
+              <a:gd name="connsiteY4" fmla="*/ 719864 h 719864"/>
+              <a:gd name="connsiteX5" fmla="*/ 102278 w 1388321"/>
+              <a:gd name="connsiteY5" fmla="*/ 719864 h 719864"/>
+              <a:gd name="connsiteX6" fmla="*/ 17439 w 1388321"/>
+              <a:gd name="connsiteY6" fmla="*/ 684723 h 719864"/>
+              <a:gd name="connsiteX7" fmla="*/ 0 w 1388321"/>
+              <a:gd name="connsiteY7" fmla="*/ 658857 h 719864"/>
+              <a:gd name="connsiteX8" fmla="*/ 7403 w 1388321"/>
+              <a:gd name="connsiteY8" fmla="*/ 659603 h 719864"/>
+              <a:gd name="connsiteX9" fmla="*/ 307074 w 1388321"/>
+              <a:gd name="connsiteY9" fmla="*/ 359932 h 719864"/>
+              <a:gd name="connsiteX10" fmla="*/ 7403 w 1388321"/>
+              <a:gd name="connsiteY10" fmla="*/ 60261 h 719864"/>
+              <a:gd name="connsiteX11" fmla="*/ 0 w 1388321"/>
+              <a:gd name="connsiteY11" fmla="*/ 61008 h 719864"/>
+              <a:gd name="connsiteX12" fmla="*/ 17439 w 1388321"/>
+              <a:gd name="connsiteY12" fmla="*/ 35142 h 719864"/>
+              <a:gd name="connsiteX13" fmla="*/ 102278 w 1388321"/>
+              <a:gd name="connsiteY13" fmla="*/ 0 h 719864"/>
+            </a:gdLst>
+            <a:ahLst/>
+            <a:cxnLst>
+              <a:cxn ang="0">
+                <a:pos x="connsiteX0" y="connsiteY0"/>
+              </a:cxn>
+              <a:cxn ang="0">
+                <a:pos x="connsiteX1" y="connsiteY1"/>
+              </a:cxn>
+              <a:cxn ang="0">
+                <a:pos x="connsiteX2" y="connsiteY2"/>
+              </a:cxn>
+              <a:cxn ang="0">
+                <a:pos x="connsiteX3" y="connsiteY3"/>
+              </a:cxn>
+              <a:cxn ang="0">
+                <a:pos x="connsiteX4" y="connsiteY4"/>
+              </a:cxn>
+              <a:cxn ang="0">
+                <a:pos x="connsiteX5" y="connsiteY5"/>
+              </a:cxn>
+              <a:cxn ang="0">
+                <a:pos x="connsiteX6" y="connsiteY6"/>
+              </a:cxn>
+              <a:cxn ang="0">
+                <a:pos x="connsiteX7" y="connsiteY7"/>
+              </a:cxn>
+              <a:cxn ang="0">
+                <a:pos x="connsiteX8" y="connsiteY8"/>
+              </a:cxn>
+              <a:cxn ang="0">
+                <a:pos x="connsiteX9" y="connsiteY9"/>
+              </a:cxn>
+              <a:cxn ang="0">
+                <a:pos x="connsiteX10" y="connsiteY10"/>
+              </a:cxn>
+              <a:cxn ang="0">
+                <a:pos x="connsiteX11" y="connsiteY11"/>
+              </a:cxn>
+              <a:cxn ang="0">
+                <a:pos x="connsiteX12" y="connsiteY12"/>
+              </a:cxn>
+              <a:cxn ang="0">
+                <a:pos x="connsiteX13" y="connsiteY13"/>
+              </a:cxn>
+            </a:cxnLst>
+            <a:rect l="l" t="t" r="r" b="b"/>
+            <a:pathLst>
+              <a:path w="1388321" h="719864">
+                <a:moveTo>
+                  <a:pt x="102278" y="0"/>
+                </a:moveTo>
+                <a:lnTo>
+                  <a:pt x="1268341" y="0"/>
+                </a:lnTo>
+                <a:cubicBezTo>
+                  <a:pt x="1334604" y="0"/>
+                  <a:pt x="1388321" y="53717"/>
+                  <a:pt x="1388321" y="119980"/>
+                </a:cubicBezTo>
+                <a:lnTo>
+                  <a:pt x="1388321" y="599884"/>
+                </a:lnTo>
+                <a:cubicBezTo>
+                  <a:pt x="1388321" y="666147"/>
+                  <a:pt x="1334604" y="719864"/>
+                  <a:pt x="1268341" y="719864"/>
+                </a:cubicBezTo>
+                <a:lnTo>
+                  <a:pt x="102278" y="719864"/>
+                </a:lnTo>
+                <a:cubicBezTo>
+                  <a:pt x="69146" y="719864"/>
+                  <a:pt x="39152" y="706435"/>
+                  <a:pt x="17439" y="684723"/>
+                </a:cubicBezTo>
+                <a:lnTo>
+                  <a:pt x="0" y="658857"/>
+                </a:lnTo>
+                <a:lnTo>
+                  <a:pt x="7403" y="659603"/>
+                </a:lnTo>
+                <a:cubicBezTo>
+                  <a:pt x="172907" y="659603"/>
+                  <a:pt x="307074" y="525436"/>
+                  <a:pt x="307074" y="359932"/>
+                </a:cubicBezTo>
+                <a:cubicBezTo>
+                  <a:pt x="307074" y="194428"/>
+                  <a:pt x="172907" y="60261"/>
+                  <a:pt x="7403" y="60261"/>
+                </a:cubicBezTo>
+                <a:lnTo>
+                  <a:pt x="0" y="61008"/>
+                </a:lnTo>
+                <a:lnTo>
+                  <a:pt x="17439" y="35142"/>
+                </a:lnTo>
+                <a:cubicBezTo>
+                  <a:pt x="39152" y="13430"/>
+                  <a:pt x="69146" y="0"/>
+                  <a:pt x="102278" y="0"/>
+                </a:cubicBezTo>
+                <a:close/>
+              </a:path>
+            </a:pathLst>
+          </a:custGeom>
+          <a:noFill/>
+          <a:ln w="25400">
+            <a:solidFill>
+              <a:schemeClr val="tx1"/>
+            </a:solidFill>
+          </a:ln>
+        </p:spPr>
+        <p:style>
+          <a:lnRef idx="2">
+            <a:schemeClr val="accent1">
+              <a:shade val="50000"/>
+            </a:schemeClr>
+          </a:lnRef>
+          <a:fillRef idx="1">
+            <a:schemeClr val="accent1"/>
+          </a:fillRef>
+          <a:effectRef idx="0">
+            <a:schemeClr val="accent1"/>
+          </a:effectRef>
+          <a:fontRef idx="minor">
+            <a:schemeClr val="lt1"/>
+          </a:fontRef>
+        </p:style>
+        <p:txBody>
+          <a:bodyPr wrap="square" rtlCol="0" anchor="ctr">
+            <a:noAutofit/>
+          </a:bodyPr>
+          <a:lstStyle/>
+          <a:p>
+            <a:pPr algn="ctr"/>
+            <a:endParaRPr lang="en-US" sz="1350" dirty="0">
+              <a:effectLst>
+                <a:outerShdw blurRad="50800" dist="50800" dir="5400000" sx="59000" sy="59000" algn="ctr" rotWithShape="0">
+                  <a:srgbClr val="000000">
+                    <a:alpha val="43137"/>
+                  </a:srgbClr>
+                </a:outerShdw>
+              </a:effectLst>
+            </a:endParaRPr>
+          </a:p>
+          <a:p>
+            <a:pPr algn="ctr"/>
+            <a:r>
+              <a:rPr lang="en-US" sz="2400" dirty="0">
+                <a:solidFill>
+                  <a:schemeClr val="tx1"/>
+                </a:solidFill>
+                <a:latin typeface="Arial Rounded MT Bold" panose="020F0704030504030204" pitchFamily="34" charset="0"/>
+              </a:rPr>
+              <a:t> </a:t>
+            </a:r>
+          </a:p>
+          <a:p>
+            <a:pPr algn="ctr"/>
+            <a:endParaRPr lang="en-US" sz="1350" dirty="0"/>
+          </a:p>
+        </p:txBody>
+      </p:sp>
+      <p:sp>
+        <p:nvSpPr>
+          <p:cNvPr id="62" name="Rectangle: Rounded Corners 11">
+            <a:extLst>
+              <a:ext uri="{FF2B5EF4-FFF2-40B4-BE49-F238E27FC236}">
+                <a16:creationId xmlns:a16="http://schemas.microsoft.com/office/drawing/2014/main" id="{29C576C4-9226-02F4-79E2-9D3441FA3746}"/>
+              </a:ext>
+            </a:extLst>
+          </p:cNvPr>
+          <p:cNvSpPr/>
+          <p:nvPr/>
+        </p:nvSpPr>
+        <p:spPr>
+          <a:xfrm>
+            <a:off x="9963212" y="7568457"/>
+            <a:ext cx="1406023" cy="719864"/>
+          </a:xfrm>
+          <a:prstGeom prst="roundRect">
+            <a:avLst/>
+          </a:prstGeom>
+          <a:noFill/>
+          <a:ln w="25400">
+            <a:solidFill>
+              <a:schemeClr val="tx1"/>
+            </a:solidFill>
+          </a:ln>
+        </p:spPr>
+        <p:style>
+          <a:lnRef idx="2">
+            <a:schemeClr val="accent1">
+              <a:shade val="50000"/>
+            </a:schemeClr>
+          </a:lnRef>
+          <a:fillRef idx="1">
+            <a:schemeClr val="accent1"/>
+          </a:fillRef>
+          <a:effectRef idx="0">
+            <a:schemeClr val="accent1"/>
+          </a:effectRef>
+          <a:fontRef idx="minor">
+            <a:schemeClr val="lt1"/>
+          </a:fontRef>
+        </p:style>
+        <p:txBody>
+          <a:bodyPr rtlCol="0" anchor="ctr"/>
+          <a:lstStyle/>
+          <a:p>
+            <a:pPr algn="ctr"/>
+            <a:endParaRPr lang="en-US" sz="1350" dirty="0">
+              <a:effectLst>
+                <a:outerShdw blurRad="50800" dist="50800" dir="5400000" sx="59000" sy="59000" algn="ctr" rotWithShape="0">
+                  <a:srgbClr val="000000">
+                    <a:alpha val="43137"/>
+                  </a:srgbClr>
+                </a:outerShdw>
+              </a:effectLst>
+            </a:endParaRPr>
+          </a:p>
+          <a:p>
+            <a:pPr algn="ctr"/>
+            <a:r>
+              <a:rPr lang="en-US" sz="2400" dirty="0">
+                <a:solidFill>
+                  <a:schemeClr val="tx1"/>
+                </a:solidFill>
+                <a:latin typeface="Avenir LT Std 35 Light" panose="020B0402020203020204" pitchFamily="34" charset="0"/>
+              </a:rPr>
+              <a:t>fox</a:t>
+            </a:r>
+            <a:r>
+              <a:rPr lang="en-US" sz="2400" dirty="0">
+                <a:solidFill>
+                  <a:schemeClr val="tx1"/>
+                </a:solidFill>
+                <a:latin typeface="Arial Rounded MT Bold" panose="020F0704030504030204" pitchFamily="34" charset="0"/>
+              </a:rPr>
+              <a:t> </a:t>
+            </a:r>
+          </a:p>
+          <a:p>
+            <a:pPr algn="ctr"/>
+            <a:endParaRPr lang="en-US" sz="1350" dirty="0"/>
+          </a:p>
+        </p:txBody>
+      </p:sp>
+      <p:sp>
+        <p:nvSpPr>
+          <p:cNvPr id="129" name="Freeform: Shape 128">
+            <a:extLst>
+              <a:ext uri="{FF2B5EF4-FFF2-40B4-BE49-F238E27FC236}">
+                <a16:creationId xmlns:a16="http://schemas.microsoft.com/office/drawing/2014/main" id="{8578F598-5FD4-D97B-5C8B-54CBD3FF7E7A}"/>
+              </a:ext>
+            </a:extLst>
+          </p:cNvPr>
+          <p:cNvSpPr/>
+          <p:nvPr/>
+        </p:nvSpPr>
+        <p:spPr>
+          <a:xfrm>
+            <a:off x="11427271" y="7574766"/>
+            <a:ext cx="1955170" cy="719864"/>
+          </a:xfrm>
+          <a:custGeom>
+            <a:avLst/>
+            <a:gdLst>
+              <a:gd name="connsiteX0" fmla="*/ 119980 w 1955170"/>
+              <a:gd name="connsiteY0" fmla="*/ 0 h 719864"/>
+              <a:gd name="connsiteX1" fmla="*/ 151834 w 1955170"/>
+              <a:gd name="connsiteY1" fmla="*/ 0 h 719864"/>
+              <a:gd name="connsiteX2" fmla="*/ 1286043 w 1955170"/>
+              <a:gd name="connsiteY2" fmla="*/ 0 h 719864"/>
+              <a:gd name="connsiteX3" fmla="*/ 1335965 w 1955170"/>
+              <a:gd name="connsiteY3" fmla="*/ 0 h 719864"/>
+              <a:gd name="connsiteX4" fmla="*/ 1443328 w 1955170"/>
+              <a:gd name="connsiteY4" fmla="*/ 35142 h 719864"/>
+              <a:gd name="connsiteX5" fmla="*/ 1471229 w 1955170"/>
+              <a:gd name="connsiteY5" fmla="*/ 67843 h 719864"/>
+              <a:gd name="connsiteX6" fmla="*/ 1522669 w 1955170"/>
+              <a:gd name="connsiteY6" fmla="*/ 83811 h 719864"/>
+              <a:gd name="connsiteX7" fmla="*/ 1654515 w 1955170"/>
+              <a:gd name="connsiteY7" fmla="*/ 192383 h 719864"/>
+              <a:gd name="connsiteX8" fmla="*/ 1675099 w 1955170"/>
+              <a:gd name="connsiteY8" fmla="*/ 230307 h 719864"/>
+              <a:gd name="connsiteX9" fmla="*/ 1955170 w 1955170"/>
+              <a:gd name="connsiteY9" fmla="*/ 359932 h 719864"/>
+              <a:gd name="connsiteX10" fmla="*/ 1675099 w 1955170"/>
+              <a:gd name="connsiteY10" fmla="*/ 489558 h 719864"/>
+              <a:gd name="connsiteX11" fmla="*/ 1654515 w 1955170"/>
+              <a:gd name="connsiteY11" fmla="*/ 527481 h 719864"/>
+              <a:gd name="connsiteX12" fmla="*/ 1522669 w 1955170"/>
+              <a:gd name="connsiteY12" fmla="*/ 636053 h 719864"/>
+              <a:gd name="connsiteX13" fmla="*/ 1471229 w 1955170"/>
+              <a:gd name="connsiteY13" fmla="*/ 652021 h 719864"/>
+              <a:gd name="connsiteX14" fmla="*/ 1443328 w 1955170"/>
+              <a:gd name="connsiteY14" fmla="*/ 684723 h 719864"/>
+              <a:gd name="connsiteX15" fmla="*/ 1335965 w 1955170"/>
+              <a:gd name="connsiteY15" fmla="*/ 719864 h 719864"/>
+              <a:gd name="connsiteX16" fmla="*/ 1286043 w 1955170"/>
+              <a:gd name="connsiteY16" fmla="*/ 719864 h 719864"/>
+              <a:gd name="connsiteX17" fmla="*/ 151834 w 1955170"/>
+              <a:gd name="connsiteY17" fmla="*/ 719864 h 719864"/>
+              <a:gd name="connsiteX18" fmla="*/ 119980 w 1955170"/>
+              <a:gd name="connsiteY18" fmla="*/ 719864 h 719864"/>
+              <a:gd name="connsiteX19" fmla="*/ 0 w 1955170"/>
+              <a:gd name="connsiteY19" fmla="*/ 599884 h 719864"/>
+              <a:gd name="connsiteX20" fmla="*/ 0 w 1955170"/>
+              <a:gd name="connsiteY20" fmla="*/ 119980 h 719864"/>
+              <a:gd name="connsiteX21" fmla="*/ 119980 w 1955170"/>
+              <a:gd name="connsiteY21" fmla="*/ 0 h 719864"/>
+            </a:gdLst>
+            <a:ahLst/>
+            <a:cxnLst>
+              <a:cxn ang="0">
+                <a:pos x="connsiteX0" y="connsiteY0"/>
+              </a:cxn>
+              <a:cxn ang="0">
+                <a:pos x="connsiteX1" y="connsiteY1"/>
+              </a:cxn>
+              <a:cxn ang="0">
+                <a:pos x="connsiteX2" y="connsiteY2"/>
+              </a:cxn>
+              <a:cxn ang="0">
+                <a:pos x="connsiteX3" y="connsiteY3"/>
+              </a:cxn>
+              <a:cxn ang="0">
+                <a:pos x="connsiteX4" y="connsiteY4"/>
+              </a:cxn>
+              <a:cxn ang="0">
+                <a:pos x="connsiteX5" y="connsiteY5"/>
+              </a:cxn>
+              <a:cxn ang="0">
+                <a:pos x="connsiteX6" y="connsiteY6"/>
+              </a:cxn>
+              <a:cxn ang="0">
+                <a:pos x="connsiteX7" y="connsiteY7"/>
+              </a:cxn>
+              <a:cxn ang="0">
+                <a:pos x="connsiteX8" y="connsiteY8"/>
+              </a:cxn>
+              <a:cxn ang="0">
+                <a:pos x="connsiteX9" y="connsiteY9"/>
+              </a:cxn>
+              <a:cxn ang="0">
+                <a:pos x="connsiteX10" y="connsiteY10"/>
+              </a:cxn>
+              <a:cxn ang="0">
+                <a:pos x="connsiteX11" y="connsiteY11"/>
+              </a:cxn>
+              <a:cxn ang="0">
+                <a:pos x="connsiteX12" y="connsiteY12"/>
+              </a:cxn>
+              <a:cxn ang="0">
+                <a:pos x="connsiteX13" y="connsiteY13"/>
+              </a:cxn>
+              <a:cxn ang="0">
+                <a:pos x="connsiteX14" y="connsiteY14"/>
+              </a:cxn>
+              <a:cxn ang="0">
+                <a:pos x="connsiteX15" y="connsiteY15"/>
+              </a:cxn>
+              <a:cxn ang="0">
+                <a:pos x="connsiteX16" y="connsiteY16"/>
+              </a:cxn>
+              <a:cxn ang="0">
+                <a:pos x="connsiteX17" y="connsiteY17"/>
+              </a:cxn>
+              <a:cxn ang="0">
+                <a:pos x="connsiteX18" y="connsiteY18"/>
+              </a:cxn>
+              <a:cxn ang="0">
+                <a:pos x="connsiteX19" y="connsiteY19"/>
+              </a:cxn>
+              <a:cxn ang="0">
+                <a:pos x="connsiteX20" y="connsiteY20"/>
+              </a:cxn>
+              <a:cxn ang="0">
+                <a:pos x="connsiteX21" y="connsiteY21"/>
+              </a:cxn>
+            </a:cxnLst>
+            <a:rect l="l" t="t" r="r" b="b"/>
+            <a:pathLst>
+              <a:path w="1955170" h="719864">
+                <a:moveTo>
+                  <a:pt x="119980" y="0"/>
+                </a:moveTo>
+                <a:lnTo>
+                  <a:pt x="151834" y="0"/>
+                </a:lnTo>
+                <a:lnTo>
+                  <a:pt x="1286043" y="0"/>
+                </a:lnTo>
+                <a:lnTo>
+                  <a:pt x="1335965" y="0"/>
+                </a:lnTo>
+                <a:cubicBezTo>
+                  <a:pt x="1377892" y="0"/>
+                  <a:pt x="1415851" y="13430"/>
+                  <a:pt x="1443328" y="35142"/>
+                </a:cubicBezTo>
+                <a:lnTo>
+                  <a:pt x="1471229" y="67843"/>
+                </a:lnTo>
+                <a:lnTo>
+                  <a:pt x="1522669" y="83811"/>
+                </a:lnTo>
+                <a:cubicBezTo>
+                  <a:pt x="1576447" y="106557"/>
+                  <a:pt x="1622203" y="144555"/>
+                  <a:pt x="1654515" y="192383"/>
+                </a:cubicBezTo>
+                <a:lnTo>
+                  <a:pt x="1675099" y="230307"/>
+                </a:lnTo>
+                <a:lnTo>
+                  <a:pt x="1955170" y="359932"/>
+                </a:lnTo>
+                <a:lnTo>
+                  <a:pt x="1675099" y="489558"/>
+                </a:lnTo>
+                <a:lnTo>
+                  <a:pt x="1654515" y="527481"/>
+                </a:lnTo>
+                <a:cubicBezTo>
+                  <a:pt x="1622203" y="575309"/>
+                  <a:pt x="1576447" y="613307"/>
+                  <a:pt x="1522669" y="636053"/>
+                </a:cubicBezTo>
+                <a:lnTo>
+                  <a:pt x="1471229" y="652021"/>
+                </a:lnTo>
+                <a:lnTo>
+                  <a:pt x="1443328" y="684723"/>
+                </a:lnTo>
+                <a:cubicBezTo>
+                  <a:pt x="1415851" y="706435"/>
+                  <a:pt x="1377892" y="719864"/>
+                  <a:pt x="1335965" y="719864"/>
+                </a:cubicBezTo>
+                <a:lnTo>
+                  <a:pt x="1286043" y="719864"/>
+                </a:lnTo>
+                <a:lnTo>
+                  <a:pt x="151834" y="719864"/>
+                </a:lnTo>
+                <a:lnTo>
+                  <a:pt x="119980" y="719864"/>
+                </a:lnTo>
+                <a:cubicBezTo>
+                  <a:pt x="53717" y="719864"/>
+                  <a:pt x="0" y="666147"/>
+                  <a:pt x="0" y="599884"/>
+                </a:cubicBezTo>
+                <a:lnTo>
+                  <a:pt x="0" y="119980"/>
+                </a:lnTo>
+                <a:cubicBezTo>
+                  <a:pt x="0" y="53717"/>
+                  <a:pt x="53717" y="0"/>
+                  <a:pt x="119980" y="0"/>
+                </a:cubicBezTo>
+                <a:close/>
+              </a:path>
+            </a:pathLst>
+          </a:custGeom>
+          <a:solidFill>
+            <a:schemeClr val="bg1"/>
+          </a:solidFill>
+          <a:ln w="25400">
+            <a:solidFill>
+              <a:schemeClr val="tx1"/>
+            </a:solidFill>
+          </a:ln>
+        </p:spPr>
+        <p:style>
+          <a:lnRef idx="2">
+            <a:schemeClr val="accent1">
+              <a:shade val="50000"/>
+            </a:schemeClr>
+          </a:lnRef>
+          <a:fillRef idx="1">
+            <a:schemeClr val="accent1"/>
+          </a:fillRef>
+          <a:effectRef idx="0">
+            <a:schemeClr val="accent1"/>
+          </a:effectRef>
+          <a:fontRef idx="minor">
+            <a:schemeClr val="lt1"/>
+          </a:fontRef>
+        </p:style>
+        <p:txBody>
+          <a:bodyPr wrap="square" rtlCol="0" anchor="ctr">
+            <a:noAutofit/>
+          </a:bodyPr>
+          <a:lstStyle/>
+          <a:p>
+            <a:pPr algn="ctr"/>
+            <a:endParaRPr lang="en-US" sz="675" dirty="0"/>
+          </a:p>
+        </p:txBody>
+      </p:sp>
+      <p:sp>
+        <p:nvSpPr>
+          <p:cNvPr id="130" name="TextBox 129">
+            <a:extLst>
+              <a:ext uri="{FF2B5EF4-FFF2-40B4-BE49-F238E27FC236}">
+                <a16:creationId xmlns:a16="http://schemas.microsoft.com/office/drawing/2014/main" id="{053D6FDE-FA64-D987-13A9-E8118A39842B}"/>
+              </a:ext>
+            </a:extLst>
+          </p:cNvPr>
+          <p:cNvSpPr txBox="1"/>
+          <p:nvPr/>
+        </p:nvSpPr>
+        <p:spPr>
+          <a:xfrm>
+            <a:off x="10553375" y="7853028"/>
+            <a:ext cx="778510" cy="338554"/>
+          </a:xfrm>
+          <a:prstGeom prst="rect">
+            <a:avLst/>
+          </a:prstGeom>
+          <a:noFill/>
+        </p:spPr>
+        <p:txBody>
+          <a:bodyPr wrap="square">
+            <a:spAutoFit/>
+          </a:bodyPr>
+          <a:lstStyle/>
+          <a:p>
+            <a:pPr algn="ctr"/>
+            <a:r>
+              <a:rPr lang="en-US" sz="1600" dirty="0">
+                <a:latin typeface="Avenir LT Std 35 Light" panose="020B0402020203020204" pitchFamily="34" charset="0"/>
+              </a:rPr>
+              <a:t>v</a:t>
+            </a:r>
+          </a:p>
+        </p:txBody>
+      </p:sp>
+      <p:sp>
+        <p:nvSpPr>
+          <p:cNvPr id="133" name="TextBox 132">
+            <a:extLst>
+              <a:ext uri="{FF2B5EF4-FFF2-40B4-BE49-F238E27FC236}">
+                <a16:creationId xmlns:a16="http://schemas.microsoft.com/office/drawing/2014/main" id="{E94FC8E3-697D-707E-BF83-25AA6095C442}"/>
+              </a:ext>
+            </a:extLst>
+          </p:cNvPr>
+          <p:cNvSpPr txBox="1"/>
+          <p:nvPr/>
+        </p:nvSpPr>
+        <p:spPr>
+          <a:xfrm>
+            <a:off x="12307213" y="7853028"/>
+            <a:ext cx="258573" cy="338554"/>
+          </a:xfrm>
+          <a:prstGeom prst="rect">
+            <a:avLst/>
+          </a:prstGeom>
+          <a:noFill/>
+        </p:spPr>
+        <p:txBody>
+          <a:bodyPr wrap="square">
+            <a:spAutoFit/>
+          </a:bodyPr>
+          <a:lstStyle/>
+          <a:p>
+            <a:pPr algn="ctr"/>
+            <a:r>
+              <a:rPr lang="en-US" sz="1600" dirty="0">
+                <a:latin typeface="Avenir LT Std 35 Light" panose="020B0402020203020204" pitchFamily="34" charset="0"/>
+              </a:rPr>
+              <a:t>k</a:t>
+            </a:r>
+          </a:p>
+        </p:txBody>
+      </p:sp>
+      <p:sp>
+        <p:nvSpPr>
+          <p:cNvPr id="134" name="TextBox 133">
+            <a:extLst>
+              <a:ext uri="{FF2B5EF4-FFF2-40B4-BE49-F238E27FC236}">
+                <a16:creationId xmlns:a16="http://schemas.microsoft.com/office/drawing/2014/main" id="{5E71D558-3F13-8422-EA65-513DD4225DC5}"/>
+              </a:ext>
+            </a:extLst>
+          </p:cNvPr>
+          <p:cNvSpPr txBox="1"/>
+          <p:nvPr/>
+        </p:nvSpPr>
+        <p:spPr>
+          <a:xfrm>
+            <a:off x="11852150" y="7697556"/>
+            <a:ext cx="617621" cy="461665"/>
+          </a:xfrm>
+          <a:prstGeom prst="rect">
+            <a:avLst/>
+          </a:prstGeom>
+          <a:noFill/>
+        </p:spPr>
+        <p:txBody>
+          <a:bodyPr wrap="square">
+            <a:spAutoFit/>
+          </a:bodyPr>
+          <a:lstStyle/>
+          <a:p>
+            <a:r>
+              <a:rPr lang="en-US" sz="2400" dirty="0">
+                <a:solidFill>
+                  <a:schemeClr val="tx1"/>
+                </a:solidFill>
+                <a:latin typeface="Avenir LT Std 35 Light" panose="020B0402020203020204" pitchFamily="34" charset="0"/>
+              </a:rPr>
+              <a:t>fox</a:t>
+            </a:r>
+            <a:endParaRPr lang="en-GB" dirty="0"/>
+          </a:p>
+        </p:txBody>
+      </p:sp>
+      <p:sp>
+        <p:nvSpPr>
+          <p:cNvPr id="137" name="TextBox 136">
+            <a:extLst>
+              <a:ext uri="{FF2B5EF4-FFF2-40B4-BE49-F238E27FC236}">
+                <a16:creationId xmlns:a16="http://schemas.microsoft.com/office/drawing/2014/main" id="{046F1246-08FC-4031-3563-349AAC092200}"/>
+              </a:ext>
+            </a:extLst>
+          </p:cNvPr>
+          <p:cNvSpPr txBox="1"/>
+          <p:nvPr/>
+        </p:nvSpPr>
+        <p:spPr>
+          <a:xfrm>
+            <a:off x="9358595" y="7827701"/>
+            <a:ext cx="778510" cy="338554"/>
+          </a:xfrm>
+          <a:prstGeom prst="rect">
+            <a:avLst/>
+          </a:prstGeom>
+          <a:noFill/>
+        </p:spPr>
+        <p:txBody>
+          <a:bodyPr wrap="square">
+            <a:spAutoFit/>
+          </a:bodyPr>
+          <a:lstStyle/>
+          <a:p>
+            <a:pPr algn="ctr"/>
+            <a:r>
+              <a:rPr lang="en-US" sz="1600" dirty="0">
+                <a:latin typeface="Avenir LT Std 35 Light" panose="020B0402020203020204" pitchFamily="34" charset="0"/>
+              </a:rPr>
+              <a:t>q</a:t>
+            </a:r>
+          </a:p>
+        </p:txBody>
+      </p:sp>
+      <p:sp>
+        <p:nvSpPr>
+          <p:cNvPr id="138" name="TextBox 137">
+            <a:extLst>
+              <a:ext uri="{FF2B5EF4-FFF2-40B4-BE49-F238E27FC236}">
+                <a16:creationId xmlns:a16="http://schemas.microsoft.com/office/drawing/2014/main" id="{43736F3F-9139-2C91-C690-039AEC732F9A}"/>
+              </a:ext>
+            </a:extLst>
+          </p:cNvPr>
+          <p:cNvSpPr txBox="1"/>
+          <p:nvPr/>
+        </p:nvSpPr>
+        <p:spPr>
+          <a:xfrm>
+            <a:off x="9148460" y="7687905"/>
+            <a:ext cx="617621" cy="461665"/>
+          </a:xfrm>
+          <a:prstGeom prst="rect">
+            <a:avLst/>
+          </a:prstGeom>
+          <a:noFill/>
+        </p:spPr>
+        <p:txBody>
+          <a:bodyPr wrap="square">
+            <a:spAutoFit/>
+          </a:bodyPr>
+          <a:lstStyle/>
+          <a:p>
+            <a:r>
+              <a:rPr lang="en-US" sz="2400" dirty="0">
+                <a:solidFill>
+                  <a:schemeClr val="tx1"/>
+                </a:solidFill>
+                <a:latin typeface="Avenir LT Std 35 Light" panose="020B0402020203020204" pitchFamily="34" charset="0"/>
+              </a:rPr>
+              <a:t>fox</a:t>
+            </a:r>
+            <a:endParaRPr lang="en-GB" dirty="0"/>
+          </a:p>
+        </p:txBody>
+      </p:sp>
+      <p:sp>
+        <p:nvSpPr>
+          <p:cNvPr id="143" name="Rectangle: Rounded Corners 11">
+            <a:extLst>
+              <a:ext uri="{FF2B5EF4-FFF2-40B4-BE49-F238E27FC236}">
+                <a16:creationId xmlns:a16="http://schemas.microsoft.com/office/drawing/2014/main" id="{D13BAFFA-2683-C238-E434-9576D5076A03}"/>
+              </a:ext>
+            </a:extLst>
+          </p:cNvPr>
+          <p:cNvSpPr/>
+          <p:nvPr/>
+        </p:nvSpPr>
+        <p:spPr>
+          <a:xfrm>
+            <a:off x="9956641" y="8420309"/>
+            <a:ext cx="1406023" cy="719864"/>
+          </a:xfrm>
+          <a:prstGeom prst="roundRect">
+            <a:avLst/>
+          </a:prstGeom>
+          <a:noFill/>
+          <a:ln w="25400">
+            <a:solidFill>
+              <a:schemeClr val="tx1"/>
+            </a:solidFill>
+          </a:ln>
+        </p:spPr>
+        <p:style>
+          <a:lnRef idx="2">
+            <a:schemeClr val="accent1">
+              <a:shade val="50000"/>
+            </a:schemeClr>
+          </a:lnRef>
+          <a:fillRef idx="1">
+            <a:schemeClr val="accent1"/>
+          </a:fillRef>
+          <a:effectRef idx="0">
+            <a:schemeClr val="accent1"/>
+          </a:effectRef>
+          <a:fontRef idx="minor">
+            <a:schemeClr val="lt1"/>
+          </a:fontRef>
+        </p:style>
+        <p:txBody>
+          <a:bodyPr rtlCol="0" anchor="ctr"/>
+          <a:lstStyle/>
+          <a:p>
+            <a:pPr algn="ctr"/>
+            <a:endParaRPr lang="en-US" sz="1350" dirty="0">
+              <a:effectLst>
+                <a:outerShdw blurRad="50800" dist="50800" dir="5400000" sx="59000" sy="59000" algn="ctr" rotWithShape="0">
+                  <a:srgbClr val="000000">
+                    <a:alpha val="43137"/>
+                  </a:srgbClr>
+                </a:outerShdw>
+              </a:effectLst>
+            </a:endParaRPr>
+          </a:p>
+          <a:p>
+            <a:pPr algn="ctr"/>
+            <a:r>
+              <a:rPr lang="en-US" sz="2400" dirty="0">
+                <a:solidFill>
+                  <a:schemeClr val="tx1"/>
+                </a:solidFill>
+                <a:latin typeface="Avenir LT Std 35 Light" panose="020B0402020203020204" pitchFamily="34" charset="0"/>
+              </a:rPr>
+              <a:t>jump</a:t>
+            </a:r>
+            <a:r>
+              <a:rPr lang="en-US" sz="2400" dirty="0">
+                <a:solidFill>
+                  <a:schemeClr val="tx1"/>
+                </a:solidFill>
+                <a:latin typeface="Arial Rounded MT Bold" panose="020F0704030504030204" pitchFamily="34" charset="0"/>
+              </a:rPr>
+              <a:t> </a:t>
+            </a:r>
+          </a:p>
+          <a:p>
+            <a:pPr algn="ctr"/>
+            <a:endParaRPr lang="en-US" sz="1350" dirty="0"/>
+          </a:p>
+        </p:txBody>
+      </p:sp>
+      <p:sp>
+        <p:nvSpPr>
+          <p:cNvPr id="144" name="TextBox 143">
+            <a:extLst>
+              <a:ext uri="{FF2B5EF4-FFF2-40B4-BE49-F238E27FC236}">
+                <a16:creationId xmlns:a16="http://schemas.microsoft.com/office/drawing/2014/main" id="{F3B4E127-C898-8135-0E9B-17829CB76A9D}"/>
+              </a:ext>
+            </a:extLst>
+          </p:cNvPr>
+          <p:cNvSpPr txBox="1"/>
+          <p:nvPr/>
+        </p:nvSpPr>
+        <p:spPr>
+          <a:xfrm>
+            <a:off x="10648760" y="8763901"/>
+            <a:ext cx="778510" cy="338554"/>
+          </a:xfrm>
+          <a:prstGeom prst="rect">
+            <a:avLst/>
+          </a:prstGeom>
+          <a:noFill/>
+        </p:spPr>
+        <p:txBody>
+          <a:bodyPr wrap="square">
+            <a:spAutoFit/>
+          </a:bodyPr>
+          <a:lstStyle/>
+          <a:p>
+            <a:pPr algn="ctr"/>
+            <a:r>
+              <a:rPr lang="en-US" sz="1600" dirty="0">
+                <a:latin typeface="Avenir LT Std 35 Light" panose="020B0402020203020204" pitchFamily="34" charset="0"/>
+              </a:rPr>
+              <a:t>v</a:t>
+            </a:r>
+          </a:p>
+        </p:txBody>
+      </p:sp>
+      <p:sp>
+        <p:nvSpPr>
+          <p:cNvPr id="147" name="Freeform: Shape 146">
+            <a:extLst>
+              <a:ext uri="{FF2B5EF4-FFF2-40B4-BE49-F238E27FC236}">
+                <a16:creationId xmlns:a16="http://schemas.microsoft.com/office/drawing/2014/main" id="{7A81FA89-67A1-D12B-B715-F39FA654256A}"/>
+              </a:ext>
+            </a:extLst>
+          </p:cNvPr>
+          <p:cNvSpPr/>
+          <p:nvPr/>
+        </p:nvSpPr>
+        <p:spPr>
+          <a:xfrm>
+            <a:off x="11427269" y="8419557"/>
+            <a:ext cx="1664895" cy="719864"/>
+          </a:xfrm>
+          <a:custGeom>
+            <a:avLst/>
+            <a:gdLst>
+              <a:gd name="connsiteX0" fmla="*/ 119980 w 1664895"/>
+              <a:gd name="connsiteY0" fmla="*/ 0 h 719864"/>
+              <a:gd name="connsiteX1" fmla="*/ 1286043 w 1664895"/>
+              <a:gd name="connsiteY1" fmla="*/ 0 h 719864"/>
+              <a:gd name="connsiteX2" fmla="*/ 1396594 w 1664895"/>
+              <a:gd name="connsiteY2" fmla="*/ 73278 h 719864"/>
+              <a:gd name="connsiteX3" fmla="*/ 1402203 w 1664895"/>
+              <a:gd name="connsiteY3" fmla="*/ 101059 h 719864"/>
+              <a:gd name="connsiteX4" fmla="*/ 1664895 w 1664895"/>
+              <a:gd name="connsiteY4" fmla="*/ 101059 h 719864"/>
+              <a:gd name="connsiteX5" fmla="*/ 1664895 w 1664895"/>
+              <a:gd name="connsiteY5" fmla="*/ 618804 h 719864"/>
+              <a:gd name="connsiteX6" fmla="*/ 1402203 w 1664895"/>
+              <a:gd name="connsiteY6" fmla="*/ 618804 h 719864"/>
+              <a:gd name="connsiteX7" fmla="*/ 1396594 w 1664895"/>
+              <a:gd name="connsiteY7" fmla="*/ 646586 h 719864"/>
+              <a:gd name="connsiteX8" fmla="*/ 1286043 w 1664895"/>
+              <a:gd name="connsiteY8" fmla="*/ 719864 h 719864"/>
+              <a:gd name="connsiteX9" fmla="*/ 119980 w 1664895"/>
+              <a:gd name="connsiteY9" fmla="*/ 719864 h 719864"/>
+              <a:gd name="connsiteX10" fmla="*/ 0 w 1664895"/>
+              <a:gd name="connsiteY10" fmla="*/ 599884 h 719864"/>
+              <a:gd name="connsiteX11" fmla="*/ 0 w 1664895"/>
+              <a:gd name="connsiteY11" fmla="*/ 119980 h 719864"/>
+              <a:gd name="connsiteX12" fmla="*/ 119980 w 1664895"/>
+              <a:gd name="connsiteY12" fmla="*/ 0 h 719864"/>
+            </a:gdLst>
+            <a:ahLst/>
+            <a:cxnLst>
+              <a:cxn ang="0">
+                <a:pos x="connsiteX0" y="connsiteY0"/>
+              </a:cxn>
+              <a:cxn ang="0">
+                <a:pos x="connsiteX1" y="connsiteY1"/>
+              </a:cxn>
+              <a:cxn ang="0">
+                <a:pos x="connsiteX2" y="connsiteY2"/>
+              </a:cxn>
+              <a:cxn ang="0">
+                <a:pos x="connsiteX3" y="connsiteY3"/>
+              </a:cxn>
+              <a:cxn ang="0">
+                <a:pos x="connsiteX4" y="connsiteY4"/>
+              </a:cxn>
+              <a:cxn ang="0">
+                <a:pos x="connsiteX5" y="connsiteY5"/>
+              </a:cxn>
+              <a:cxn ang="0">
+                <a:pos x="connsiteX6" y="connsiteY6"/>
+              </a:cxn>
+              <a:cxn ang="0">
+                <a:pos x="connsiteX7" y="connsiteY7"/>
+              </a:cxn>
+              <a:cxn ang="0">
+                <a:pos x="connsiteX8" y="connsiteY8"/>
+              </a:cxn>
+              <a:cxn ang="0">
+                <a:pos x="connsiteX9" y="connsiteY9"/>
+              </a:cxn>
+              <a:cxn ang="0">
+                <a:pos x="connsiteX10" y="connsiteY10"/>
+              </a:cxn>
+              <a:cxn ang="0">
+                <a:pos x="connsiteX11" y="connsiteY11"/>
+              </a:cxn>
+              <a:cxn ang="0">
+                <a:pos x="connsiteX12" y="connsiteY12"/>
+              </a:cxn>
+            </a:cxnLst>
+            <a:rect l="l" t="t" r="r" b="b"/>
+            <a:pathLst>
+              <a:path w="1664895" h="719864">
+                <a:moveTo>
+                  <a:pt x="119980" y="0"/>
+                </a:moveTo>
+                <a:lnTo>
+                  <a:pt x="1286043" y="0"/>
+                </a:lnTo>
+                <a:cubicBezTo>
+                  <a:pt x="1335740" y="0"/>
+                  <a:pt x="1378380" y="30216"/>
+                  <a:pt x="1396594" y="73278"/>
+                </a:cubicBezTo>
+                <a:lnTo>
+                  <a:pt x="1402203" y="101059"/>
+                </a:lnTo>
+                <a:lnTo>
+                  <a:pt x="1664895" y="101059"/>
+                </a:lnTo>
+                <a:lnTo>
+                  <a:pt x="1664895" y="618804"/>
+                </a:lnTo>
+                <a:lnTo>
+                  <a:pt x="1402203" y="618804"/>
+                </a:lnTo>
+                <a:lnTo>
+                  <a:pt x="1396594" y="646586"/>
+                </a:lnTo>
+                <a:cubicBezTo>
+                  <a:pt x="1378380" y="689648"/>
+                  <a:pt x="1335740" y="719864"/>
+                  <a:pt x="1286043" y="719864"/>
+                </a:cubicBezTo>
+                <a:lnTo>
+                  <a:pt x="119980" y="719864"/>
+                </a:lnTo>
+                <a:cubicBezTo>
+                  <a:pt x="53717" y="719864"/>
+                  <a:pt x="0" y="666147"/>
+                  <a:pt x="0" y="599884"/>
+                </a:cubicBezTo>
+                <a:lnTo>
+                  <a:pt x="0" y="119980"/>
+                </a:lnTo>
+                <a:cubicBezTo>
+                  <a:pt x="0" y="53717"/>
+                  <a:pt x="53717" y="0"/>
+                  <a:pt x="119980" y="0"/>
+                </a:cubicBezTo>
+                <a:close/>
+              </a:path>
+            </a:pathLst>
+          </a:custGeom>
+          <a:solidFill>
+            <a:schemeClr val="bg1"/>
+          </a:solidFill>
+          <a:ln w="25400">
+            <a:solidFill>
+              <a:schemeClr val="tx1"/>
+            </a:solidFill>
+          </a:ln>
+        </p:spPr>
+        <p:style>
+          <a:lnRef idx="2">
+            <a:schemeClr val="accent1">
+              <a:shade val="50000"/>
+            </a:schemeClr>
+          </a:lnRef>
+          <a:fillRef idx="1">
+            <a:schemeClr val="accent1"/>
+          </a:fillRef>
+          <a:effectRef idx="0">
+            <a:schemeClr val="accent1"/>
+          </a:effectRef>
+          <a:fontRef idx="minor">
+            <a:schemeClr val="lt1"/>
+          </a:fontRef>
+        </p:style>
+        <p:txBody>
+          <a:bodyPr wrap="square" rtlCol="0" anchor="ctr">
+            <a:noAutofit/>
+          </a:bodyPr>
+          <a:lstStyle/>
+          <a:p>
+            <a:pPr algn="ctr"/>
+            <a:endParaRPr lang="en-US" sz="1350" dirty="0">
+              <a:effectLst>
+                <a:outerShdw blurRad="50800" dist="50800" dir="5400000" sx="59000" sy="59000" algn="ctr" rotWithShape="0">
+                  <a:srgbClr val="000000">
+                    <a:alpha val="43137"/>
+                  </a:srgbClr>
+                </a:outerShdw>
+              </a:effectLst>
+            </a:endParaRPr>
+          </a:p>
+          <a:p>
+            <a:pPr algn="ctr"/>
+            <a:endParaRPr lang="en-US" sz="1350" dirty="0"/>
+          </a:p>
+        </p:txBody>
+      </p:sp>
+      <p:sp>
+        <p:nvSpPr>
+          <p:cNvPr id="148" name="TextBox 147">
+            <a:extLst>
+              <a:ext uri="{FF2B5EF4-FFF2-40B4-BE49-F238E27FC236}">
+                <a16:creationId xmlns:a16="http://schemas.microsoft.com/office/drawing/2014/main" id="{57876BDE-2993-A839-429E-8888159A686B}"/>
+              </a:ext>
+            </a:extLst>
+          </p:cNvPr>
+          <p:cNvSpPr txBox="1"/>
+          <p:nvPr/>
+        </p:nvSpPr>
+        <p:spPr>
+          <a:xfrm>
+            <a:off x="12151845" y="8763901"/>
+            <a:ext cx="778510" cy="338554"/>
+          </a:xfrm>
+          <a:prstGeom prst="rect">
+            <a:avLst/>
+          </a:prstGeom>
+          <a:noFill/>
+        </p:spPr>
+        <p:txBody>
+          <a:bodyPr wrap="square">
+            <a:spAutoFit/>
+          </a:bodyPr>
+          <a:lstStyle/>
+          <a:p>
+            <a:pPr algn="ctr"/>
+            <a:r>
+              <a:rPr lang="en-US" sz="1600" dirty="0">
+                <a:latin typeface="Avenir LT Std 35 Light" panose="020B0402020203020204" pitchFamily="34" charset="0"/>
+              </a:rPr>
+              <a:t>k</a:t>
+            </a:r>
+          </a:p>
+        </p:txBody>
+      </p:sp>
+      <p:sp>
+        <p:nvSpPr>
+          <p:cNvPr id="151" name="Freeform: Shape 150">
+            <a:extLst>
+              <a:ext uri="{FF2B5EF4-FFF2-40B4-BE49-F238E27FC236}">
+                <a16:creationId xmlns:a16="http://schemas.microsoft.com/office/drawing/2014/main" id="{5E46AC1D-AE66-1B0D-0512-0C9A01EC44D8}"/>
+              </a:ext>
+            </a:extLst>
+          </p:cNvPr>
+          <p:cNvSpPr/>
+          <p:nvPr/>
+        </p:nvSpPr>
+        <p:spPr>
+          <a:xfrm>
+            <a:off x="8496397" y="8425225"/>
+            <a:ext cx="1403233" cy="719864"/>
+          </a:xfrm>
+          <a:custGeom>
+            <a:avLst/>
+            <a:gdLst>
+              <a:gd name="connsiteX0" fmla="*/ 117190 w 1403233"/>
+              <a:gd name="connsiteY0" fmla="*/ 0 h 719864"/>
+              <a:gd name="connsiteX1" fmla="*/ 1283253 w 1403233"/>
+              <a:gd name="connsiteY1" fmla="*/ 0 h 719864"/>
+              <a:gd name="connsiteX2" fmla="*/ 1403233 w 1403233"/>
+              <a:gd name="connsiteY2" fmla="*/ 119980 h 719864"/>
+              <a:gd name="connsiteX3" fmla="*/ 1403233 w 1403233"/>
+              <a:gd name="connsiteY3" fmla="*/ 599884 h 719864"/>
+              <a:gd name="connsiteX4" fmla="*/ 1283253 w 1403233"/>
+              <a:gd name="connsiteY4" fmla="*/ 719864 h 719864"/>
+              <a:gd name="connsiteX5" fmla="*/ 117190 w 1403233"/>
+              <a:gd name="connsiteY5" fmla="*/ 719864 h 719864"/>
+              <a:gd name="connsiteX6" fmla="*/ 6639 w 1403233"/>
+              <a:gd name="connsiteY6" fmla="*/ 646586 h 719864"/>
+              <a:gd name="connsiteX7" fmla="*/ 0 w 1403233"/>
+              <a:gd name="connsiteY7" fmla="*/ 613705 h 719864"/>
+              <a:gd name="connsiteX8" fmla="*/ 229221 w 1403233"/>
+              <a:gd name="connsiteY8" fmla="*/ 613705 h 719864"/>
+              <a:gd name="connsiteX9" fmla="*/ 229221 w 1403233"/>
+              <a:gd name="connsiteY9" fmla="*/ 95960 h 719864"/>
+              <a:gd name="connsiteX10" fmla="*/ 2059 w 1403233"/>
+              <a:gd name="connsiteY10" fmla="*/ 95960 h 719864"/>
+              <a:gd name="connsiteX11" fmla="*/ 6639 w 1403233"/>
+              <a:gd name="connsiteY11" fmla="*/ 73278 h 719864"/>
+              <a:gd name="connsiteX12" fmla="*/ 117190 w 1403233"/>
+              <a:gd name="connsiteY12" fmla="*/ 0 h 719864"/>
+            </a:gdLst>
+            <a:ahLst/>
+            <a:cxnLst>
+              <a:cxn ang="0">
+                <a:pos x="connsiteX0" y="connsiteY0"/>
+              </a:cxn>
+              <a:cxn ang="0">
+                <a:pos x="connsiteX1" y="connsiteY1"/>
+              </a:cxn>
+              <a:cxn ang="0">
+                <a:pos x="connsiteX2" y="connsiteY2"/>
+              </a:cxn>
+              <a:cxn ang="0">
+                <a:pos x="connsiteX3" y="connsiteY3"/>
+              </a:cxn>
+              <a:cxn ang="0">
+                <a:pos x="connsiteX4" y="connsiteY4"/>
+              </a:cxn>
+              <a:cxn ang="0">
+                <a:pos x="connsiteX5" y="connsiteY5"/>
+              </a:cxn>
+              <a:cxn ang="0">
+                <a:pos x="connsiteX6" y="connsiteY6"/>
+              </a:cxn>
+              <a:cxn ang="0">
+                <a:pos x="connsiteX7" y="connsiteY7"/>
+              </a:cxn>
+              <a:cxn ang="0">
+                <a:pos x="connsiteX8" y="connsiteY8"/>
+              </a:cxn>
+              <a:cxn ang="0">
+                <a:pos x="connsiteX9" y="connsiteY9"/>
+              </a:cxn>
+              <a:cxn ang="0">
+                <a:pos x="connsiteX10" y="connsiteY10"/>
+              </a:cxn>
+              <a:cxn ang="0">
+                <a:pos x="connsiteX11" y="connsiteY11"/>
+              </a:cxn>
+              <a:cxn ang="0">
+                <a:pos x="connsiteX12" y="connsiteY12"/>
+              </a:cxn>
+            </a:cxnLst>
+            <a:rect l="l" t="t" r="r" b="b"/>
+            <a:pathLst>
+              <a:path w="1403233" h="719864">
+                <a:moveTo>
+                  <a:pt x="117190" y="0"/>
+                </a:moveTo>
+                <a:lnTo>
+                  <a:pt x="1283253" y="0"/>
+                </a:lnTo>
+                <a:cubicBezTo>
+                  <a:pt x="1349516" y="0"/>
+                  <a:pt x="1403233" y="53717"/>
+                  <a:pt x="1403233" y="119980"/>
+                </a:cubicBezTo>
+                <a:lnTo>
+                  <a:pt x="1403233" y="599884"/>
+                </a:lnTo>
+                <a:cubicBezTo>
+                  <a:pt x="1403233" y="666147"/>
+                  <a:pt x="1349516" y="719864"/>
+                  <a:pt x="1283253" y="719864"/>
+                </a:cubicBezTo>
+                <a:lnTo>
+                  <a:pt x="117190" y="719864"/>
+                </a:lnTo>
+                <a:cubicBezTo>
+                  <a:pt x="67493" y="719864"/>
+                  <a:pt x="24853" y="689648"/>
+                  <a:pt x="6639" y="646586"/>
+                </a:cubicBezTo>
+                <a:lnTo>
+                  <a:pt x="0" y="613705"/>
+                </a:lnTo>
+                <a:lnTo>
+                  <a:pt x="229221" y="613705"/>
+                </a:lnTo>
+                <a:lnTo>
+                  <a:pt x="229221" y="95960"/>
+                </a:lnTo>
+                <a:lnTo>
+                  <a:pt x="2059" y="95960"/>
+                </a:lnTo>
+                <a:lnTo>
+                  <a:pt x="6639" y="73278"/>
+                </a:lnTo>
+                <a:cubicBezTo>
+                  <a:pt x="24853" y="30216"/>
+                  <a:pt x="67493" y="0"/>
+                  <a:pt x="117190" y="0"/>
+                </a:cubicBezTo>
+                <a:close/>
+              </a:path>
+            </a:pathLst>
+          </a:custGeom>
+          <a:solidFill>
+            <a:schemeClr val="bg1"/>
+          </a:solidFill>
+          <a:ln w="25400">
+            <a:solidFill>
+              <a:schemeClr val="tx1"/>
+            </a:solidFill>
+          </a:ln>
+        </p:spPr>
+        <p:style>
+          <a:lnRef idx="2">
+            <a:schemeClr val="accent1">
+              <a:shade val="50000"/>
+            </a:schemeClr>
+          </a:lnRef>
+          <a:fillRef idx="1">
+            <a:schemeClr val="accent1"/>
+          </a:fillRef>
+          <a:effectRef idx="0">
+            <a:schemeClr val="accent1"/>
+          </a:effectRef>
+          <a:fontRef idx="minor">
+            <a:schemeClr val="lt1"/>
+          </a:fontRef>
+        </p:style>
+        <p:txBody>
+          <a:bodyPr wrap="square" rtlCol="0" anchor="ctr">
+            <a:noAutofit/>
+          </a:bodyPr>
+          <a:lstStyle/>
+          <a:p>
+            <a:pPr algn="ctr"/>
+            <a:endParaRPr lang="en-US" sz="1350" dirty="0">
+              <a:effectLst>
+                <a:outerShdw blurRad="50800" dist="50800" dir="5400000" sx="59000" sy="59000" algn="ctr" rotWithShape="0">
+                  <a:srgbClr val="000000">
+                    <a:alpha val="43137"/>
+                  </a:srgbClr>
+                </a:outerShdw>
+              </a:effectLst>
+            </a:endParaRPr>
+          </a:p>
+          <a:p>
+            <a:pPr algn="ctr"/>
+            <a:r>
+              <a:rPr lang="en-US" sz="2400" dirty="0">
+                <a:solidFill>
+                  <a:schemeClr val="tx1"/>
+                </a:solidFill>
+                <a:latin typeface="Arial Rounded MT Bold" panose="020F0704030504030204" pitchFamily="34" charset="0"/>
+              </a:rPr>
+              <a:t> </a:t>
+            </a:r>
+          </a:p>
+          <a:p>
+            <a:pPr algn="ctr"/>
+            <a:endParaRPr lang="en-US" sz="1350" dirty="0"/>
+          </a:p>
+        </p:txBody>
+      </p:sp>
+      <p:sp>
+        <p:nvSpPr>
+          <p:cNvPr id="152" name="Rectangle: Rounded Corners 11">
+            <a:extLst>
+              <a:ext uri="{FF2B5EF4-FFF2-40B4-BE49-F238E27FC236}">
+                <a16:creationId xmlns:a16="http://schemas.microsoft.com/office/drawing/2014/main" id="{D9B4DD23-4DD5-2D3F-4293-AB5C71784558}"/>
+              </a:ext>
+            </a:extLst>
+          </p:cNvPr>
+          <p:cNvSpPr/>
+          <p:nvPr/>
+        </p:nvSpPr>
+        <p:spPr>
+          <a:xfrm>
+            <a:off x="9956641" y="9273097"/>
+            <a:ext cx="1406023" cy="719864"/>
+          </a:xfrm>
+          <a:prstGeom prst="roundRect">
+            <a:avLst/>
+          </a:prstGeom>
+          <a:solidFill>
+            <a:schemeClr val="bg1"/>
+          </a:solidFill>
+          <a:ln w="25400">
+            <a:solidFill>
+              <a:schemeClr val="tx1"/>
+            </a:solidFill>
+          </a:ln>
+        </p:spPr>
+        <p:style>
+          <a:lnRef idx="2">
+            <a:schemeClr val="accent1">
+              <a:shade val="50000"/>
+            </a:schemeClr>
+          </a:lnRef>
+          <a:fillRef idx="1">
+            <a:schemeClr val="accent1"/>
+          </a:fillRef>
+          <a:effectRef idx="0">
+            <a:schemeClr val="accent1"/>
+          </a:effectRef>
+          <a:fontRef idx="minor">
+            <a:schemeClr val="lt1"/>
+          </a:fontRef>
+        </p:style>
+        <p:txBody>
+          <a:bodyPr rtlCol="0" anchor="ctr"/>
+          <a:lstStyle/>
+          <a:p>
+            <a:pPr algn="ctr"/>
+            <a:endParaRPr lang="en-US" sz="1350" dirty="0">
+              <a:effectLst>
+                <a:outerShdw blurRad="50800" dist="50800" dir="5400000" sx="59000" sy="59000" algn="ctr" rotWithShape="0">
+                  <a:srgbClr val="000000">
+                    <a:alpha val="43137"/>
+                  </a:srgbClr>
+                </a:outerShdw>
+              </a:effectLst>
+            </a:endParaRPr>
+          </a:p>
+          <a:p>
+            <a:pPr algn="ctr"/>
+            <a:r>
+              <a:rPr lang="en-US" sz="2400" dirty="0">
+                <a:solidFill>
+                  <a:schemeClr val="tx1"/>
+                </a:solidFill>
+                <a:latin typeface="Avenir LT Std 35 Light" panose="020B0402020203020204" pitchFamily="34" charset="0"/>
+              </a:rPr>
+              <a:t>ed</a:t>
+            </a:r>
+            <a:r>
+              <a:rPr lang="en-US" sz="2400" dirty="0">
+                <a:solidFill>
+                  <a:schemeClr val="tx1"/>
+                </a:solidFill>
+                <a:latin typeface="Arial Rounded MT Bold" panose="020F0704030504030204" pitchFamily="34" charset="0"/>
+              </a:rPr>
+              <a:t> </a:t>
+            </a:r>
+          </a:p>
+          <a:p>
+            <a:pPr algn="ctr"/>
+            <a:endParaRPr lang="en-US" sz="1350" dirty="0"/>
+          </a:p>
+        </p:txBody>
+      </p:sp>
+      <p:sp>
+        <p:nvSpPr>
+          <p:cNvPr id="153" name="TextBox 152">
+            <a:extLst>
+              <a:ext uri="{FF2B5EF4-FFF2-40B4-BE49-F238E27FC236}">
+                <a16:creationId xmlns:a16="http://schemas.microsoft.com/office/drawing/2014/main" id="{60A7AF28-DFEC-9CD5-AB95-9DEE9D2B8E48}"/>
+              </a:ext>
+            </a:extLst>
+          </p:cNvPr>
+          <p:cNvSpPr txBox="1"/>
+          <p:nvPr/>
+        </p:nvSpPr>
+        <p:spPr>
+          <a:xfrm>
+            <a:off x="10511600" y="9578035"/>
+            <a:ext cx="778510" cy="338554"/>
+          </a:xfrm>
+          <a:prstGeom prst="rect">
+            <a:avLst/>
+          </a:prstGeom>
+          <a:noFill/>
+        </p:spPr>
+        <p:txBody>
+          <a:bodyPr wrap="square">
+            <a:spAutoFit/>
+          </a:bodyPr>
+          <a:lstStyle/>
+          <a:p>
+            <a:pPr algn="ctr"/>
+            <a:r>
+              <a:rPr lang="en-US" sz="1600" dirty="0">
+                <a:latin typeface="Avenir LT Std 35 Light" panose="020B0402020203020204" pitchFamily="34" charset="0"/>
+              </a:rPr>
+              <a:t>v</a:t>
+            </a:r>
+          </a:p>
+        </p:txBody>
+      </p:sp>
+      <p:sp>
+        <p:nvSpPr>
+          <p:cNvPr id="155" name="TextBox 154">
+            <a:extLst>
+              <a:ext uri="{FF2B5EF4-FFF2-40B4-BE49-F238E27FC236}">
+                <a16:creationId xmlns:a16="http://schemas.microsoft.com/office/drawing/2014/main" id="{42E8FFCB-6AD1-60D2-756F-72B423D30B47}"/>
+              </a:ext>
+            </a:extLst>
+          </p:cNvPr>
+          <p:cNvSpPr txBox="1"/>
+          <p:nvPr/>
+        </p:nvSpPr>
+        <p:spPr>
+          <a:xfrm>
+            <a:off x="11665753" y="8533068"/>
+            <a:ext cx="932856" cy="461665"/>
+          </a:xfrm>
+          <a:prstGeom prst="rect">
+            <a:avLst/>
+          </a:prstGeom>
+          <a:noFill/>
+        </p:spPr>
+        <p:txBody>
+          <a:bodyPr wrap="square">
+            <a:spAutoFit/>
+          </a:bodyPr>
+          <a:lstStyle/>
+          <a:p>
+            <a:pPr algn="ctr"/>
+            <a:r>
+              <a:rPr lang="en-US" sz="2400" dirty="0">
+                <a:solidFill>
+                  <a:schemeClr val="tx1"/>
+                </a:solidFill>
+                <a:latin typeface="Avenir LT Std 35 Light" panose="020B0402020203020204" pitchFamily="34" charset="0"/>
+              </a:rPr>
+              <a:t>jump</a:t>
+            </a:r>
+            <a:r>
+              <a:rPr lang="en-US" sz="1800" dirty="0">
+                <a:solidFill>
+                  <a:schemeClr val="tx1"/>
+                </a:solidFill>
+                <a:latin typeface="Arial Rounded MT Bold" panose="020F0704030504030204" pitchFamily="34" charset="0"/>
+              </a:rPr>
+              <a:t> </a:t>
+            </a:r>
+          </a:p>
+        </p:txBody>
+      </p:sp>
+      <p:sp>
+        <p:nvSpPr>
+          <p:cNvPr id="157" name="TextBox 156">
+            <a:extLst>
+              <a:ext uri="{FF2B5EF4-FFF2-40B4-BE49-F238E27FC236}">
+                <a16:creationId xmlns:a16="http://schemas.microsoft.com/office/drawing/2014/main" id="{35B31489-5927-59C2-84D3-2DB9143CE4BE}"/>
+              </a:ext>
+            </a:extLst>
+          </p:cNvPr>
+          <p:cNvSpPr txBox="1"/>
+          <p:nvPr/>
+        </p:nvSpPr>
+        <p:spPr>
+          <a:xfrm>
+            <a:off x="9286993" y="8761812"/>
+            <a:ext cx="778510" cy="338554"/>
+          </a:xfrm>
+          <a:prstGeom prst="rect">
+            <a:avLst/>
+          </a:prstGeom>
+          <a:noFill/>
+        </p:spPr>
+        <p:txBody>
+          <a:bodyPr wrap="square">
+            <a:spAutoFit/>
+          </a:bodyPr>
+          <a:lstStyle/>
+          <a:p>
+            <a:pPr algn="ctr"/>
+            <a:r>
+              <a:rPr lang="en-US" sz="1600" dirty="0">
+                <a:latin typeface="Avenir LT Std 35 Light" panose="020B0402020203020204" pitchFamily="34" charset="0"/>
+              </a:rPr>
+              <a:t>q</a:t>
+            </a:r>
+          </a:p>
+        </p:txBody>
+      </p:sp>
+      <p:sp>
+        <p:nvSpPr>
+          <p:cNvPr id="158" name="TextBox 157">
+            <a:extLst>
+              <a:ext uri="{FF2B5EF4-FFF2-40B4-BE49-F238E27FC236}">
+                <a16:creationId xmlns:a16="http://schemas.microsoft.com/office/drawing/2014/main" id="{E60FA3EA-407C-98B0-A348-9BBACE33846B}"/>
+              </a:ext>
+            </a:extLst>
+          </p:cNvPr>
+          <p:cNvSpPr txBox="1"/>
+          <p:nvPr/>
+        </p:nvSpPr>
+        <p:spPr>
+          <a:xfrm>
+            <a:off x="8800203" y="8548421"/>
+            <a:ext cx="932856" cy="461665"/>
+          </a:xfrm>
+          <a:prstGeom prst="rect">
+            <a:avLst/>
+          </a:prstGeom>
+          <a:noFill/>
+        </p:spPr>
+        <p:txBody>
+          <a:bodyPr wrap="square">
+            <a:spAutoFit/>
+          </a:bodyPr>
+          <a:lstStyle/>
+          <a:p>
+            <a:pPr algn="ctr"/>
+            <a:r>
+              <a:rPr lang="en-US" sz="2400" dirty="0">
+                <a:solidFill>
+                  <a:schemeClr val="tx1"/>
+                </a:solidFill>
+                <a:latin typeface="Avenir LT Std 35 Light" panose="020B0402020203020204" pitchFamily="34" charset="0"/>
+              </a:rPr>
+              <a:t>jump</a:t>
+            </a:r>
+            <a:r>
+              <a:rPr lang="en-US" sz="1800" dirty="0">
+                <a:solidFill>
+                  <a:schemeClr val="tx1"/>
+                </a:solidFill>
+                <a:latin typeface="Arial Rounded MT Bold" panose="020F0704030504030204" pitchFamily="34" charset="0"/>
+              </a:rPr>
+              <a:t> </a:t>
+            </a:r>
+          </a:p>
+        </p:txBody>
+      </p:sp>
+      <p:sp>
+        <p:nvSpPr>
+          <p:cNvPr id="164" name="Freeform: Shape 163">
+            <a:extLst>
+              <a:ext uri="{FF2B5EF4-FFF2-40B4-BE49-F238E27FC236}">
+                <a16:creationId xmlns:a16="http://schemas.microsoft.com/office/drawing/2014/main" id="{DCC3B14D-106D-814E-A57E-5FD349945F9D}"/>
+              </a:ext>
+            </a:extLst>
+          </p:cNvPr>
+          <p:cNvSpPr/>
+          <p:nvPr/>
+        </p:nvSpPr>
+        <p:spPr>
+          <a:xfrm>
+            <a:off x="11427269" y="9273097"/>
+            <a:ext cx="1652006" cy="719864"/>
+          </a:xfrm>
+          <a:custGeom>
+            <a:avLst/>
+            <a:gdLst>
+              <a:gd name="connsiteX0" fmla="*/ 119980 w 1652006"/>
+              <a:gd name="connsiteY0" fmla="*/ 0 h 719864"/>
+              <a:gd name="connsiteX1" fmla="*/ 1286043 w 1652006"/>
+              <a:gd name="connsiteY1" fmla="*/ 0 h 719864"/>
+              <a:gd name="connsiteX2" fmla="*/ 1406023 w 1652006"/>
+              <a:gd name="connsiteY2" fmla="*/ 119980 h 719864"/>
+              <a:gd name="connsiteX3" fmla="*/ 1406023 w 1652006"/>
+              <a:gd name="connsiteY3" fmla="*/ 235838 h 719864"/>
+              <a:gd name="connsiteX4" fmla="*/ 1652006 w 1652006"/>
+              <a:gd name="connsiteY4" fmla="*/ 235838 h 719864"/>
+              <a:gd name="connsiteX5" fmla="*/ 1652006 w 1652006"/>
+              <a:gd name="connsiteY5" fmla="*/ 484026 h 719864"/>
+              <a:gd name="connsiteX6" fmla="*/ 1406023 w 1652006"/>
+              <a:gd name="connsiteY6" fmla="*/ 484026 h 719864"/>
+              <a:gd name="connsiteX7" fmla="*/ 1406023 w 1652006"/>
+              <a:gd name="connsiteY7" fmla="*/ 599884 h 719864"/>
+              <a:gd name="connsiteX8" fmla="*/ 1286043 w 1652006"/>
+              <a:gd name="connsiteY8" fmla="*/ 719864 h 719864"/>
+              <a:gd name="connsiteX9" fmla="*/ 119980 w 1652006"/>
+              <a:gd name="connsiteY9" fmla="*/ 719864 h 719864"/>
+              <a:gd name="connsiteX10" fmla="*/ 0 w 1652006"/>
+              <a:gd name="connsiteY10" fmla="*/ 599884 h 719864"/>
+              <a:gd name="connsiteX11" fmla="*/ 0 w 1652006"/>
+              <a:gd name="connsiteY11" fmla="*/ 119980 h 719864"/>
+              <a:gd name="connsiteX12" fmla="*/ 119980 w 1652006"/>
+              <a:gd name="connsiteY12" fmla="*/ 0 h 719864"/>
+            </a:gdLst>
+            <a:ahLst/>
+            <a:cxnLst>
+              <a:cxn ang="0">
+                <a:pos x="connsiteX0" y="connsiteY0"/>
+              </a:cxn>
+              <a:cxn ang="0">
+                <a:pos x="connsiteX1" y="connsiteY1"/>
+              </a:cxn>
+              <a:cxn ang="0">
+                <a:pos x="connsiteX2" y="connsiteY2"/>
+              </a:cxn>
+              <a:cxn ang="0">
+                <a:pos x="connsiteX3" y="connsiteY3"/>
+              </a:cxn>
+              <a:cxn ang="0">
+                <a:pos x="connsiteX4" y="connsiteY4"/>
+              </a:cxn>
+              <a:cxn ang="0">
+                <a:pos x="connsiteX5" y="connsiteY5"/>
+              </a:cxn>
+              <a:cxn ang="0">
+                <a:pos x="connsiteX6" y="connsiteY6"/>
+              </a:cxn>
+              <a:cxn ang="0">
+                <a:pos x="connsiteX7" y="connsiteY7"/>
+              </a:cxn>
+              <a:cxn ang="0">
+                <a:pos x="connsiteX8" y="connsiteY8"/>
+              </a:cxn>
+              <a:cxn ang="0">
+                <a:pos x="connsiteX9" y="connsiteY9"/>
+              </a:cxn>
+              <a:cxn ang="0">
+                <a:pos x="connsiteX10" y="connsiteY10"/>
+              </a:cxn>
+              <a:cxn ang="0">
+                <a:pos x="connsiteX11" y="connsiteY11"/>
+              </a:cxn>
+              <a:cxn ang="0">
+                <a:pos x="connsiteX12" y="connsiteY12"/>
+              </a:cxn>
+            </a:cxnLst>
+            <a:rect l="l" t="t" r="r" b="b"/>
+            <a:pathLst>
+              <a:path w="1652006" h="719864">
+                <a:moveTo>
+                  <a:pt x="119980" y="0"/>
+                </a:moveTo>
+                <a:lnTo>
+                  <a:pt x="1286043" y="0"/>
+                </a:lnTo>
+                <a:cubicBezTo>
+                  <a:pt x="1352306" y="0"/>
+                  <a:pt x="1406023" y="53717"/>
+                  <a:pt x="1406023" y="119980"/>
+                </a:cubicBezTo>
+                <a:lnTo>
+                  <a:pt x="1406023" y="235838"/>
+                </a:lnTo>
+                <a:lnTo>
+                  <a:pt x="1652006" y="235838"/>
+                </a:lnTo>
+                <a:lnTo>
+                  <a:pt x="1652006" y="484026"/>
+                </a:lnTo>
+                <a:lnTo>
+                  <a:pt x="1406023" y="484026"/>
+                </a:lnTo>
+                <a:lnTo>
+                  <a:pt x="1406023" y="599884"/>
+                </a:lnTo>
+                <a:cubicBezTo>
+                  <a:pt x="1406023" y="666147"/>
+                  <a:pt x="1352306" y="719864"/>
+                  <a:pt x="1286043" y="719864"/>
+                </a:cubicBezTo>
+                <a:lnTo>
+                  <a:pt x="119980" y="719864"/>
+                </a:lnTo>
+                <a:cubicBezTo>
+                  <a:pt x="53717" y="719864"/>
+                  <a:pt x="0" y="666147"/>
+                  <a:pt x="0" y="599884"/>
+                </a:cubicBezTo>
+                <a:lnTo>
+                  <a:pt x="0" y="119980"/>
+                </a:lnTo>
+                <a:cubicBezTo>
+                  <a:pt x="0" y="53717"/>
+                  <a:pt x="53717" y="0"/>
+                  <a:pt x="119980" y="0"/>
+                </a:cubicBezTo>
+                <a:close/>
+              </a:path>
+            </a:pathLst>
+          </a:custGeom>
+          <a:solidFill>
+            <a:schemeClr val="bg1"/>
+          </a:solidFill>
+          <a:ln w="25400">
+            <a:solidFill>
+              <a:schemeClr val="tx1"/>
+            </a:solidFill>
+          </a:ln>
+        </p:spPr>
+        <p:style>
+          <a:lnRef idx="2">
+            <a:schemeClr val="accent1">
+              <a:shade val="50000"/>
+            </a:schemeClr>
+          </a:lnRef>
+          <a:fillRef idx="1">
+            <a:schemeClr val="accent1"/>
+          </a:fillRef>
+          <a:effectRef idx="0">
+            <a:schemeClr val="accent1"/>
+          </a:effectRef>
+          <a:fontRef idx="minor">
+            <a:schemeClr val="lt1"/>
+          </a:fontRef>
+        </p:style>
+        <p:txBody>
+          <a:bodyPr wrap="square" rtlCol="0" anchor="ctr">
+            <a:noAutofit/>
+          </a:bodyPr>
+          <a:lstStyle/>
+          <a:p>
+            <a:pPr algn="ctr"/>
+            <a:endParaRPr lang="en-US" sz="1350" dirty="0">
+              <a:effectLst>
+                <a:outerShdw blurRad="50800" dist="50800" dir="5400000" sx="59000" sy="59000" algn="ctr" rotWithShape="0">
+                  <a:srgbClr val="000000">
+                    <a:alpha val="43137"/>
+                  </a:srgbClr>
+                </a:outerShdw>
+              </a:effectLst>
+            </a:endParaRPr>
+          </a:p>
+          <a:p>
+            <a:pPr algn="ctr"/>
+            <a:r>
+              <a:rPr lang="en-US" sz="2400" dirty="0">
+                <a:solidFill>
+                  <a:schemeClr val="tx1"/>
+                </a:solidFill>
+                <a:latin typeface="Arial Rounded MT Bold" panose="020F0704030504030204" pitchFamily="34" charset="0"/>
+              </a:rPr>
+              <a:t> </a:t>
+            </a:r>
+          </a:p>
+          <a:p>
+            <a:pPr algn="ctr"/>
+            <a:endParaRPr lang="en-US" sz="1350" dirty="0"/>
+          </a:p>
+        </p:txBody>
+      </p:sp>
+      <p:sp>
+        <p:nvSpPr>
+          <p:cNvPr id="167" name="Freeform: Shape 166">
+            <a:extLst>
+              <a:ext uri="{FF2B5EF4-FFF2-40B4-BE49-F238E27FC236}">
+                <a16:creationId xmlns:a16="http://schemas.microsoft.com/office/drawing/2014/main" id="{756D757D-384E-CC6B-6F90-FE7A67FA91C7}"/>
+              </a:ext>
+            </a:extLst>
+          </p:cNvPr>
+          <p:cNvSpPr/>
+          <p:nvPr/>
+        </p:nvSpPr>
+        <p:spPr>
+          <a:xfrm>
+            <a:off x="8486013" y="9277078"/>
+            <a:ext cx="1406023" cy="719864"/>
+          </a:xfrm>
+          <a:custGeom>
+            <a:avLst/>
+            <a:gdLst>
+              <a:gd name="connsiteX0" fmla="*/ 119980 w 1406023"/>
+              <a:gd name="connsiteY0" fmla="*/ 0 h 719864"/>
+              <a:gd name="connsiteX1" fmla="*/ 1286043 w 1406023"/>
+              <a:gd name="connsiteY1" fmla="*/ 0 h 719864"/>
+              <a:gd name="connsiteX2" fmla="*/ 1406023 w 1406023"/>
+              <a:gd name="connsiteY2" fmla="*/ 119980 h 719864"/>
+              <a:gd name="connsiteX3" fmla="*/ 1406023 w 1406023"/>
+              <a:gd name="connsiteY3" fmla="*/ 599884 h 719864"/>
+              <a:gd name="connsiteX4" fmla="*/ 1286043 w 1406023"/>
+              <a:gd name="connsiteY4" fmla="*/ 719864 h 719864"/>
+              <a:gd name="connsiteX5" fmla="*/ 119980 w 1406023"/>
+              <a:gd name="connsiteY5" fmla="*/ 719864 h 719864"/>
+              <a:gd name="connsiteX6" fmla="*/ 9429 w 1406023"/>
+              <a:gd name="connsiteY6" fmla="*/ 646586 h 719864"/>
+              <a:gd name="connsiteX7" fmla="*/ 69 w 1406023"/>
+              <a:gd name="connsiteY7" fmla="*/ 600226 h 719864"/>
+              <a:gd name="connsiteX8" fmla="*/ 69 w 1406023"/>
+              <a:gd name="connsiteY8" fmla="*/ 488941 h 719864"/>
+              <a:gd name="connsiteX9" fmla="*/ 246052 w 1406023"/>
+              <a:gd name="connsiteY9" fmla="*/ 488941 h 719864"/>
+              <a:gd name="connsiteX10" fmla="*/ 246052 w 1406023"/>
+              <a:gd name="connsiteY10" fmla="*/ 240753 h 719864"/>
+              <a:gd name="connsiteX11" fmla="*/ 69 w 1406023"/>
+              <a:gd name="connsiteY11" fmla="*/ 240753 h 719864"/>
+              <a:gd name="connsiteX12" fmla="*/ 69 w 1406023"/>
+              <a:gd name="connsiteY12" fmla="*/ 124895 h 719864"/>
+              <a:gd name="connsiteX13" fmla="*/ 0 w 1406023"/>
+              <a:gd name="connsiteY13" fmla="*/ 124553 h 719864"/>
+              <a:gd name="connsiteX14" fmla="*/ 0 w 1406023"/>
+              <a:gd name="connsiteY14" fmla="*/ 119980 h 719864"/>
+              <a:gd name="connsiteX15" fmla="*/ 119980 w 1406023"/>
+              <a:gd name="connsiteY15" fmla="*/ 0 h 719864"/>
+            </a:gdLst>
+            <a:ahLst/>
+            <a:cxnLst>
+              <a:cxn ang="0">
+                <a:pos x="connsiteX0" y="connsiteY0"/>
+              </a:cxn>
+              <a:cxn ang="0">
+                <a:pos x="connsiteX1" y="connsiteY1"/>
+              </a:cxn>
+              <a:cxn ang="0">
+                <a:pos x="connsiteX2" y="connsiteY2"/>
+              </a:cxn>
+              <a:cxn ang="0">
+                <a:pos x="connsiteX3" y="connsiteY3"/>
+              </a:cxn>
+              <a:cxn ang="0">
+                <a:pos x="connsiteX4" y="connsiteY4"/>
+              </a:cxn>
+              <a:cxn ang="0">
+                <a:pos x="connsiteX5" y="connsiteY5"/>
+              </a:cxn>
+              <a:cxn ang="0">
+                <a:pos x="connsiteX6" y="connsiteY6"/>
+              </a:cxn>
+              <a:cxn ang="0">
+                <a:pos x="connsiteX7" y="connsiteY7"/>
+              </a:cxn>
+              <a:cxn ang="0">
+                <a:pos x="connsiteX8" y="connsiteY8"/>
+              </a:cxn>
+              <a:cxn ang="0">
+                <a:pos x="connsiteX9" y="connsiteY9"/>
+              </a:cxn>
+              <a:cxn ang="0">
+                <a:pos x="connsiteX10" y="connsiteY10"/>
+              </a:cxn>
+              <a:cxn ang="0">
+                <a:pos x="connsiteX11" y="connsiteY11"/>
+              </a:cxn>
+              <a:cxn ang="0">
+                <a:pos x="connsiteX12" y="connsiteY12"/>
+              </a:cxn>
+              <a:cxn ang="0">
+                <a:pos x="connsiteX13" y="connsiteY13"/>
+              </a:cxn>
+              <a:cxn ang="0">
+                <a:pos x="connsiteX14" y="connsiteY14"/>
+              </a:cxn>
+              <a:cxn ang="0">
+                <a:pos x="connsiteX15" y="connsiteY15"/>
+              </a:cxn>
+            </a:cxnLst>
+            <a:rect l="l" t="t" r="r" b="b"/>
+            <a:pathLst>
+              <a:path w="1406023" h="719864">
+                <a:moveTo>
+                  <a:pt x="119980" y="0"/>
+                </a:moveTo>
+                <a:lnTo>
+                  <a:pt x="1286043" y="0"/>
+                </a:lnTo>
+                <a:cubicBezTo>
+                  <a:pt x="1352306" y="0"/>
+                  <a:pt x="1406023" y="53717"/>
+                  <a:pt x="1406023" y="119980"/>
+                </a:cubicBezTo>
+                <a:lnTo>
+                  <a:pt x="1406023" y="599884"/>
+                </a:lnTo>
+                <a:cubicBezTo>
+                  <a:pt x="1406023" y="666147"/>
+                  <a:pt x="1352306" y="719864"/>
+                  <a:pt x="1286043" y="719864"/>
+                </a:cubicBezTo>
+                <a:lnTo>
+                  <a:pt x="119980" y="719864"/>
+                </a:lnTo>
+                <a:cubicBezTo>
+                  <a:pt x="70283" y="719864"/>
+                  <a:pt x="27643" y="689648"/>
+                  <a:pt x="9429" y="646586"/>
+                </a:cubicBezTo>
+                <a:lnTo>
+                  <a:pt x="69" y="600226"/>
+                </a:lnTo>
+                <a:lnTo>
+                  <a:pt x="69" y="488941"/>
+                </a:lnTo>
+                <a:lnTo>
+                  <a:pt x="246052" y="488941"/>
+                </a:lnTo>
+                <a:lnTo>
+                  <a:pt x="246052" y="240753"/>
+                </a:lnTo>
+                <a:lnTo>
+                  <a:pt x="69" y="240753"/>
+                </a:lnTo>
+                <a:lnTo>
+                  <a:pt x="69" y="124895"/>
+                </a:lnTo>
+                <a:lnTo>
+                  <a:pt x="0" y="124553"/>
+                </a:lnTo>
+                <a:lnTo>
+                  <a:pt x="0" y="119980"/>
+                </a:lnTo>
+                <a:cubicBezTo>
+                  <a:pt x="0" y="53717"/>
+                  <a:pt x="53717" y="0"/>
+                  <a:pt x="119980" y="0"/>
+                </a:cubicBezTo>
+                <a:close/>
+              </a:path>
+            </a:pathLst>
+          </a:custGeom>
+          <a:solidFill>
+            <a:schemeClr val="bg1"/>
+          </a:solidFill>
+          <a:ln w="25400">
+            <a:solidFill>
+              <a:schemeClr val="tx1"/>
+            </a:solidFill>
+          </a:ln>
+        </p:spPr>
+        <p:style>
+          <a:lnRef idx="2">
+            <a:schemeClr val="accent1">
+              <a:shade val="50000"/>
+            </a:schemeClr>
+          </a:lnRef>
+          <a:fillRef idx="1">
+            <a:schemeClr val="accent1"/>
+          </a:fillRef>
+          <a:effectRef idx="0">
+            <a:schemeClr val="accent1"/>
+          </a:effectRef>
+          <a:fontRef idx="minor">
+            <a:schemeClr val="lt1"/>
+          </a:fontRef>
+        </p:style>
+        <p:txBody>
+          <a:bodyPr wrap="square" rtlCol="0" anchor="ctr">
+            <a:noAutofit/>
+          </a:bodyPr>
+          <a:lstStyle/>
+          <a:p>
+            <a:pPr algn="ctr"/>
+            <a:endParaRPr lang="en-US" sz="1350" dirty="0">
+              <a:effectLst>
+                <a:outerShdw blurRad="50800" dist="50800" dir="5400000" sx="59000" sy="59000" algn="ctr" rotWithShape="0">
+                  <a:srgbClr val="000000">
+                    <a:alpha val="43137"/>
+                  </a:srgbClr>
+                </a:outerShdw>
+              </a:effectLst>
+            </a:endParaRPr>
+          </a:p>
+          <a:p>
+            <a:pPr algn="ctr"/>
+            <a:r>
+              <a:rPr lang="en-US" sz="2400" dirty="0">
+                <a:solidFill>
+                  <a:schemeClr val="tx1"/>
+                </a:solidFill>
+                <a:latin typeface="Avenir LT Std 35 Light" panose="020B0402020203020204" pitchFamily="34" charset="0"/>
+              </a:rPr>
+              <a:t>ed</a:t>
+            </a:r>
+            <a:r>
+              <a:rPr lang="en-US" sz="2400" dirty="0">
+                <a:solidFill>
+                  <a:schemeClr val="tx1"/>
+                </a:solidFill>
+                <a:latin typeface="Arial Rounded MT Bold" panose="020F0704030504030204" pitchFamily="34" charset="0"/>
+              </a:rPr>
+              <a:t> </a:t>
+            </a:r>
+          </a:p>
+          <a:p>
+            <a:pPr algn="ctr"/>
+            <a:endParaRPr lang="en-US" sz="1350" dirty="0"/>
+          </a:p>
+        </p:txBody>
+      </p:sp>
+      <p:sp>
+        <p:nvSpPr>
+          <p:cNvPr id="168" name="TextBox 167">
+            <a:extLst>
+              <a:ext uri="{FF2B5EF4-FFF2-40B4-BE49-F238E27FC236}">
+                <a16:creationId xmlns:a16="http://schemas.microsoft.com/office/drawing/2014/main" id="{B4370A41-8B6A-8ABF-1C34-54E1D033880A}"/>
+              </a:ext>
+            </a:extLst>
+          </p:cNvPr>
+          <p:cNvSpPr txBox="1"/>
+          <p:nvPr/>
+        </p:nvSpPr>
+        <p:spPr>
+          <a:xfrm>
+            <a:off x="9066356" y="9561530"/>
+            <a:ext cx="778510" cy="338554"/>
+          </a:xfrm>
+          <a:prstGeom prst="rect">
+            <a:avLst/>
+          </a:prstGeom>
+          <a:noFill/>
+        </p:spPr>
+        <p:txBody>
+          <a:bodyPr wrap="square">
+            <a:spAutoFit/>
+          </a:bodyPr>
+          <a:lstStyle/>
+          <a:p>
+            <a:pPr algn="ctr"/>
+            <a:r>
+              <a:rPr lang="en-US" sz="1600" dirty="0">
+                <a:latin typeface="Avenir LT Std 35 Light" panose="020B0402020203020204" pitchFamily="34" charset="0"/>
+              </a:rPr>
+              <a:t>q</a:t>
+            </a:r>
+          </a:p>
+        </p:txBody>
+      </p:sp>
+      <p:sp>
+        <p:nvSpPr>
+          <p:cNvPr id="169" name="TextBox 168">
+            <a:extLst>
+              <a:ext uri="{FF2B5EF4-FFF2-40B4-BE49-F238E27FC236}">
+                <a16:creationId xmlns:a16="http://schemas.microsoft.com/office/drawing/2014/main" id="{CF6630CF-609E-E7AF-8806-61BFBECB9A61}"/>
+              </a:ext>
+            </a:extLst>
+          </p:cNvPr>
+          <p:cNvSpPr txBox="1"/>
+          <p:nvPr/>
+        </p:nvSpPr>
+        <p:spPr>
+          <a:xfrm>
+            <a:off x="11665753" y="9402196"/>
+            <a:ext cx="932856" cy="461665"/>
+          </a:xfrm>
+          <a:prstGeom prst="rect">
+            <a:avLst/>
+          </a:prstGeom>
+          <a:noFill/>
+        </p:spPr>
+        <p:txBody>
+          <a:bodyPr wrap="square">
+            <a:spAutoFit/>
+          </a:bodyPr>
+          <a:lstStyle/>
+          <a:p>
+            <a:pPr algn="ctr"/>
+            <a:r>
+              <a:rPr lang="en-US" sz="2400" dirty="0">
+                <a:solidFill>
+                  <a:schemeClr val="tx1"/>
+                </a:solidFill>
+                <a:latin typeface="Avenir LT Std 35 Light" panose="020B0402020203020204" pitchFamily="34" charset="0"/>
+              </a:rPr>
+              <a:t>ed</a:t>
+            </a:r>
+            <a:r>
+              <a:rPr lang="en-US" sz="1800" dirty="0">
+                <a:solidFill>
+                  <a:schemeClr val="tx1"/>
+                </a:solidFill>
+                <a:latin typeface="Arial Rounded MT Bold" panose="020F0704030504030204" pitchFamily="34" charset="0"/>
+              </a:rPr>
+              <a:t> </a:t>
+            </a:r>
+          </a:p>
+        </p:txBody>
+      </p:sp>
+      <p:sp>
+        <p:nvSpPr>
+          <p:cNvPr id="170" name="TextBox 169">
+            <a:extLst>
+              <a:ext uri="{FF2B5EF4-FFF2-40B4-BE49-F238E27FC236}">
+                <a16:creationId xmlns:a16="http://schemas.microsoft.com/office/drawing/2014/main" id="{E25E1FC5-763E-584D-522D-8639E7F176BF}"/>
+              </a:ext>
+            </a:extLst>
+          </p:cNvPr>
+          <p:cNvSpPr txBox="1"/>
+          <p:nvPr/>
+        </p:nvSpPr>
+        <p:spPr>
+          <a:xfrm>
+            <a:off x="12015601" y="9578035"/>
+            <a:ext cx="778510" cy="338554"/>
+          </a:xfrm>
+          <a:prstGeom prst="rect">
+            <a:avLst/>
+          </a:prstGeom>
+          <a:noFill/>
+        </p:spPr>
+        <p:txBody>
+          <a:bodyPr wrap="square">
+            <a:spAutoFit/>
+          </a:bodyPr>
+          <a:lstStyle/>
+          <a:p>
+            <a:pPr algn="ctr"/>
+            <a:r>
+              <a:rPr lang="en-US" sz="1600" dirty="0">
+                <a:latin typeface="Avenir LT Std 35 Light" panose="020B0402020203020204" pitchFamily="34" charset="0"/>
+              </a:rPr>
+              <a:t>k</a:t>
+            </a:r>
+          </a:p>
+        </p:txBody>
+      </p:sp>
+      <p:sp>
+        <p:nvSpPr>
+          <p:cNvPr id="171" name="Rectangle: Rounded Corners 11">
+            <a:extLst>
+              <a:ext uri="{FF2B5EF4-FFF2-40B4-BE49-F238E27FC236}">
+                <a16:creationId xmlns:a16="http://schemas.microsoft.com/office/drawing/2014/main" id="{EBF81740-5236-C200-C8F4-D7E11592C747}"/>
+              </a:ext>
+            </a:extLst>
+          </p:cNvPr>
+          <p:cNvSpPr/>
+          <p:nvPr/>
+        </p:nvSpPr>
+        <p:spPr>
+          <a:xfrm>
+            <a:off x="9956640" y="10132803"/>
+            <a:ext cx="1406023" cy="719864"/>
+          </a:xfrm>
+          <a:prstGeom prst="roundRect">
+            <a:avLst/>
+          </a:prstGeom>
+          <a:solidFill>
+            <a:schemeClr val="bg1"/>
+          </a:solidFill>
+          <a:ln w="25400">
+            <a:solidFill>
+              <a:schemeClr val="tx1"/>
+            </a:solidFill>
+          </a:ln>
+        </p:spPr>
+        <p:style>
+          <a:lnRef idx="2">
+            <a:schemeClr val="accent1">
+              <a:shade val="50000"/>
+            </a:schemeClr>
+          </a:lnRef>
+          <a:fillRef idx="1">
+            <a:schemeClr val="accent1"/>
+          </a:fillRef>
+          <a:effectRef idx="0">
+            <a:schemeClr val="accent1"/>
+          </a:effectRef>
+          <a:fontRef idx="minor">
+            <a:schemeClr val="lt1"/>
+          </a:fontRef>
+        </p:style>
+        <p:txBody>
+          <a:bodyPr rtlCol="0" anchor="ctr"/>
+          <a:lstStyle/>
+          <a:p>
+            <a:pPr algn="ctr"/>
+            <a:endParaRPr lang="en-US" sz="1350" dirty="0">
+              <a:effectLst>
+                <a:outerShdw blurRad="50800" dist="50800" dir="5400000" sx="59000" sy="59000" algn="ctr" rotWithShape="0">
+                  <a:srgbClr val="000000">
+                    <a:alpha val="43137"/>
+                  </a:srgbClr>
+                </a:outerShdw>
+              </a:effectLst>
+            </a:endParaRPr>
+          </a:p>
+          <a:p>
+            <a:pPr algn="ctr"/>
+            <a:r>
+              <a:rPr lang="en-US" sz="2400" dirty="0">
+                <a:solidFill>
+                  <a:schemeClr val="tx1"/>
+                </a:solidFill>
+                <a:latin typeface="Avenir LT Std 35 Light" panose="020B0402020203020204" pitchFamily="34" charset="0"/>
+              </a:rPr>
+              <a:t>over</a:t>
+            </a:r>
+            <a:r>
+              <a:rPr lang="en-US" sz="2400" dirty="0">
+                <a:solidFill>
+                  <a:schemeClr val="tx1"/>
+                </a:solidFill>
+                <a:latin typeface="Arial Rounded MT Bold" panose="020F0704030504030204" pitchFamily="34" charset="0"/>
+              </a:rPr>
+              <a:t> </a:t>
+            </a:r>
+          </a:p>
+          <a:p>
+            <a:pPr algn="ctr"/>
+            <a:endParaRPr lang="en-US" sz="1350" dirty="0"/>
+          </a:p>
+        </p:txBody>
+      </p:sp>
+      <p:sp>
+        <p:nvSpPr>
+          <p:cNvPr id="174" name="Freeform: Shape 173">
+            <a:extLst>
+              <a:ext uri="{FF2B5EF4-FFF2-40B4-BE49-F238E27FC236}">
+                <a16:creationId xmlns:a16="http://schemas.microsoft.com/office/drawing/2014/main" id="{01F1EE7B-7D5F-ADC2-27BE-C04AA01C55C2}"/>
+              </a:ext>
+            </a:extLst>
+          </p:cNvPr>
+          <p:cNvSpPr/>
+          <p:nvPr/>
+        </p:nvSpPr>
+        <p:spPr>
+          <a:xfrm>
+            <a:off x="11429168" y="10122059"/>
+            <a:ext cx="1953272" cy="719864"/>
+          </a:xfrm>
+          <a:custGeom>
+            <a:avLst/>
+            <a:gdLst>
+              <a:gd name="connsiteX0" fmla="*/ 119980 w 1953272"/>
+              <a:gd name="connsiteY0" fmla="*/ 0 h 719864"/>
+              <a:gd name="connsiteX1" fmla="*/ 1286043 w 1953272"/>
+              <a:gd name="connsiteY1" fmla="*/ 0 h 719864"/>
+              <a:gd name="connsiteX2" fmla="*/ 1406023 w 1953272"/>
+              <a:gd name="connsiteY2" fmla="*/ 119980 h 719864"/>
+              <a:gd name="connsiteX3" fmla="*/ 1406023 w 1953272"/>
+              <a:gd name="connsiteY3" fmla="*/ 203702 h 719864"/>
+              <a:gd name="connsiteX4" fmla="*/ 1542835 w 1953272"/>
+              <a:gd name="connsiteY4" fmla="*/ 203702 h 719864"/>
+              <a:gd name="connsiteX5" fmla="*/ 1542835 w 1953272"/>
+              <a:gd name="connsiteY5" fmla="*/ 66890 h 719864"/>
+              <a:gd name="connsiteX6" fmla="*/ 1816460 w 1953272"/>
+              <a:gd name="connsiteY6" fmla="*/ 66890 h 719864"/>
+              <a:gd name="connsiteX7" fmla="*/ 1816460 w 1953272"/>
+              <a:gd name="connsiteY7" fmla="*/ 203702 h 719864"/>
+              <a:gd name="connsiteX8" fmla="*/ 1953272 w 1953272"/>
+              <a:gd name="connsiteY8" fmla="*/ 203702 h 719864"/>
+              <a:gd name="connsiteX9" fmla="*/ 1953272 w 1953272"/>
+              <a:gd name="connsiteY9" fmla="*/ 477327 h 719864"/>
+              <a:gd name="connsiteX10" fmla="*/ 1816460 w 1953272"/>
+              <a:gd name="connsiteY10" fmla="*/ 477327 h 719864"/>
+              <a:gd name="connsiteX11" fmla="*/ 1816460 w 1953272"/>
+              <a:gd name="connsiteY11" fmla="*/ 614139 h 719864"/>
+              <a:gd name="connsiteX12" fmla="*/ 1542835 w 1953272"/>
+              <a:gd name="connsiteY12" fmla="*/ 614139 h 719864"/>
+              <a:gd name="connsiteX13" fmla="*/ 1542835 w 1953272"/>
+              <a:gd name="connsiteY13" fmla="*/ 477327 h 719864"/>
+              <a:gd name="connsiteX14" fmla="*/ 1406023 w 1953272"/>
+              <a:gd name="connsiteY14" fmla="*/ 477327 h 719864"/>
+              <a:gd name="connsiteX15" fmla="*/ 1406023 w 1953272"/>
+              <a:gd name="connsiteY15" fmla="*/ 599884 h 719864"/>
+              <a:gd name="connsiteX16" fmla="*/ 1286043 w 1953272"/>
+              <a:gd name="connsiteY16" fmla="*/ 719864 h 719864"/>
+              <a:gd name="connsiteX17" fmla="*/ 119980 w 1953272"/>
+              <a:gd name="connsiteY17" fmla="*/ 719864 h 719864"/>
+              <a:gd name="connsiteX18" fmla="*/ 0 w 1953272"/>
+              <a:gd name="connsiteY18" fmla="*/ 599884 h 719864"/>
+              <a:gd name="connsiteX19" fmla="*/ 0 w 1953272"/>
+              <a:gd name="connsiteY19" fmla="*/ 119980 h 719864"/>
+              <a:gd name="connsiteX20" fmla="*/ 119980 w 1953272"/>
+              <a:gd name="connsiteY20" fmla="*/ 0 h 719864"/>
+            </a:gdLst>
+            <a:ahLst/>
+            <a:cxnLst>
+              <a:cxn ang="0">
+                <a:pos x="connsiteX0" y="connsiteY0"/>
+              </a:cxn>
+              <a:cxn ang="0">
+                <a:pos x="connsiteX1" y="connsiteY1"/>
+              </a:cxn>
+              <a:cxn ang="0">
+                <a:pos x="connsiteX2" y="connsiteY2"/>
+              </a:cxn>
+              <a:cxn ang="0">
+                <a:pos x="connsiteX3" y="connsiteY3"/>
+              </a:cxn>
+              <a:cxn ang="0">
+                <a:pos x="connsiteX4" y="connsiteY4"/>
+              </a:cxn>
+              <a:cxn ang="0">
+                <a:pos x="connsiteX5" y="connsiteY5"/>
+              </a:cxn>
+              <a:cxn ang="0">
+                <a:pos x="connsiteX6" y="connsiteY6"/>
+              </a:cxn>
+              <a:cxn ang="0">
+                <a:pos x="connsiteX7" y="connsiteY7"/>
+              </a:cxn>
+              <a:cxn ang="0">
+                <a:pos x="connsiteX8" y="connsiteY8"/>
+              </a:cxn>
+              <a:cxn ang="0">
+                <a:pos x="connsiteX9" y="connsiteY9"/>
+              </a:cxn>
+              <a:cxn ang="0">
+                <a:pos x="connsiteX10" y="connsiteY10"/>
+              </a:cxn>
+              <a:cxn ang="0">
+                <a:pos x="connsiteX11" y="connsiteY11"/>
+              </a:cxn>
+              <a:cxn ang="0">
+                <a:pos x="connsiteX12" y="connsiteY12"/>
+              </a:cxn>
+              <a:cxn ang="0">
+                <a:pos x="connsiteX13" y="connsiteY13"/>
+              </a:cxn>
+              <a:cxn ang="0">
+                <a:pos x="connsiteX14" y="connsiteY14"/>
+              </a:cxn>
+              <a:cxn ang="0">
+                <a:pos x="connsiteX15" y="connsiteY15"/>
+              </a:cxn>
+              <a:cxn ang="0">
+                <a:pos x="connsiteX16" y="connsiteY16"/>
+              </a:cxn>
+              <a:cxn ang="0">
+                <a:pos x="connsiteX17" y="connsiteY17"/>
+              </a:cxn>
+              <a:cxn ang="0">
+                <a:pos x="connsiteX18" y="connsiteY18"/>
+              </a:cxn>
+              <a:cxn ang="0">
+                <a:pos x="connsiteX19" y="connsiteY19"/>
+              </a:cxn>
+              <a:cxn ang="0">
+                <a:pos x="connsiteX20" y="connsiteY20"/>
+              </a:cxn>
+            </a:cxnLst>
+            <a:rect l="l" t="t" r="r" b="b"/>
+            <a:pathLst>
+              <a:path w="1953272" h="719864">
+                <a:moveTo>
+                  <a:pt x="119980" y="0"/>
+                </a:moveTo>
+                <a:lnTo>
+                  <a:pt x="1286043" y="0"/>
+                </a:lnTo>
+                <a:cubicBezTo>
+                  <a:pt x="1352306" y="0"/>
+                  <a:pt x="1406023" y="53717"/>
+                  <a:pt x="1406023" y="119980"/>
+                </a:cubicBezTo>
+                <a:lnTo>
+                  <a:pt x="1406023" y="203702"/>
+                </a:lnTo>
+                <a:lnTo>
+                  <a:pt x="1542835" y="203702"/>
+                </a:lnTo>
+                <a:lnTo>
+                  <a:pt x="1542835" y="66890"/>
+                </a:lnTo>
+                <a:lnTo>
+                  <a:pt x="1816460" y="66890"/>
+                </a:lnTo>
+                <a:lnTo>
+                  <a:pt x="1816460" y="203702"/>
+                </a:lnTo>
+                <a:lnTo>
+                  <a:pt x="1953272" y="203702"/>
+                </a:lnTo>
+                <a:lnTo>
+                  <a:pt x="1953272" y="477327"/>
+                </a:lnTo>
+                <a:lnTo>
+                  <a:pt x="1816460" y="477327"/>
+                </a:lnTo>
+                <a:lnTo>
+                  <a:pt x="1816460" y="614139"/>
+                </a:lnTo>
+                <a:lnTo>
+                  <a:pt x="1542835" y="614139"/>
+                </a:lnTo>
+                <a:lnTo>
+                  <a:pt x="1542835" y="477327"/>
+                </a:lnTo>
+                <a:lnTo>
+                  <a:pt x="1406023" y="477327"/>
+                </a:lnTo>
+                <a:lnTo>
+                  <a:pt x="1406023" y="599884"/>
+                </a:lnTo>
+                <a:cubicBezTo>
+                  <a:pt x="1406023" y="666147"/>
+                  <a:pt x="1352306" y="719864"/>
+                  <a:pt x="1286043" y="719864"/>
+                </a:cubicBezTo>
+                <a:lnTo>
+                  <a:pt x="119980" y="719864"/>
+                </a:lnTo>
+                <a:cubicBezTo>
+                  <a:pt x="53717" y="719864"/>
+                  <a:pt x="0" y="666147"/>
+                  <a:pt x="0" y="599884"/>
+                </a:cubicBezTo>
+                <a:lnTo>
+                  <a:pt x="0" y="119980"/>
+                </a:lnTo>
+                <a:cubicBezTo>
+                  <a:pt x="0" y="53717"/>
+                  <a:pt x="53717" y="0"/>
+                  <a:pt x="119980" y="0"/>
+                </a:cubicBezTo>
+                <a:close/>
+              </a:path>
+            </a:pathLst>
+          </a:custGeom>
+          <a:solidFill>
+            <a:schemeClr val="bg1"/>
+          </a:solidFill>
+          <a:ln w="25400">
+            <a:solidFill>
+              <a:schemeClr val="tx1"/>
+            </a:solidFill>
+          </a:ln>
+        </p:spPr>
+        <p:style>
+          <a:lnRef idx="2">
+            <a:schemeClr val="accent1">
+              <a:shade val="15000"/>
+            </a:schemeClr>
+          </a:lnRef>
+          <a:fillRef idx="1">
+            <a:schemeClr val="accent1"/>
+          </a:fillRef>
+          <a:effectRef idx="0">
+            <a:schemeClr val="accent1"/>
+          </a:effectRef>
+          <a:fontRef idx="minor">
+            <a:schemeClr val="lt1"/>
+          </a:fontRef>
+        </p:style>
+        <p:txBody>
+          <a:bodyPr wrap="square" rtlCol="0" anchor="ctr">
+            <a:noAutofit/>
+          </a:bodyPr>
+          <a:lstStyle/>
+          <a:p>
+            <a:pPr algn="ctr"/>
+            <a:endParaRPr lang="en-GB"/>
+          </a:p>
+        </p:txBody>
+      </p:sp>
+      <p:sp>
+        <p:nvSpPr>
+          <p:cNvPr id="177" name="Freeform: Shape 176">
+            <a:extLst>
+              <a:ext uri="{FF2B5EF4-FFF2-40B4-BE49-F238E27FC236}">
+                <a16:creationId xmlns:a16="http://schemas.microsoft.com/office/drawing/2014/main" id="{DC1BF3BC-FCD2-C810-DBFC-CDCEF032DA07}"/>
+              </a:ext>
+            </a:extLst>
+          </p:cNvPr>
+          <p:cNvSpPr/>
+          <p:nvPr/>
+        </p:nvSpPr>
+        <p:spPr>
+          <a:xfrm>
+            <a:off x="8486013" y="10132803"/>
+            <a:ext cx="1406023" cy="719864"/>
+          </a:xfrm>
+          <a:custGeom>
+            <a:avLst/>
+            <a:gdLst>
+              <a:gd name="connsiteX0" fmla="*/ 119980 w 1406023"/>
+              <a:gd name="connsiteY0" fmla="*/ 0 h 719864"/>
+              <a:gd name="connsiteX1" fmla="*/ 1286043 w 1406023"/>
+              <a:gd name="connsiteY1" fmla="*/ 0 h 719864"/>
+              <a:gd name="connsiteX2" fmla="*/ 1406023 w 1406023"/>
+              <a:gd name="connsiteY2" fmla="*/ 119980 h 719864"/>
+              <a:gd name="connsiteX3" fmla="*/ 1406023 w 1406023"/>
+              <a:gd name="connsiteY3" fmla="*/ 599884 h 719864"/>
+              <a:gd name="connsiteX4" fmla="*/ 1286043 w 1406023"/>
+              <a:gd name="connsiteY4" fmla="*/ 719864 h 719864"/>
+              <a:gd name="connsiteX5" fmla="*/ 119980 w 1406023"/>
+              <a:gd name="connsiteY5" fmla="*/ 719864 h 719864"/>
+              <a:gd name="connsiteX6" fmla="*/ 0 w 1406023"/>
+              <a:gd name="connsiteY6" fmla="*/ 599884 h 719864"/>
+              <a:gd name="connsiteX7" fmla="*/ 0 w 1406023"/>
+              <a:gd name="connsiteY7" fmla="*/ 477327 h 719864"/>
+              <a:gd name="connsiteX8" fmla="*/ 129004 w 1406023"/>
+              <a:gd name="connsiteY8" fmla="*/ 477327 h 719864"/>
+              <a:gd name="connsiteX9" fmla="*/ 129004 w 1406023"/>
+              <a:gd name="connsiteY9" fmla="*/ 614139 h 719864"/>
+              <a:gd name="connsiteX10" fmla="*/ 402629 w 1406023"/>
+              <a:gd name="connsiteY10" fmla="*/ 614139 h 719864"/>
+              <a:gd name="connsiteX11" fmla="*/ 402629 w 1406023"/>
+              <a:gd name="connsiteY11" fmla="*/ 477327 h 719864"/>
+              <a:gd name="connsiteX12" fmla="*/ 539441 w 1406023"/>
+              <a:gd name="connsiteY12" fmla="*/ 477327 h 719864"/>
+              <a:gd name="connsiteX13" fmla="*/ 539441 w 1406023"/>
+              <a:gd name="connsiteY13" fmla="*/ 203702 h 719864"/>
+              <a:gd name="connsiteX14" fmla="*/ 402629 w 1406023"/>
+              <a:gd name="connsiteY14" fmla="*/ 203702 h 719864"/>
+              <a:gd name="connsiteX15" fmla="*/ 402629 w 1406023"/>
+              <a:gd name="connsiteY15" fmla="*/ 66890 h 719864"/>
+              <a:gd name="connsiteX16" fmla="*/ 129004 w 1406023"/>
+              <a:gd name="connsiteY16" fmla="*/ 66890 h 719864"/>
+              <a:gd name="connsiteX17" fmla="*/ 129004 w 1406023"/>
+              <a:gd name="connsiteY17" fmla="*/ 203702 h 719864"/>
+              <a:gd name="connsiteX18" fmla="*/ 0 w 1406023"/>
+              <a:gd name="connsiteY18" fmla="*/ 203702 h 719864"/>
+              <a:gd name="connsiteX19" fmla="*/ 0 w 1406023"/>
+              <a:gd name="connsiteY19" fmla="*/ 119980 h 719864"/>
+              <a:gd name="connsiteX20" fmla="*/ 119980 w 1406023"/>
+              <a:gd name="connsiteY20" fmla="*/ 0 h 719864"/>
+            </a:gdLst>
+            <a:ahLst/>
+            <a:cxnLst>
+              <a:cxn ang="0">
+                <a:pos x="connsiteX0" y="connsiteY0"/>
+              </a:cxn>
+              <a:cxn ang="0">
+                <a:pos x="connsiteX1" y="connsiteY1"/>
+              </a:cxn>
+              <a:cxn ang="0">
+                <a:pos x="connsiteX2" y="connsiteY2"/>
+              </a:cxn>
+              <a:cxn ang="0">
+                <a:pos x="connsiteX3" y="connsiteY3"/>
+              </a:cxn>
+              <a:cxn ang="0">
+                <a:pos x="connsiteX4" y="connsiteY4"/>
+              </a:cxn>
+              <a:cxn ang="0">
+                <a:pos x="connsiteX5" y="connsiteY5"/>
+              </a:cxn>
+              <a:cxn ang="0">
+                <a:pos x="connsiteX6" y="connsiteY6"/>
+              </a:cxn>
+              <a:cxn ang="0">
+                <a:pos x="connsiteX7" y="connsiteY7"/>
+              </a:cxn>
+              <a:cxn ang="0">
+                <a:pos x="connsiteX8" y="connsiteY8"/>
+              </a:cxn>
+              <a:cxn ang="0">
+                <a:pos x="connsiteX9" y="connsiteY9"/>
+              </a:cxn>
+              <a:cxn ang="0">
+                <a:pos x="connsiteX10" y="connsiteY10"/>
+              </a:cxn>
+              <a:cxn ang="0">
+                <a:pos x="connsiteX11" y="connsiteY11"/>
+              </a:cxn>
+              <a:cxn ang="0">
+                <a:pos x="connsiteX12" y="connsiteY12"/>
+              </a:cxn>
+              <a:cxn ang="0">
+                <a:pos x="connsiteX13" y="connsiteY13"/>
+              </a:cxn>
+              <a:cxn ang="0">
+                <a:pos x="connsiteX14" y="connsiteY14"/>
+              </a:cxn>
+              <a:cxn ang="0">
+                <a:pos x="connsiteX15" y="connsiteY15"/>
+              </a:cxn>
+              <a:cxn ang="0">
+                <a:pos x="connsiteX16" y="connsiteY16"/>
+              </a:cxn>
+              <a:cxn ang="0">
+                <a:pos x="connsiteX17" y="connsiteY17"/>
+              </a:cxn>
+              <a:cxn ang="0">
+                <a:pos x="connsiteX18" y="connsiteY18"/>
+              </a:cxn>
+              <a:cxn ang="0">
+                <a:pos x="connsiteX19" y="connsiteY19"/>
+              </a:cxn>
+              <a:cxn ang="0">
+                <a:pos x="connsiteX20" y="connsiteY20"/>
+              </a:cxn>
+            </a:cxnLst>
+            <a:rect l="l" t="t" r="r" b="b"/>
+            <a:pathLst>
+              <a:path w="1406023" h="719864">
+                <a:moveTo>
+                  <a:pt x="119980" y="0"/>
+                </a:moveTo>
+                <a:lnTo>
+                  <a:pt x="1286043" y="0"/>
+                </a:lnTo>
+                <a:cubicBezTo>
+                  <a:pt x="1352306" y="0"/>
+                  <a:pt x="1406023" y="53717"/>
+                  <a:pt x="1406023" y="119980"/>
+                </a:cubicBezTo>
+                <a:lnTo>
+                  <a:pt x="1406023" y="599884"/>
+                </a:lnTo>
+                <a:cubicBezTo>
+                  <a:pt x="1406023" y="666147"/>
+                  <a:pt x="1352306" y="719864"/>
+                  <a:pt x="1286043" y="719864"/>
+                </a:cubicBezTo>
+                <a:lnTo>
+                  <a:pt x="119980" y="719864"/>
+                </a:lnTo>
+                <a:cubicBezTo>
+                  <a:pt x="53717" y="719864"/>
+                  <a:pt x="0" y="666147"/>
+                  <a:pt x="0" y="599884"/>
+                </a:cubicBezTo>
+                <a:lnTo>
+                  <a:pt x="0" y="477327"/>
+                </a:lnTo>
+                <a:lnTo>
+                  <a:pt x="129004" y="477327"/>
+                </a:lnTo>
+                <a:lnTo>
+                  <a:pt x="129004" y="614139"/>
+                </a:lnTo>
+                <a:lnTo>
+                  <a:pt x="402629" y="614139"/>
+                </a:lnTo>
+                <a:lnTo>
+                  <a:pt x="402629" y="477327"/>
+                </a:lnTo>
+                <a:lnTo>
+                  <a:pt x="539441" y="477327"/>
+                </a:lnTo>
+                <a:lnTo>
+                  <a:pt x="539441" y="203702"/>
+                </a:lnTo>
+                <a:lnTo>
+                  <a:pt x="402629" y="203702"/>
+                </a:lnTo>
+                <a:lnTo>
+                  <a:pt x="402629" y="66890"/>
+                </a:lnTo>
+                <a:lnTo>
+                  <a:pt x="129004" y="66890"/>
+                </a:lnTo>
+                <a:lnTo>
+                  <a:pt x="129004" y="203702"/>
+                </a:lnTo>
+                <a:lnTo>
+                  <a:pt x="0" y="203702"/>
+                </a:lnTo>
+                <a:lnTo>
+                  <a:pt x="0" y="119980"/>
+                </a:lnTo>
+                <a:cubicBezTo>
+                  <a:pt x="0" y="53717"/>
+                  <a:pt x="53717" y="0"/>
+                  <a:pt x="119980" y="0"/>
+                </a:cubicBezTo>
+                <a:close/>
+              </a:path>
+            </a:pathLst>
+          </a:custGeom>
+          <a:solidFill>
+            <a:schemeClr val="bg1"/>
+          </a:solidFill>
+          <a:ln w="25400">
+            <a:solidFill>
+              <a:schemeClr val="tx1"/>
+            </a:solidFill>
+          </a:ln>
+        </p:spPr>
+        <p:style>
+          <a:lnRef idx="2">
+            <a:schemeClr val="accent1">
+              <a:shade val="50000"/>
+            </a:schemeClr>
+          </a:lnRef>
+          <a:fillRef idx="1">
+            <a:schemeClr val="accent1"/>
+          </a:fillRef>
+          <a:effectRef idx="0">
+            <a:schemeClr val="accent1"/>
+          </a:effectRef>
+          <a:fontRef idx="minor">
+            <a:schemeClr val="lt1"/>
+          </a:fontRef>
+        </p:style>
+        <p:txBody>
+          <a:bodyPr wrap="square" rtlCol="0" anchor="ctr">
+            <a:noAutofit/>
+          </a:bodyPr>
+          <a:lstStyle/>
+          <a:p>
+            <a:pPr algn="ctr"/>
+            <a:endParaRPr lang="en-US" sz="1350" dirty="0">
+              <a:effectLst>
+                <a:outerShdw blurRad="50800" dist="50800" dir="5400000" sx="59000" sy="59000" algn="ctr" rotWithShape="0">
+                  <a:srgbClr val="000000">
+                    <a:alpha val="43137"/>
+                  </a:srgbClr>
+                </a:outerShdw>
+              </a:effectLst>
+            </a:endParaRPr>
+          </a:p>
+          <a:p>
+            <a:pPr algn="ctr"/>
+            <a:r>
+              <a:rPr lang="en-US" sz="2400" dirty="0">
+                <a:solidFill>
+                  <a:schemeClr val="tx1"/>
+                </a:solidFill>
+                <a:latin typeface="Arial Rounded MT Bold" panose="020F0704030504030204" pitchFamily="34" charset="0"/>
+              </a:rPr>
+              <a:t> </a:t>
+            </a:r>
+          </a:p>
+          <a:p>
+            <a:pPr algn="ctr"/>
+            <a:endParaRPr lang="en-US" sz="1350" dirty="0"/>
+          </a:p>
+        </p:txBody>
+      </p:sp>
+      <p:sp>
+        <p:nvSpPr>
+          <p:cNvPr id="140" name="TextBox 139">
+            <a:extLst>
+              <a:ext uri="{FF2B5EF4-FFF2-40B4-BE49-F238E27FC236}">
+                <a16:creationId xmlns:a16="http://schemas.microsoft.com/office/drawing/2014/main" id="{54F7E38B-DE3B-7A42-B752-0F4793A16ADF}"/>
+              </a:ext>
+            </a:extLst>
+          </p:cNvPr>
+          <p:cNvSpPr txBox="1"/>
+          <p:nvPr/>
+        </p:nvSpPr>
+        <p:spPr>
+          <a:xfrm>
+            <a:off x="9066356" y="10251158"/>
+            <a:ext cx="778510" cy="461665"/>
+          </a:xfrm>
+          <a:prstGeom prst="rect">
+            <a:avLst/>
+          </a:prstGeom>
+          <a:noFill/>
+        </p:spPr>
+        <p:txBody>
+          <a:bodyPr wrap="square">
+            <a:spAutoFit/>
+          </a:bodyPr>
+          <a:lstStyle/>
+          <a:p>
+            <a:r>
+              <a:rPr lang="en-US" sz="2400" dirty="0">
+                <a:solidFill>
+                  <a:schemeClr val="tx1"/>
+                </a:solidFill>
+                <a:latin typeface="Avenir LT Std 35 Light" panose="020B0402020203020204" pitchFamily="34" charset="0"/>
+              </a:rPr>
+              <a:t>over</a:t>
+            </a:r>
+            <a:endParaRPr lang="en-GB" dirty="0"/>
+          </a:p>
+        </p:txBody>
+      </p:sp>
+      <p:sp>
+        <p:nvSpPr>
+          <p:cNvPr id="139" name="TextBox 138">
+            <a:extLst>
+              <a:ext uri="{FF2B5EF4-FFF2-40B4-BE49-F238E27FC236}">
+                <a16:creationId xmlns:a16="http://schemas.microsoft.com/office/drawing/2014/main" id="{A40EC8AC-88EB-D9E6-CDFE-AC95282F16AB}"/>
+              </a:ext>
+            </a:extLst>
+          </p:cNvPr>
+          <p:cNvSpPr txBox="1"/>
+          <p:nvPr/>
+        </p:nvSpPr>
+        <p:spPr>
+          <a:xfrm>
+            <a:off x="9657901" y="10433499"/>
+            <a:ext cx="258573" cy="338554"/>
+          </a:xfrm>
+          <a:prstGeom prst="rect">
+            <a:avLst/>
+          </a:prstGeom>
+          <a:noFill/>
+        </p:spPr>
+        <p:txBody>
+          <a:bodyPr wrap="square">
+            <a:spAutoFit/>
+          </a:bodyPr>
+          <a:lstStyle/>
+          <a:p>
+            <a:pPr algn="ctr"/>
+            <a:r>
+              <a:rPr lang="en-US" sz="1600" dirty="0">
+                <a:latin typeface="Avenir LT Std 35 Light" panose="020B0402020203020204" pitchFamily="34" charset="0"/>
+              </a:rPr>
+              <a:t>q</a:t>
+            </a:r>
+          </a:p>
+        </p:txBody>
+      </p:sp>
+      <p:sp>
+        <p:nvSpPr>
+          <p:cNvPr id="179" name="TextBox 178">
+            <a:extLst>
+              <a:ext uri="{FF2B5EF4-FFF2-40B4-BE49-F238E27FC236}">
+                <a16:creationId xmlns:a16="http://schemas.microsoft.com/office/drawing/2014/main" id="{C905A745-6839-E15A-9595-D9FB97D51888}"/>
+              </a:ext>
+            </a:extLst>
+          </p:cNvPr>
+          <p:cNvSpPr txBox="1"/>
+          <p:nvPr/>
+        </p:nvSpPr>
+        <p:spPr>
+          <a:xfrm>
+            <a:off x="10887467" y="10433499"/>
+            <a:ext cx="258573" cy="338554"/>
+          </a:xfrm>
+          <a:prstGeom prst="rect">
+            <a:avLst/>
+          </a:prstGeom>
+          <a:noFill/>
+        </p:spPr>
+        <p:txBody>
+          <a:bodyPr wrap="square">
+            <a:spAutoFit/>
+          </a:bodyPr>
+          <a:lstStyle/>
+          <a:p>
+            <a:pPr algn="ctr"/>
+            <a:r>
+              <a:rPr lang="en-US" sz="1600" dirty="0">
+                <a:latin typeface="Avenir LT Std 35 Light" panose="020B0402020203020204" pitchFamily="34" charset="0"/>
+              </a:rPr>
+              <a:t>v</a:t>
+            </a:r>
+          </a:p>
+        </p:txBody>
+      </p:sp>
+      <p:sp>
+        <p:nvSpPr>
+          <p:cNvPr id="180" name="TextBox 179">
+            <a:extLst>
+              <a:ext uri="{FF2B5EF4-FFF2-40B4-BE49-F238E27FC236}">
+                <a16:creationId xmlns:a16="http://schemas.microsoft.com/office/drawing/2014/main" id="{207789E7-DDBE-C071-1AE2-D36CD81D82FF}"/>
+              </a:ext>
+            </a:extLst>
+          </p:cNvPr>
+          <p:cNvSpPr txBox="1"/>
+          <p:nvPr/>
+        </p:nvSpPr>
+        <p:spPr>
+          <a:xfrm>
+            <a:off x="11742926" y="10251158"/>
+            <a:ext cx="778510" cy="461665"/>
+          </a:xfrm>
+          <a:prstGeom prst="rect">
+            <a:avLst/>
+          </a:prstGeom>
+          <a:noFill/>
+        </p:spPr>
+        <p:txBody>
+          <a:bodyPr wrap="square">
+            <a:spAutoFit/>
+          </a:bodyPr>
+          <a:lstStyle/>
+          <a:p>
+            <a:r>
+              <a:rPr lang="en-US" sz="2400" dirty="0">
+                <a:solidFill>
+                  <a:schemeClr val="tx1"/>
+                </a:solidFill>
+                <a:latin typeface="Avenir LT Std 35 Light" panose="020B0402020203020204" pitchFamily="34" charset="0"/>
+              </a:rPr>
+              <a:t>over</a:t>
+            </a:r>
+            <a:endParaRPr lang="en-GB" dirty="0"/>
+          </a:p>
+        </p:txBody>
+      </p:sp>
+      <p:sp>
+        <p:nvSpPr>
+          <p:cNvPr id="182" name="TextBox 181">
+            <a:extLst>
+              <a:ext uri="{FF2B5EF4-FFF2-40B4-BE49-F238E27FC236}">
+                <a16:creationId xmlns:a16="http://schemas.microsoft.com/office/drawing/2014/main" id="{C20AF322-FC15-95CF-6C8D-0046F12FFF18}"/>
+              </a:ext>
+            </a:extLst>
+          </p:cNvPr>
+          <p:cNvSpPr txBox="1"/>
+          <p:nvPr/>
+        </p:nvSpPr>
+        <p:spPr>
+          <a:xfrm>
+            <a:off x="12084762" y="10445752"/>
+            <a:ext cx="778510" cy="338554"/>
+          </a:xfrm>
+          <a:prstGeom prst="rect">
+            <a:avLst/>
+          </a:prstGeom>
+          <a:noFill/>
+        </p:spPr>
+        <p:txBody>
+          <a:bodyPr wrap="square">
+            <a:spAutoFit/>
+          </a:bodyPr>
+          <a:lstStyle/>
+          <a:p>
+            <a:pPr algn="ctr"/>
+            <a:r>
+              <a:rPr lang="en-US" sz="1600" dirty="0">
+                <a:latin typeface="Avenir LT Std 35 Light" panose="020B0402020203020204" pitchFamily="34" charset="0"/>
+              </a:rPr>
+              <a:t>k</a:t>
+            </a:r>
+          </a:p>
+        </p:txBody>
+      </p:sp>
+      <p:sp>
+        <p:nvSpPr>
+          <p:cNvPr id="183" name="Rectangle: Rounded Corners 11">
+            <a:extLst>
+              <a:ext uri="{FF2B5EF4-FFF2-40B4-BE49-F238E27FC236}">
+                <a16:creationId xmlns:a16="http://schemas.microsoft.com/office/drawing/2014/main" id="{D6206752-E299-6090-B104-7E5F561A0702}"/>
+              </a:ext>
+            </a:extLst>
+          </p:cNvPr>
+          <p:cNvSpPr/>
+          <p:nvPr/>
+        </p:nvSpPr>
+        <p:spPr>
+          <a:xfrm>
+            <a:off x="9956640" y="10985591"/>
+            <a:ext cx="1406023" cy="719864"/>
+          </a:xfrm>
+          <a:prstGeom prst="roundRect">
+            <a:avLst/>
+          </a:prstGeom>
+          <a:solidFill>
+            <a:schemeClr val="bg1"/>
+          </a:solidFill>
+          <a:ln w="25400">
+            <a:solidFill>
+              <a:schemeClr val="tx1"/>
+            </a:solidFill>
+          </a:ln>
+        </p:spPr>
+        <p:style>
+          <a:lnRef idx="2">
+            <a:schemeClr val="accent1">
+              <a:shade val="50000"/>
+            </a:schemeClr>
+          </a:lnRef>
+          <a:fillRef idx="1">
+            <a:schemeClr val="accent1"/>
+          </a:fillRef>
+          <a:effectRef idx="0">
+            <a:schemeClr val="accent1"/>
+          </a:effectRef>
+          <a:fontRef idx="minor">
+            <a:schemeClr val="lt1"/>
+          </a:fontRef>
+        </p:style>
+        <p:txBody>
+          <a:bodyPr rtlCol="0" anchor="ctr"/>
+          <a:lstStyle/>
+          <a:p>
+            <a:pPr algn="ctr"/>
+            <a:endParaRPr lang="en-US" sz="1350" dirty="0">
+              <a:effectLst>
+                <a:outerShdw blurRad="50800" dist="50800" dir="5400000" sx="59000" sy="59000" algn="ctr" rotWithShape="0">
+                  <a:srgbClr val="000000">
+                    <a:alpha val="43137"/>
+                  </a:srgbClr>
+                </a:outerShdw>
+              </a:effectLst>
+            </a:endParaRPr>
+          </a:p>
+          <a:p>
+            <a:pPr algn="ctr"/>
+            <a:r>
+              <a:rPr lang="en-US" sz="2400" dirty="0">
+                <a:solidFill>
+                  <a:schemeClr val="tx1"/>
+                </a:solidFill>
+                <a:latin typeface="Avenir LT Std 35 Light" panose="020B0402020203020204" pitchFamily="34" charset="0"/>
+              </a:rPr>
+              <a:t>lazy</a:t>
+            </a:r>
+            <a:r>
+              <a:rPr lang="en-US" sz="2400" dirty="0">
+                <a:solidFill>
+                  <a:schemeClr val="tx1"/>
+                </a:solidFill>
+                <a:latin typeface="Arial Rounded MT Bold" panose="020F0704030504030204" pitchFamily="34" charset="0"/>
+              </a:rPr>
+              <a:t> </a:t>
+            </a:r>
+          </a:p>
+          <a:p>
+            <a:pPr algn="ctr"/>
+            <a:endParaRPr lang="en-US" sz="1350" dirty="0"/>
+          </a:p>
+        </p:txBody>
+      </p:sp>
+      <p:sp>
+        <p:nvSpPr>
+          <p:cNvPr id="195" name="Freeform: Shape 194">
+            <a:extLst>
+              <a:ext uri="{FF2B5EF4-FFF2-40B4-BE49-F238E27FC236}">
+                <a16:creationId xmlns:a16="http://schemas.microsoft.com/office/drawing/2014/main" id="{516A5177-872C-F94F-AA8B-8D01CECA1F1B}"/>
+              </a:ext>
+            </a:extLst>
+          </p:cNvPr>
+          <p:cNvSpPr/>
+          <p:nvPr/>
+        </p:nvSpPr>
+        <p:spPr>
+          <a:xfrm>
+            <a:off x="11427267" y="10985591"/>
+            <a:ext cx="1988800" cy="719864"/>
+          </a:xfrm>
+          <a:custGeom>
+            <a:avLst/>
+            <a:gdLst>
+              <a:gd name="connsiteX0" fmla="*/ 119980 w 1988800"/>
+              <a:gd name="connsiteY0" fmla="*/ 0 h 719864"/>
+              <a:gd name="connsiteX1" fmla="*/ 1286043 w 1988800"/>
+              <a:gd name="connsiteY1" fmla="*/ 0 h 719864"/>
+              <a:gd name="connsiteX2" fmla="*/ 1406023 w 1988800"/>
+              <a:gd name="connsiteY2" fmla="*/ 119980 h 719864"/>
+              <a:gd name="connsiteX3" fmla="*/ 1406023 w 1988800"/>
+              <a:gd name="connsiteY3" fmla="*/ 256135 h 719864"/>
+              <a:gd name="connsiteX4" fmla="*/ 1673306 w 1988800"/>
+              <a:gd name="connsiteY4" fmla="*/ 256135 h 719864"/>
+              <a:gd name="connsiteX5" fmla="*/ 1673306 w 1988800"/>
+              <a:gd name="connsiteY5" fmla="*/ 161736 h 719864"/>
+              <a:gd name="connsiteX6" fmla="*/ 1988800 w 1988800"/>
+              <a:gd name="connsiteY6" fmla="*/ 350535 h 719864"/>
+              <a:gd name="connsiteX7" fmla="*/ 1673306 w 1988800"/>
+              <a:gd name="connsiteY7" fmla="*/ 539334 h 719864"/>
+              <a:gd name="connsiteX8" fmla="*/ 1673306 w 1988800"/>
+              <a:gd name="connsiteY8" fmla="*/ 444934 h 719864"/>
+              <a:gd name="connsiteX9" fmla="*/ 1406023 w 1988800"/>
+              <a:gd name="connsiteY9" fmla="*/ 444934 h 719864"/>
+              <a:gd name="connsiteX10" fmla="*/ 1406023 w 1988800"/>
+              <a:gd name="connsiteY10" fmla="*/ 599884 h 719864"/>
+              <a:gd name="connsiteX11" fmla="*/ 1286043 w 1988800"/>
+              <a:gd name="connsiteY11" fmla="*/ 719864 h 719864"/>
+              <a:gd name="connsiteX12" fmla="*/ 119980 w 1988800"/>
+              <a:gd name="connsiteY12" fmla="*/ 719864 h 719864"/>
+              <a:gd name="connsiteX13" fmla="*/ 0 w 1988800"/>
+              <a:gd name="connsiteY13" fmla="*/ 599884 h 719864"/>
+              <a:gd name="connsiteX14" fmla="*/ 0 w 1988800"/>
+              <a:gd name="connsiteY14" fmla="*/ 119980 h 719864"/>
+              <a:gd name="connsiteX15" fmla="*/ 119980 w 1988800"/>
+              <a:gd name="connsiteY15" fmla="*/ 0 h 719864"/>
+            </a:gdLst>
+            <a:ahLst/>
+            <a:cxnLst>
+              <a:cxn ang="0">
+                <a:pos x="connsiteX0" y="connsiteY0"/>
+              </a:cxn>
+              <a:cxn ang="0">
+                <a:pos x="connsiteX1" y="connsiteY1"/>
+              </a:cxn>
+              <a:cxn ang="0">
+                <a:pos x="connsiteX2" y="connsiteY2"/>
+              </a:cxn>
+              <a:cxn ang="0">
+                <a:pos x="connsiteX3" y="connsiteY3"/>
+              </a:cxn>
+              <a:cxn ang="0">
+                <a:pos x="connsiteX4" y="connsiteY4"/>
+              </a:cxn>
+              <a:cxn ang="0">
+                <a:pos x="connsiteX5" y="connsiteY5"/>
+              </a:cxn>
+              <a:cxn ang="0">
+                <a:pos x="connsiteX6" y="connsiteY6"/>
+              </a:cxn>
+              <a:cxn ang="0">
+                <a:pos x="connsiteX7" y="connsiteY7"/>
+              </a:cxn>
+              <a:cxn ang="0">
+                <a:pos x="connsiteX8" y="connsiteY8"/>
+              </a:cxn>
+              <a:cxn ang="0">
+                <a:pos x="connsiteX9" y="connsiteY9"/>
+              </a:cxn>
+              <a:cxn ang="0">
+                <a:pos x="connsiteX10" y="connsiteY10"/>
+              </a:cxn>
+              <a:cxn ang="0">
+                <a:pos x="connsiteX11" y="connsiteY11"/>
+              </a:cxn>
+              <a:cxn ang="0">
+                <a:pos x="connsiteX12" y="connsiteY12"/>
+              </a:cxn>
+              <a:cxn ang="0">
+                <a:pos x="connsiteX13" y="connsiteY13"/>
+              </a:cxn>
+              <a:cxn ang="0">
+                <a:pos x="connsiteX14" y="connsiteY14"/>
+              </a:cxn>
+              <a:cxn ang="0">
+                <a:pos x="connsiteX15" y="connsiteY15"/>
+              </a:cxn>
+            </a:cxnLst>
+            <a:rect l="l" t="t" r="r" b="b"/>
+            <a:pathLst>
+              <a:path w="1988800" h="719864">
+                <a:moveTo>
+                  <a:pt x="119980" y="0"/>
+                </a:moveTo>
+                <a:lnTo>
+                  <a:pt x="1286043" y="0"/>
+                </a:lnTo>
+                <a:cubicBezTo>
+                  <a:pt x="1352306" y="0"/>
+                  <a:pt x="1406023" y="53717"/>
+                  <a:pt x="1406023" y="119980"/>
+                </a:cubicBezTo>
+                <a:lnTo>
+                  <a:pt x="1406023" y="256135"/>
+                </a:lnTo>
+                <a:lnTo>
+                  <a:pt x="1673306" y="256135"/>
+                </a:lnTo>
+                <a:lnTo>
+                  <a:pt x="1673306" y="161736"/>
+                </a:lnTo>
+                <a:lnTo>
+                  <a:pt x="1988800" y="350535"/>
+                </a:lnTo>
+                <a:lnTo>
+                  <a:pt x="1673306" y="539334"/>
+                </a:lnTo>
+                <a:lnTo>
+                  <a:pt x="1673306" y="444934"/>
+                </a:lnTo>
+                <a:lnTo>
+                  <a:pt x="1406023" y="444934"/>
+                </a:lnTo>
+                <a:lnTo>
+                  <a:pt x="1406023" y="599884"/>
+                </a:lnTo>
+                <a:cubicBezTo>
+                  <a:pt x="1406023" y="666147"/>
+                  <a:pt x="1352306" y="719864"/>
+                  <a:pt x="1286043" y="719864"/>
+                </a:cubicBezTo>
+                <a:lnTo>
+                  <a:pt x="119980" y="719864"/>
+                </a:lnTo>
+                <a:cubicBezTo>
+                  <a:pt x="53717" y="719864"/>
+                  <a:pt x="0" y="666147"/>
+                  <a:pt x="0" y="599884"/>
+                </a:cubicBezTo>
+                <a:lnTo>
+                  <a:pt x="0" y="119980"/>
+                </a:lnTo>
+                <a:cubicBezTo>
+                  <a:pt x="0" y="53717"/>
+                  <a:pt x="53717" y="0"/>
+                  <a:pt x="119980" y="0"/>
+                </a:cubicBezTo>
+                <a:close/>
+              </a:path>
+            </a:pathLst>
+          </a:custGeom>
+          <a:solidFill>
+            <a:schemeClr val="bg1"/>
+          </a:solidFill>
+          <a:ln w="25400">
+            <a:solidFill>
+              <a:schemeClr val="tx1"/>
+            </a:solidFill>
+          </a:ln>
+        </p:spPr>
+        <p:style>
+          <a:lnRef idx="2">
+            <a:schemeClr val="accent1">
+              <a:shade val="50000"/>
+            </a:schemeClr>
+          </a:lnRef>
+          <a:fillRef idx="1">
+            <a:schemeClr val="accent1"/>
+          </a:fillRef>
+          <a:effectRef idx="0">
+            <a:schemeClr val="accent1"/>
+          </a:effectRef>
+          <a:fontRef idx="minor">
+            <a:schemeClr val="lt1"/>
+          </a:fontRef>
+        </p:style>
+        <p:txBody>
+          <a:bodyPr wrap="square" rtlCol="0" anchor="ctr">
+            <a:noAutofit/>
+          </a:bodyPr>
+          <a:lstStyle/>
+          <a:p>
+            <a:pPr algn="ctr"/>
+            <a:endParaRPr lang="en-US" sz="1350" dirty="0">
+              <a:effectLst>
+                <a:outerShdw blurRad="50800" dist="50800" dir="5400000" sx="59000" sy="59000" algn="ctr" rotWithShape="0">
+                  <a:srgbClr val="000000">
+                    <a:alpha val="43137"/>
+                  </a:srgbClr>
+                </a:outerShdw>
+              </a:effectLst>
+            </a:endParaRPr>
+          </a:p>
+          <a:p>
+            <a:pPr algn="ctr"/>
+            <a:r>
+              <a:rPr lang="en-US" sz="2400" dirty="0">
+                <a:solidFill>
+                  <a:schemeClr val="tx1"/>
+                </a:solidFill>
+                <a:latin typeface="Arial Rounded MT Bold" panose="020F0704030504030204" pitchFamily="34" charset="0"/>
+              </a:rPr>
+              <a:t> </a:t>
+            </a:r>
+          </a:p>
+          <a:p>
+            <a:pPr algn="ctr"/>
+            <a:endParaRPr lang="en-US" sz="1350" dirty="0"/>
+          </a:p>
+        </p:txBody>
+      </p:sp>
+      <p:sp>
+        <p:nvSpPr>
+          <p:cNvPr id="196" name="TextBox 195">
+            <a:extLst>
+              <a:ext uri="{FF2B5EF4-FFF2-40B4-BE49-F238E27FC236}">
+                <a16:creationId xmlns:a16="http://schemas.microsoft.com/office/drawing/2014/main" id="{DA505DD6-AB8B-5BCF-9578-A17DEC873B09}"/>
+              </a:ext>
+            </a:extLst>
+          </p:cNvPr>
+          <p:cNvSpPr txBox="1"/>
+          <p:nvPr/>
+        </p:nvSpPr>
+        <p:spPr>
+          <a:xfrm>
+            <a:off x="11774171" y="11107999"/>
+            <a:ext cx="778510" cy="461665"/>
+          </a:xfrm>
+          <a:prstGeom prst="rect">
+            <a:avLst/>
+          </a:prstGeom>
+          <a:noFill/>
+        </p:spPr>
+        <p:txBody>
+          <a:bodyPr wrap="square">
+            <a:spAutoFit/>
+          </a:bodyPr>
+          <a:lstStyle/>
+          <a:p>
+            <a:r>
+              <a:rPr lang="en-US" sz="2400" dirty="0">
+                <a:solidFill>
+                  <a:schemeClr val="tx1"/>
+                </a:solidFill>
+                <a:latin typeface="Avenir LT Std 35 Light" panose="020B0402020203020204" pitchFamily="34" charset="0"/>
+              </a:rPr>
+              <a:t>lazy</a:t>
+            </a:r>
+            <a:endParaRPr lang="en-GB" dirty="0"/>
+          </a:p>
+        </p:txBody>
+      </p:sp>
+      <p:sp>
+        <p:nvSpPr>
+          <p:cNvPr id="197" name="TextBox 196">
+            <a:extLst>
+              <a:ext uri="{FF2B5EF4-FFF2-40B4-BE49-F238E27FC236}">
+                <a16:creationId xmlns:a16="http://schemas.microsoft.com/office/drawing/2014/main" id="{8B1F8C4D-6069-5ED7-3B23-DA2FE8A695CC}"/>
+              </a:ext>
+            </a:extLst>
+          </p:cNvPr>
+          <p:cNvSpPr txBox="1"/>
+          <p:nvPr/>
+        </p:nvSpPr>
+        <p:spPr>
+          <a:xfrm>
+            <a:off x="12275569" y="11299006"/>
+            <a:ext cx="258573" cy="338554"/>
+          </a:xfrm>
+          <a:prstGeom prst="rect">
+            <a:avLst/>
+          </a:prstGeom>
+          <a:noFill/>
+        </p:spPr>
+        <p:txBody>
+          <a:bodyPr wrap="square">
+            <a:spAutoFit/>
+          </a:bodyPr>
+          <a:lstStyle/>
+          <a:p>
+            <a:pPr algn="ctr"/>
+            <a:r>
+              <a:rPr lang="en-US" sz="1600" dirty="0">
+                <a:latin typeface="Avenir LT Std 35 Light" panose="020B0402020203020204" pitchFamily="34" charset="0"/>
+              </a:rPr>
+              <a:t>k</a:t>
+            </a:r>
+          </a:p>
+        </p:txBody>
+      </p:sp>
+      <p:sp>
+        <p:nvSpPr>
+          <p:cNvPr id="198" name="TextBox 197">
+            <a:extLst>
+              <a:ext uri="{FF2B5EF4-FFF2-40B4-BE49-F238E27FC236}">
+                <a16:creationId xmlns:a16="http://schemas.microsoft.com/office/drawing/2014/main" id="{07E425BE-BB3A-0DAD-7045-50CB498A9784}"/>
+              </a:ext>
+            </a:extLst>
+          </p:cNvPr>
+          <p:cNvSpPr txBox="1"/>
+          <p:nvPr/>
+        </p:nvSpPr>
+        <p:spPr>
+          <a:xfrm>
+            <a:off x="10813343" y="11306284"/>
+            <a:ext cx="258573" cy="338554"/>
+          </a:xfrm>
+          <a:prstGeom prst="rect">
+            <a:avLst/>
+          </a:prstGeom>
+          <a:noFill/>
+        </p:spPr>
+        <p:txBody>
+          <a:bodyPr wrap="square">
+            <a:spAutoFit/>
+          </a:bodyPr>
+          <a:lstStyle/>
+          <a:p>
+            <a:pPr algn="ctr"/>
+            <a:r>
+              <a:rPr lang="en-US" sz="1600" dirty="0">
+                <a:latin typeface="Avenir LT Std 35 Light" panose="020B0402020203020204" pitchFamily="34" charset="0"/>
+              </a:rPr>
+              <a:t>v</a:t>
+            </a:r>
+          </a:p>
+        </p:txBody>
+      </p:sp>
+      <p:sp>
+        <p:nvSpPr>
+          <p:cNvPr id="201" name="Freeform: Shape 200">
+            <a:extLst>
+              <a:ext uri="{FF2B5EF4-FFF2-40B4-BE49-F238E27FC236}">
+                <a16:creationId xmlns:a16="http://schemas.microsoft.com/office/drawing/2014/main" id="{834B2C3E-98DF-50FC-C31D-6E077AB3FAF7}"/>
+              </a:ext>
+            </a:extLst>
+          </p:cNvPr>
+          <p:cNvSpPr/>
+          <p:nvPr/>
+        </p:nvSpPr>
+        <p:spPr>
+          <a:xfrm>
+            <a:off x="8486013" y="10992914"/>
+            <a:ext cx="1406023" cy="719864"/>
+          </a:xfrm>
+          <a:custGeom>
+            <a:avLst/>
+            <a:gdLst>
+              <a:gd name="connsiteX0" fmla="*/ 119980 w 1406023"/>
+              <a:gd name="connsiteY0" fmla="*/ 0 h 719864"/>
+              <a:gd name="connsiteX1" fmla="*/ 1286043 w 1406023"/>
+              <a:gd name="connsiteY1" fmla="*/ 0 h 719864"/>
+              <a:gd name="connsiteX2" fmla="*/ 1406023 w 1406023"/>
+              <a:gd name="connsiteY2" fmla="*/ 119980 h 719864"/>
+              <a:gd name="connsiteX3" fmla="*/ 1406023 w 1406023"/>
+              <a:gd name="connsiteY3" fmla="*/ 599884 h 719864"/>
+              <a:gd name="connsiteX4" fmla="*/ 1286043 w 1406023"/>
+              <a:gd name="connsiteY4" fmla="*/ 719864 h 719864"/>
+              <a:gd name="connsiteX5" fmla="*/ 119980 w 1406023"/>
+              <a:gd name="connsiteY5" fmla="*/ 719864 h 719864"/>
+              <a:gd name="connsiteX6" fmla="*/ 0 w 1406023"/>
+              <a:gd name="connsiteY6" fmla="*/ 599884 h 719864"/>
+              <a:gd name="connsiteX7" fmla="*/ 0 w 1406023"/>
+              <a:gd name="connsiteY7" fmla="*/ 444934 h 719864"/>
+              <a:gd name="connsiteX8" fmla="*/ 257360 w 1406023"/>
+              <a:gd name="connsiteY8" fmla="*/ 444934 h 719864"/>
+              <a:gd name="connsiteX9" fmla="*/ 257360 w 1406023"/>
+              <a:gd name="connsiteY9" fmla="*/ 539334 h 719864"/>
+              <a:gd name="connsiteX10" fmla="*/ 572854 w 1406023"/>
+              <a:gd name="connsiteY10" fmla="*/ 350535 h 719864"/>
+              <a:gd name="connsiteX11" fmla="*/ 257360 w 1406023"/>
+              <a:gd name="connsiteY11" fmla="*/ 161736 h 719864"/>
+              <a:gd name="connsiteX12" fmla="*/ 257360 w 1406023"/>
+              <a:gd name="connsiteY12" fmla="*/ 256135 h 719864"/>
+              <a:gd name="connsiteX13" fmla="*/ 0 w 1406023"/>
+              <a:gd name="connsiteY13" fmla="*/ 256135 h 719864"/>
+              <a:gd name="connsiteX14" fmla="*/ 0 w 1406023"/>
+              <a:gd name="connsiteY14" fmla="*/ 119980 h 719864"/>
+              <a:gd name="connsiteX15" fmla="*/ 119980 w 1406023"/>
+              <a:gd name="connsiteY15" fmla="*/ 0 h 719864"/>
+            </a:gdLst>
+            <a:ahLst/>
+            <a:cxnLst>
+              <a:cxn ang="0">
+                <a:pos x="connsiteX0" y="connsiteY0"/>
+              </a:cxn>
+              <a:cxn ang="0">
+                <a:pos x="connsiteX1" y="connsiteY1"/>
+              </a:cxn>
+              <a:cxn ang="0">
+                <a:pos x="connsiteX2" y="connsiteY2"/>
+              </a:cxn>
+              <a:cxn ang="0">
+                <a:pos x="connsiteX3" y="connsiteY3"/>
+              </a:cxn>
+              <a:cxn ang="0">
+                <a:pos x="connsiteX4" y="connsiteY4"/>
+              </a:cxn>
+              <a:cxn ang="0">
+                <a:pos x="connsiteX5" y="connsiteY5"/>
+              </a:cxn>
+              <a:cxn ang="0">
+                <a:pos x="connsiteX6" y="connsiteY6"/>
+              </a:cxn>
+              <a:cxn ang="0">
+                <a:pos x="connsiteX7" y="connsiteY7"/>
+              </a:cxn>
+              <a:cxn ang="0">
+                <a:pos x="connsiteX8" y="connsiteY8"/>
+              </a:cxn>
+              <a:cxn ang="0">
+                <a:pos x="connsiteX9" y="connsiteY9"/>
+              </a:cxn>
+              <a:cxn ang="0">
+                <a:pos x="connsiteX10" y="connsiteY10"/>
+              </a:cxn>
+              <a:cxn ang="0">
+                <a:pos x="connsiteX11" y="connsiteY11"/>
+              </a:cxn>
+              <a:cxn ang="0">
+                <a:pos x="connsiteX12" y="connsiteY12"/>
+              </a:cxn>
+              <a:cxn ang="0">
+                <a:pos x="connsiteX13" y="connsiteY13"/>
+              </a:cxn>
+              <a:cxn ang="0">
+                <a:pos x="connsiteX14" y="connsiteY14"/>
+              </a:cxn>
+              <a:cxn ang="0">
+                <a:pos x="connsiteX15" y="connsiteY15"/>
+              </a:cxn>
+            </a:cxnLst>
+            <a:rect l="l" t="t" r="r" b="b"/>
+            <a:pathLst>
+              <a:path w="1406023" h="719864">
+                <a:moveTo>
+                  <a:pt x="119980" y="0"/>
+                </a:moveTo>
+                <a:lnTo>
+                  <a:pt x="1286043" y="0"/>
+                </a:lnTo>
+                <a:cubicBezTo>
+                  <a:pt x="1352306" y="0"/>
+                  <a:pt x="1406023" y="53717"/>
+                  <a:pt x="1406023" y="119980"/>
+                </a:cubicBezTo>
+                <a:lnTo>
+                  <a:pt x="1406023" y="599884"/>
+                </a:lnTo>
+                <a:cubicBezTo>
+                  <a:pt x="1406023" y="666147"/>
+                  <a:pt x="1352306" y="719864"/>
+                  <a:pt x="1286043" y="719864"/>
+                </a:cubicBezTo>
+                <a:lnTo>
+                  <a:pt x="119980" y="719864"/>
+                </a:lnTo>
+                <a:cubicBezTo>
+                  <a:pt x="53717" y="719864"/>
+                  <a:pt x="0" y="666147"/>
+                  <a:pt x="0" y="599884"/>
+                </a:cubicBezTo>
+                <a:lnTo>
+                  <a:pt x="0" y="444934"/>
+                </a:lnTo>
+                <a:lnTo>
+                  <a:pt x="257360" y="444934"/>
+                </a:lnTo>
+                <a:lnTo>
+                  <a:pt x="257360" y="539334"/>
+                </a:lnTo>
+                <a:lnTo>
+                  <a:pt x="572854" y="350535"/>
+                </a:lnTo>
+                <a:lnTo>
+                  <a:pt x="257360" y="161736"/>
+                </a:lnTo>
+                <a:lnTo>
+                  <a:pt x="257360" y="256135"/>
+                </a:lnTo>
+                <a:lnTo>
+                  <a:pt x="0" y="256135"/>
+                </a:lnTo>
+                <a:lnTo>
+                  <a:pt x="0" y="119980"/>
+                </a:lnTo>
+                <a:cubicBezTo>
+                  <a:pt x="0" y="53717"/>
+                  <a:pt x="53717" y="0"/>
+                  <a:pt x="119980" y="0"/>
+                </a:cubicBezTo>
+                <a:close/>
+              </a:path>
+            </a:pathLst>
+          </a:custGeom>
+          <a:solidFill>
+            <a:schemeClr val="bg1"/>
+          </a:solidFill>
+          <a:ln w="25400">
+            <a:solidFill>
+              <a:schemeClr val="tx1"/>
+            </a:solidFill>
+          </a:ln>
+        </p:spPr>
+        <p:style>
+          <a:lnRef idx="2">
+            <a:schemeClr val="accent1">
+              <a:shade val="50000"/>
+            </a:schemeClr>
+          </a:lnRef>
+          <a:fillRef idx="1">
+            <a:schemeClr val="accent1"/>
+          </a:fillRef>
+          <a:effectRef idx="0">
+            <a:schemeClr val="accent1"/>
+          </a:effectRef>
+          <a:fontRef idx="minor">
+            <a:schemeClr val="lt1"/>
+          </a:fontRef>
+        </p:style>
+        <p:txBody>
+          <a:bodyPr wrap="square" rtlCol="0" anchor="ctr">
+            <a:noAutofit/>
+          </a:bodyPr>
+          <a:lstStyle/>
+          <a:p>
+            <a:pPr algn="ctr"/>
+            <a:endParaRPr lang="en-US" sz="1350" dirty="0">
+              <a:effectLst>
+                <a:outerShdw blurRad="50800" dist="50800" dir="5400000" sx="59000" sy="59000" algn="ctr" rotWithShape="0">
+                  <a:srgbClr val="000000">
+                    <a:alpha val="43137"/>
+                  </a:srgbClr>
+                </a:outerShdw>
+              </a:effectLst>
+            </a:endParaRPr>
+          </a:p>
+          <a:p>
+            <a:pPr algn="ctr"/>
+            <a:endParaRPr lang="en-US" sz="1350" dirty="0"/>
+          </a:p>
+        </p:txBody>
+      </p:sp>
+      <p:sp>
+        <p:nvSpPr>
+          <p:cNvPr id="202" name="TextBox 201">
+            <a:extLst>
+              <a:ext uri="{FF2B5EF4-FFF2-40B4-BE49-F238E27FC236}">
+                <a16:creationId xmlns:a16="http://schemas.microsoft.com/office/drawing/2014/main" id="{241AE424-D20C-F0A8-1A07-E830B0F90992}"/>
+              </a:ext>
+            </a:extLst>
+          </p:cNvPr>
+          <p:cNvSpPr txBox="1"/>
+          <p:nvPr/>
+        </p:nvSpPr>
+        <p:spPr>
+          <a:xfrm>
+            <a:off x="9122020" y="11114690"/>
+            <a:ext cx="778510" cy="461665"/>
+          </a:xfrm>
+          <a:prstGeom prst="rect">
+            <a:avLst/>
+          </a:prstGeom>
+          <a:noFill/>
+        </p:spPr>
+        <p:txBody>
+          <a:bodyPr wrap="square">
+            <a:spAutoFit/>
+          </a:bodyPr>
+          <a:lstStyle/>
+          <a:p>
+            <a:r>
+              <a:rPr lang="en-US" sz="2400" dirty="0">
+                <a:solidFill>
+                  <a:schemeClr val="tx1"/>
+                </a:solidFill>
+                <a:latin typeface="Avenir LT Std 35 Light" panose="020B0402020203020204" pitchFamily="34" charset="0"/>
+              </a:rPr>
+              <a:t>lazy</a:t>
+            </a:r>
+            <a:endParaRPr lang="en-GB" dirty="0"/>
+          </a:p>
+        </p:txBody>
+      </p:sp>
+      <p:sp>
+        <p:nvSpPr>
+          <p:cNvPr id="203" name="TextBox 202">
+            <a:extLst>
+              <a:ext uri="{FF2B5EF4-FFF2-40B4-BE49-F238E27FC236}">
+                <a16:creationId xmlns:a16="http://schemas.microsoft.com/office/drawing/2014/main" id="{B3E66B53-3A38-95E6-5923-E329C52D9762}"/>
+              </a:ext>
+            </a:extLst>
+          </p:cNvPr>
+          <p:cNvSpPr txBox="1"/>
+          <p:nvPr/>
+        </p:nvSpPr>
+        <p:spPr>
+          <a:xfrm>
+            <a:off x="9632537" y="11306013"/>
+            <a:ext cx="258573" cy="338554"/>
+          </a:xfrm>
+          <a:prstGeom prst="rect">
+            <a:avLst/>
+          </a:prstGeom>
+          <a:noFill/>
+        </p:spPr>
+        <p:txBody>
+          <a:bodyPr wrap="square">
+            <a:spAutoFit/>
+          </a:bodyPr>
+          <a:lstStyle/>
+          <a:p>
+            <a:pPr algn="ctr"/>
+            <a:r>
+              <a:rPr lang="en-US" sz="1600" dirty="0">
+                <a:latin typeface="Avenir LT Std 35 Light" panose="020B0402020203020204" pitchFamily="34" charset="0"/>
+              </a:rPr>
+              <a:t>q</a:t>
+            </a:r>
+          </a:p>
+        </p:txBody>
+      </p:sp>
+      <p:sp>
+        <p:nvSpPr>
+          <p:cNvPr id="204" name="Rectangle: Rounded Corners 11">
+            <a:extLst>
+              <a:ext uri="{FF2B5EF4-FFF2-40B4-BE49-F238E27FC236}">
+                <a16:creationId xmlns:a16="http://schemas.microsoft.com/office/drawing/2014/main" id="{3FA8C86E-F8CD-CF7E-4676-1F0607CED502}"/>
+              </a:ext>
+            </a:extLst>
+          </p:cNvPr>
+          <p:cNvSpPr/>
+          <p:nvPr/>
+        </p:nvSpPr>
+        <p:spPr>
+          <a:xfrm>
+            <a:off x="9925862" y="11834377"/>
+            <a:ext cx="1406023" cy="719864"/>
+          </a:xfrm>
+          <a:prstGeom prst="roundRect">
+            <a:avLst/>
+          </a:prstGeom>
+          <a:solidFill>
+            <a:schemeClr val="bg1"/>
+          </a:solidFill>
+          <a:ln w="25400">
+            <a:solidFill>
+              <a:schemeClr val="tx1"/>
+            </a:solidFill>
+          </a:ln>
+        </p:spPr>
+        <p:style>
+          <a:lnRef idx="2">
+            <a:schemeClr val="accent1">
+              <a:shade val="50000"/>
+            </a:schemeClr>
+          </a:lnRef>
+          <a:fillRef idx="1">
+            <a:schemeClr val="accent1"/>
+          </a:fillRef>
+          <a:effectRef idx="0">
+            <a:schemeClr val="accent1"/>
+          </a:effectRef>
+          <a:fontRef idx="minor">
+            <a:schemeClr val="lt1"/>
+          </a:fontRef>
+        </p:style>
+        <p:txBody>
+          <a:bodyPr rtlCol="0" anchor="ctr"/>
+          <a:lstStyle/>
+          <a:p>
+            <a:pPr algn="ctr"/>
+            <a:endParaRPr lang="en-US" sz="1350" dirty="0">
+              <a:effectLst>
+                <a:outerShdw blurRad="50800" dist="50800" dir="5400000" sx="59000" sy="59000" algn="ctr" rotWithShape="0">
+                  <a:srgbClr val="000000">
+                    <a:alpha val="43137"/>
+                  </a:srgbClr>
+                </a:outerShdw>
+              </a:effectLst>
+            </a:endParaRPr>
+          </a:p>
+          <a:p>
+            <a:pPr algn="ctr"/>
+            <a:r>
+              <a:rPr lang="en-US" sz="2400" dirty="0">
+                <a:solidFill>
+                  <a:schemeClr val="tx1"/>
+                </a:solidFill>
+                <a:latin typeface="Avenir LT Std 35 Light" panose="020B0402020203020204" pitchFamily="34" charset="0"/>
+              </a:rPr>
+              <a:t>dog</a:t>
+            </a:r>
+            <a:r>
+              <a:rPr lang="en-US" sz="2400" dirty="0">
+                <a:solidFill>
+                  <a:schemeClr val="tx1"/>
+                </a:solidFill>
+                <a:latin typeface="Arial Rounded MT Bold" panose="020F0704030504030204" pitchFamily="34" charset="0"/>
+              </a:rPr>
+              <a:t> </a:t>
+            </a:r>
+          </a:p>
+          <a:p>
+            <a:pPr algn="ctr"/>
+            <a:endParaRPr lang="en-US" sz="1350" dirty="0"/>
+          </a:p>
+        </p:txBody>
+      </p:sp>
+      <p:sp>
+        <p:nvSpPr>
+          <p:cNvPr id="205" name="TextBox 204">
+            <a:extLst>
+              <a:ext uri="{FF2B5EF4-FFF2-40B4-BE49-F238E27FC236}">
+                <a16:creationId xmlns:a16="http://schemas.microsoft.com/office/drawing/2014/main" id="{21C658DB-D05F-F65E-7FF0-96CE6D886610}"/>
+              </a:ext>
+            </a:extLst>
+          </p:cNvPr>
+          <p:cNvSpPr txBox="1"/>
+          <p:nvPr/>
+        </p:nvSpPr>
+        <p:spPr>
+          <a:xfrm>
+            <a:off x="10853851" y="12194309"/>
+            <a:ext cx="258573" cy="338554"/>
+          </a:xfrm>
+          <a:prstGeom prst="rect">
+            <a:avLst/>
+          </a:prstGeom>
+          <a:noFill/>
+        </p:spPr>
+        <p:txBody>
+          <a:bodyPr wrap="square">
+            <a:spAutoFit/>
+          </a:bodyPr>
+          <a:lstStyle/>
+          <a:p>
+            <a:pPr algn="ctr"/>
+            <a:r>
+              <a:rPr lang="en-US" sz="1600" dirty="0">
+                <a:latin typeface="Avenir LT Std 35 Light" panose="020B0402020203020204" pitchFamily="34" charset="0"/>
+              </a:rPr>
+              <a:t>v</a:t>
+            </a:r>
+          </a:p>
+        </p:txBody>
+      </p:sp>
+    </p:spTree>
+    <p:extLst>
+      <p:ext uri="{BB962C8B-B14F-4D97-AF65-F5344CB8AC3E}">
+        <p14:creationId xmlns:p14="http://schemas.microsoft.com/office/powerpoint/2010/main" val="865623679"/>
+      </p:ext>
+    </p:extLst>
+  </p:cSld>
+  <p:clrMapOvr>
+    <a:masterClrMapping/>
+  </p:clrMapOvr>
+</p:sld>
+</file>
+
 <file path=ppt/theme/theme1.xml><?xml version="1.0" encoding="utf-8"?>
 <a:theme xmlns:a="http://schemas.openxmlformats.org/drawingml/2006/main" name="Office Theme">
   <a:themeElements>
